--- a/hw3/HW3_result.pptx
+++ b/hw3/HW3_result.pptx
@@ -5,25 +5,18 @@
     <p:sldMasterId id="2147483696" r:id="rId1"/>
   </p:sldMasterIdLst>
   <p:notesMasterIdLst>
-    <p:notesMasterId r:id="rId18"/>
+    <p:notesMasterId r:id="rId11"/>
   </p:notesMasterIdLst>
   <p:sldIdLst>
     <p:sldId id="256" r:id="rId2"/>
     <p:sldId id="257" r:id="rId3"/>
-    <p:sldId id="273" r:id="rId4"/>
+    <p:sldId id="286" r:id="rId4"/>
     <p:sldId id="263" r:id="rId5"/>
     <p:sldId id="276" r:id="rId6"/>
     <p:sldId id="281" r:id="rId7"/>
-    <p:sldId id="283" r:id="rId8"/>
-    <p:sldId id="284" r:id="rId9"/>
+    <p:sldId id="287" r:id="rId8"/>
+    <p:sldId id="288" r:id="rId9"/>
     <p:sldId id="285" r:id="rId10"/>
-    <p:sldId id="258" r:id="rId11"/>
-    <p:sldId id="274" r:id="rId12"/>
-    <p:sldId id="277" r:id="rId13"/>
-    <p:sldId id="278" r:id="rId14"/>
-    <p:sldId id="279" r:id="rId15"/>
-    <p:sldId id="282" r:id="rId16"/>
-    <p:sldId id="280" r:id="rId17"/>
   </p:sldIdLst>
   <p:sldSz cx="12192000" cy="6858000"/>
   <p:notesSz cx="6858000" cy="9144000"/>
@@ -212,7 +205,7 @@
           <a:p>
             <a:fld id="{F4C5D35F-E7EB-474A-8CB4-6B498EA31E0E}" type="datetimeFigureOut">
               <a:rPr lang="zh-TW" altLang="en-US" smtClean="0"/>
-              <a:t>2024/12/22</a:t>
+              <a:t>2024/12/24</a:t>
             </a:fld>
             <a:endParaRPr lang="zh-TW" altLang="en-US"/>
           </a:p>
@@ -544,6 +537,90 @@
           <a:p>
             <a:fld id="{6EB747D6-62AD-46F2-AC93-A87284EAAF43}" type="slidenum">
               <a:rPr lang="zh-TW" altLang="en-US" smtClean="0"/>
+              <a:t>2</a:t>
+            </a:fld>
+            <a:endParaRPr lang="zh-TW" altLang="en-US"/>
+          </a:p>
+        </p:txBody>
+      </p:sp>
+    </p:spTree>
+    <p:extLst>
+      <p:ext uri="{BB962C8B-B14F-4D97-AF65-F5344CB8AC3E}">
+        <p14:creationId xmlns:p14="http://schemas.microsoft.com/office/powerpoint/2010/main" val="931911187"/>
+      </p:ext>
+    </p:extLst>
+  </p:cSld>
+  <p:clrMapOvr>
+    <a:masterClrMapping/>
+  </p:clrMapOvr>
+</p:notes>
+</file>
+
+<file path=ppt/notesSlides/notesSlide2.xml><?xml version="1.0" encoding="utf-8"?>
+<p:notes xmlns:a="http://schemas.openxmlformats.org/drawingml/2006/main" xmlns:r="http://schemas.openxmlformats.org/officeDocument/2006/relationships" xmlns:p="http://schemas.openxmlformats.org/presentationml/2006/main">
+  <p:cSld>
+    <p:spTree>
+      <p:nvGrpSpPr>
+        <p:cNvPr id="1" name=""/>
+        <p:cNvGrpSpPr/>
+        <p:nvPr/>
+      </p:nvGrpSpPr>
+      <p:grpSpPr>
+        <a:xfrm>
+          <a:off x="0" y="0"/>
+          <a:ext cx="0" cy="0"/>
+          <a:chOff x="0" y="0"/>
+          <a:chExt cx="0" cy="0"/>
+        </a:xfrm>
+      </p:grpSpPr>
+      <p:sp>
+        <p:nvSpPr>
+          <p:cNvPr id="2" name="投影片影像版面配置區 1"/>
+          <p:cNvSpPr>
+            <a:spLocks noGrp="1" noRot="1" noChangeAspect="1"/>
+          </p:cNvSpPr>
+          <p:nvPr>
+            <p:ph type="sldImg"/>
+          </p:nvPr>
+        </p:nvSpPr>
+        <p:spPr/>
+      </p:sp>
+      <p:sp>
+        <p:nvSpPr>
+          <p:cNvPr id="3" name="備忘稿版面配置區 2"/>
+          <p:cNvSpPr>
+            <a:spLocks noGrp="1"/>
+          </p:cNvSpPr>
+          <p:nvPr>
+            <p:ph type="body" idx="1"/>
+          </p:nvPr>
+        </p:nvSpPr>
+        <p:spPr/>
+        <p:txBody>
+          <a:bodyPr/>
+          <a:lstStyle/>
+          <a:p>
+            <a:endParaRPr lang="zh-TW" altLang="en-US" dirty="0"/>
+          </a:p>
+        </p:txBody>
+      </p:sp>
+      <p:sp>
+        <p:nvSpPr>
+          <p:cNvPr id="4" name="投影片編號版面配置區 3"/>
+          <p:cNvSpPr>
+            <a:spLocks noGrp="1"/>
+          </p:cNvSpPr>
+          <p:nvPr>
+            <p:ph type="sldNum" sz="quarter" idx="5"/>
+          </p:nvPr>
+        </p:nvSpPr>
+        <p:spPr/>
+        <p:txBody>
+          <a:bodyPr/>
+          <a:lstStyle/>
+          <a:p>
+            <a:fld id="{6EB747D6-62AD-46F2-AC93-A87284EAAF43}" type="slidenum">
+              <a:rPr lang="zh-TW" altLang="en-US" smtClean="0"/>
               <a:t>4</a:t>
             </a:fld>
             <a:endParaRPr lang="zh-TW" altLang="en-US"/>
@@ -563,7 +640,7 @@
 </p:notes>
 </file>
 
-<file path=ppt/notesSlides/notesSlide2.xml><?xml version="1.0" encoding="utf-8"?>
+<file path=ppt/notesSlides/notesSlide3.xml><?xml version="1.0" encoding="utf-8"?>
 <p:notes xmlns:a="http://schemas.openxmlformats.org/drawingml/2006/main" xmlns:r="http://schemas.openxmlformats.org/officeDocument/2006/relationships" xmlns:p="http://schemas.openxmlformats.org/presentationml/2006/main">
   <p:cSld>
     <p:spTree>
@@ -671,7 +748,7 @@
 </p:notes>
 </file>
 
-<file path=ppt/notesSlides/notesSlide3.xml><?xml version="1.0" encoding="utf-8"?>
+<file path=ppt/notesSlides/notesSlide4.xml><?xml version="1.0" encoding="utf-8"?>
 <p:notes xmlns:a="http://schemas.openxmlformats.org/drawingml/2006/main" xmlns:r="http://schemas.openxmlformats.org/officeDocument/2006/relationships" xmlns:p="http://schemas.openxmlformats.org/presentationml/2006/main">
   <p:cSld>
     <p:spTree>
@@ -779,7 +856,7 @@
 </p:notes>
 </file>
 
-<file path=ppt/notesSlides/notesSlide4.xml><?xml version="1.0" encoding="utf-8"?>
+<file path=ppt/notesSlides/notesSlide5.xml><?xml version="1.0" encoding="utf-8"?>
 <p:notes xmlns:a="http://schemas.openxmlformats.org/drawingml/2006/main" xmlns:r="http://schemas.openxmlformats.org/officeDocument/2006/relationships" xmlns:p="http://schemas.openxmlformats.org/presentationml/2006/main">
   <p:cSld>
     <p:spTree>
@@ -787,7 +864,7 @@
         <p:cNvPr id="1" name="">
           <a:extLst>
             <a:ext uri="{FF2B5EF4-FFF2-40B4-BE49-F238E27FC236}">
-              <a16:creationId xmlns:a16="http://schemas.microsoft.com/office/drawing/2014/main" id="{7F303579-FD73-E34A-AF93-0484654EB57C}"/>
+              <a16:creationId xmlns:a16="http://schemas.microsoft.com/office/drawing/2014/main" id="{4A0150DC-5530-5FD2-09AC-C90E2CCD0315}"/>
             </a:ext>
           </a:extLst>
         </p:cNvPr>
@@ -807,7 +884,7 @@
           <p:cNvPr id="2" name="投影片影像版面配置區 1">
             <a:extLst>
               <a:ext uri="{FF2B5EF4-FFF2-40B4-BE49-F238E27FC236}">
-                <a16:creationId xmlns:a16="http://schemas.microsoft.com/office/drawing/2014/main" id="{688ED3CE-71DD-8B3C-EE24-975D267792EA}"/>
+                <a16:creationId xmlns:a16="http://schemas.microsoft.com/office/drawing/2014/main" id="{68456A73-ECCD-92AC-1AC9-698F8D695C47}"/>
               </a:ext>
             </a:extLst>
           </p:cNvPr>
@@ -825,7 +902,7 @@
           <p:cNvPr id="3" name="備忘稿版面配置區 2">
             <a:extLst>
               <a:ext uri="{FF2B5EF4-FFF2-40B4-BE49-F238E27FC236}">
-                <a16:creationId xmlns:a16="http://schemas.microsoft.com/office/drawing/2014/main" id="{664180EA-FA13-7264-7E98-0FE7254B069D}"/>
+                <a16:creationId xmlns:a16="http://schemas.microsoft.com/office/drawing/2014/main" id="{C3F506E0-1C67-80EB-74AA-872AD01BEC0D}"/>
               </a:ext>
             </a:extLst>
           </p:cNvPr>
@@ -850,7 +927,7 @@
           <p:cNvPr id="4" name="投影片編號版面配置區 3">
             <a:extLst>
               <a:ext uri="{FF2B5EF4-FFF2-40B4-BE49-F238E27FC236}">
-                <a16:creationId xmlns:a16="http://schemas.microsoft.com/office/drawing/2014/main" id="{89659FDD-6906-8AD4-DFE3-BBEAB6C84FE0}"/>
+                <a16:creationId xmlns:a16="http://schemas.microsoft.com/office/drawing/2014/main" id="{3E123F49-E94F-7A68-B0BF-6FD3E623E82F}"/>
               </a:ext>
             </a:extLst>
           </p:cNvPr>
@@ -868,7 +945,7 @@
           <a:p>
             <a:fld id="{6EB747D6-62AD-46F2-AC93-A87284EAAF43}" type="slidenum">
               <a:rPr lang="zh-TW" altLang="en-US" smtClean="0"/>
-              <a:t>12</a:t>
+              <a:t>7</a:t>
             </a:fld>
             <a:endParaRPr lang="zh-TW" altLang="en-US"/>
           </a:p>
@@ -877,439 +954,7 @@
     </p:spTree>
     <p:extLst>
       <p:ext uri="{BB962C8B-B14F-4D97-AF65-F5344CB8AC3E}">
-        <p14:creationId xmlns:p14="http://schemas.microsoft.com/office/powerpoint/2010/main" val="2080110145"/>
-      </p:ext>
-    </p:extLst>
-  </p:cSld>
-  <p:clrMapOvr>
-    <a:masterClrMapping/>
-  </p:clrMapOvr>
-</p:notes>
-</file>
-
-<file path=ppt/notesSlides/notesSlide5.xml><?xml version="1.0" encoding="utf-8"?>
-<p:notes xmlns:a="http://schemas.openxmlformats.org/drawingml/2006/main" xmlns:r="http://schemas.openxmlformats.org/officeDocument/2006/relationships" xmlns:p="http://schemas.openxmlformats.org/presentationml/2006/main">
-  <p:cSld>
-    <p:spTree>
-      <p:nvGrpSpPr>
-        <p:cNvPr id="1" name="">
-          <a:extLst>
-            <a:ext uri="{FF2B5EF4-FFF2-40B4-BE49-F238E27FC236}">
-              <a16:creationId xmlns:a16="http://schemas.microsoft.com/office/drawing/2014/main" id="{BCCAFE81-7AB2-AB98-956E-B46252622360}"/>
-            </a:ext>
-          </a:extLst>
-        </p:cNvPr>
-        <p:cNvGrpSpPr/>
-        <p:nvPr/>
-      </p:nvGrpSpPr>
-      <p:grpSpPr>
-        <a:xfrm>
-          <a:off x="0" y="0"/>
-          <a:ext cx="0" cy="0"/>
-          <a:chOff x="0" y="0"/>
-          <a:chExt cx="0" cy="0"/>
-        </a:xfrm>
-      </p:grpSpPr>
-      <p:sp>
-        <p:nvSpPr>
-          <p:cNvPr id="2" name="投影片影像版面配置區 1">
-            <a:extLst>
-              <a:ext uri="{FF2B5EF4-FFF2-40B4-BE49-F238E27FC236}">
-                <a16:creationId xmlns:a16="http://schemas.microsoft.com/office/drawing/2014/main" id="{5EDBEAA1-5F1B-66C8-03B9-6364891D8542}"/>
-              </a:ext>
-            </a:extLst>
-          </p:cNvPr>
-          <p:cNvSpPr>
-            <a:spLocks noGrp="1" noRot="1" noChangeAspect="1"/>
-          </p:cNvSpPr>
-          <p:nvPr>
-            <p:ph type="sldImg"/>
-          </p:nvPr>
-        </p:nvSpPr>
-        <p:spPr/>
-      </p:sp>
-      <p:sp>
-        <p:nvSpPr>
-          <p:cNvPr id="3" name="備忘稿版面配置區 2">
-            <a:extLst>
-              <a:ext uri="{FF2B5EF4-FFF2-40B4-BE49-F238E27FC236}">
-                <a16:creationId xmlns:a16="http://schemas.microsoft.com/office/drawing/2014/main" id="{4D854E1E-F943-4AE3-B99C-C92116DF9565}"/>
-              </a:ext>
-            </a:extLst>
-          </p:cNvPr>
-          <p:cNvSpPr>
-            <a:spLocks noGrp="1"/>
-          </p:cNvSpPr>
-          <p:nvPr>
-            <p:ph type="body" idx="1"/>
-          </p:nvPr>
-        </p:nvSpPr>
-        <p:spPr/>
-        <p:txBody>
-          <a:bodyPr/>
-          <a:lstStyle/>
-          <a:p>
-            <a:endParaRPr lang="zh-TW" altLang="en-US" dirty="0"/>
-          </a:p>
-        </p:txBody>
-      </p:sp>
-      <p:sp>
-        <p:nvSpPr>
-          <p:cNvPr id="4" name="投影片編號版面配置區 3">
-            <a:extLst>
-              <a:ext uri="{FF2B5EF4-FFF2-40B4-BE49-F238E27FC236}">
-                <a16:creationId xmlns:a16="http://schemas.microsoft.com/office/drawing/2014/main" id="{9CAA312A-D055-E9EA-D15C-B720809AE857}"/>
-              </a:ext>
-            </a:extLst>
-          </p:cNvPr>
-          <p:cNvSpPr>
-            <a:spLocks noGrp="1"/>
-          </p:cNvSpPr>
-          <p:nvPr>
-            <p:ph type="sldNum" sz="quarter" idx="5"/>
-          </p:nvPr>
-        </p:nvSpPr>
-        <p:spPr/>
-        <p:txBody>
-          <a:bodyPr/>
-          <a:lstStyle/>
-          <a:p>
-            <a:fld id="{6EB747D6-62AD-46F2-AC93-A87284EAAF43}" type="slidenum">
-              <a:rPr lang="zh-TW" altLang="en-US" smtClean="0"/>
-              <a:t>13</a:t>
-            </a:fld>
-            <a:endParaRPr lang="zh-TW" altLang="en-US"/>
-          </a:p>
-        </p:txBody>
-      </p:sp>
-    </p:spTree>
-    <p:extLst>
-      <p:ext uri="{BB962C8B-B14F-4D97-AF65-F5344CB8AC3E}">
-        <p14:creationId xmlns:p14="http://schemas.microsoft.com/office/powerpoint/2010/main" val="623928331"/>
-      </p:ext>
-    </p:extLst>
-  </p:cSld>
-  <p:clrMapOvr>
-    <a:masterClrMapping/>
-  </p:clrMapOvr>
-</p:notes>
-</file>
-
-<file path=ppt/notesSlides/notesSlide6.xml><?xml version="1.0" encoding="utf-8"?>
-<p:notes xmlns:a="http://schemas.openxmlformats.org/drawingml/2006/main" xmlns:r="http://schemas.openxmlformats.org/officeDocument/2006/relationships" xmlns:p="http://schemas.openxmlformats.org/presentationml/2006/main">
-  <p:cSld>
-    <p:spTree>
-      <p:nvGrpSpPr>
-        <p:cNvPr id="1" name="">
-          <a:extLst>
-            <a:ext uri="{FF2B5EF4-FFF2-40B4-BE49-F238E27FC236}">
-              <a16:creationId xmlns:a16="http://schemas.microsoft.com/office/drawing/2014/main" id="{5FDEA458-96F0-374B-57FF-9AC733659561}"/>
-            </a:ext>
-          </a:extLst>
-        </p:cNvPr>
-        <p:cNvGrpSpPr/>
-        <p:nvPr/>
-      </p:nvGrpSpPr>
-      <p:grpSpPr>
-        <a:xfrm>
-          <a:off x="0" y="0"/>
-          <a:ext cx="0" cy="0"/>
-          <a:chOff x="0" y="0"/>
-          <a:chExt cx="0" cy="0"/>
-        </a:xfrm>
-      </p:grpSpPr>
-      <p:sp>
-        <p:nvSpPr>
-          <p:cNvPr id="2" name="投影片影像版面配置區 1">
-            <a:extLst>
-              <a:ext uri="{FF2B5EF4-FFF2-40B4-BE49-F238E27FC236}">
-                <a16:creationId xmlns:a16="http://schemas.microsoft.com/office/drawing/2014/main" id="{E68C0673-7E52-A7D7-B59C-550F443BD34A}"/>
-              </a:ext>
-            </a:extLst>
-          </p:cNvPr>
-          <p:cNvSpPr>
-            <a:spLocks noGrp="1" noRot="1" noChangeAspect="1"/>
-          </p:cNvSpPr>
-          <p:nvPr>
-            <p:ph type="sldImg"/>
-          </p:nvPr>
-        </p:nvSpPr>
-        <p:spPr/>
-      </p:sp>
-      <p:sp>
-        <p:nvSpPr>
-          <p:cNvPr id="3" name="備忘稿版面配置區 2">
-            <a:extLst>
-              <a:ext uri="{FF2B5EF4-FFF2-40B4-BE49-F238E27FC236}">
-                <a16:creationId xmlns:a16="http://schemas.microsoft.com/office/drawing/2014/main" id="{8DB7878A-80D7-508A-8D4D-C7133F034592}"/>
-              </a:ext>
-            </a:extLst>
-          </p:cNvPr>
-          <p:cNvSpPr>
-            <a:spLocks noGrp="1"/>
-          </p:cNvSpPr>
-          <p:nvPr>
-            <p:ph type="body" idx="1"/>
-          </p:nvPr>
-        </p:nvSpPr>
-        <p:spPr/>
-        <p:txBody>
-          <a:bodyPr/>
-          <a:lstStyle/>
-          <a:p>
-            <a:endParaRPr lang="zh-TW" altLang="en-US" dirty="0"/>
-          </a:p>
-        </p:txBody>
-      </p:sp>
-      <p:sp>
-        <p:nvSpPr>
-          <p:cNvPr id="4" name="投影片編號版面配置區 3">
-            <a:extLst>
-              <a:ext uri="{FF2B5EF4-FFF2-40B4-BE49-F238E27FC236}">
-                <a16:creationId xmlns:a16="http://schemas.microsoft.com/office/drawing/2014/main" id="{F5987E60-4B97-02AC-4FAD-BC9762AEBE01}"/>
-              </a:ext>
-            </a:extLst>
-          </p:cNvPr>
-          <p:cNvSpPr>
-            <a:spLocks noGrp="1"/>
-          </p:cNvSpPr>
-          <p:nvPr>
-            <p:ph type="sldNum" sz="quarter" idx="5"/>
-          </p:nvPr>
-        </p:nvSpPr>
-        <p:spPr/>
-        <p:txBody>
-          <a:bodyPr/>
-          <a:lstStyle/>
-          <a:p>
-            <a:fld id="{6EB747D6-62AD-46F2-AC93-A87284EAAF43}" type="slidenum">
-              <a:rPr lang="zh-TW" altLang="en-US" smtClean="0"/>
-              <a:t>14</a:t>
-            </a:fld>
-            <a:endParaRPr lang="zh-TW" altLang="en-US"/>
-          </a:p>
-        </p:txBody>
-      </p:sp>
-    </p:spTree>
-    <p:extLst>
-      <p:ext uri="{BB962C8B-B14F-4D97-AF65-F5344CB8AC3E}">
-        <p14:creationId xmlns:p14="http://schemas.microsoft.com/office/powerpoint/2010/main" val="1909862031"/>
-      </p:ext>
-    </p:extLst>
-  </p:cSld>
-  <p:clrMapOvr>
-    <a:masterClrMapping/>
-  </p:clrMapOvr>
-</p:notes>
-</file>
-
-<file path=ppt/notesSlides/notesSlide7.xml><?xml version="1.0" encoding="utf-8"?>
-<p:notes xmlns:a="http://schemas.openxmlformats.org/drawingml/2006/main" xmlns:r="http://schemas.openxmlformats.org/officeDocument/2006/relationships" xmlns:p="http://schemas.openxmlformats.org/presentationml/2006/main">
-  <p:cSld>
-    <p:spTree>
-      <p:nvGrpSpPr>
-        <p:cNvPr id="1" name="">
-          <a:extLst>
-            <a:ext uri="{FF2B5EF4-FFF2-40B4-BE49-F238E27FC236}">
-              <a16:creationId xmlns:a16="http://schemas.microsoft.com/office/drawing/2014/main" id="{DA0010C1-AEB7-DE09-21E3-CEF40A667743}"/>
-            </a:ext>
-          </a:extLst>
-        </p:cNvPr>
-        <p:cNvGrpSpPr/>
-        <p:nvPr/>
-      </p:nvGrpSpPr>
-      <p:grpSpPr>
-        <a:xfrm>
-          <a:off x="0" y="0"/>
-          <a:ext cx="0" cy="0"/>
-          <a:chOff x="0" y="0"/>
-          <a:chExt cx="0" cy="0"/>
-        </a:xfrm>
-      </p:grpSpPr>
-      <p:sp>
-        <p:nvSpPr>
-          <p:cNvPr id="2" name="投影片影像版面配置區 1">
-            <a:extLst>
-              <a:ext uri="{FF2B5EF4-FFF2-40B4-BE49-F238E27FC236}">
-                <a16:creationId xmlns:a16="http://schemas.microsoft.com/office/drawing/2014/main" id="{DC0BF6D9-966C-DF35-5AA5-67283A459365}"/>
-              </a:ext>
-            </a:extLst>
-          </p:cNvPr>
-          <p:cNvSpPr>
-            <a:spLocks noGrp="1" noRot="1" noChangeAspect="1"/>
-          </p:cNvSpPr>
-          <p:nvPr>
-            <p:ph type="sldImg"/>
-          </p:nvPr>
-        </p:nvSpPr>
-        <p:spPr/>
-      </p:sp>
-      <p:sp>
-        <p:nvSpPr>
-          <p:cNvPr id="3" name="備忘稿版面配置區 2">
-            <a:extLst>
-              <a:ext uri="{FF2B5EF4-FFF2-40B4-BE49-F238E27FC236}">
-                <a16:creationId xmlns:a16="http://schemas.microsoft.com/office/drawing/2014/main" id="{5C8F47AE-E11D-F8CB-F106-DCF2B07BC501}"/>
-              </a:ext>
-            </a:extLst>
-          </p:cNvPr>
-          <p:cNvSpPr>
-            <a:spLocks noGrp="1"/>
-          </p:cNvSpPr>
-          <p:nvPr>
-            <p:ph type="body" idx="1"/>
-          </p:nvPr>
-        </p:nvSpPr>
-        <p:spPr/>
-        <p:txBody>
-          <a:bodyPr/>
-          <a:lstStyle/>
-          <a:p>
-            <a:endParaRPr lang="zh-TW" altLang="en-US" dirty="0"/>
-          </a:p>
-        </p:txBody>
-      </p:sp>
-      <p:sp>
-        <p:nvSpPr>
-          <p:cNvPr id="4" name="投影片編號版面配置區 3">
-            <a:extLst>
-              <a:ext uri="{FF2B5EF4-FFF2-40B4-BE49-F238E27FC236}">
-                <a16:creationId xmlns:a16="http://schemas.microsoft.com/office/drawing/2014/main" id="{D56AB17B-961C-A63C-6959-EFCF85FC90C9}"/>
-              </a:ext>
-            </a:extLst>
-          </p:cNvPr>
-          <p:cNvSpPr>
-            <a:spLocks noGrp="1"/>
-          </p:cNvSpPr>
-          <p:nvPr>
-            <p:ph type="sldNum" sz="quarter" idx="5"/>
-          </p:nvPr>
-        </p:nvSpPr>
-        <p:spPr/>
-        <p:txBody>
-          <a:bodyPr/>
-          <a:lstStyle/>
-          <a:p>
-            <a:fld id="{6EB747D6-62AD-46F2-AC93-A87284EAAF43}" type="slidenum">
-              <a:rPr lang="zh-TW" altLang="en-US" smtClean="0"/>
-              <a:t>15</a:t>
-            </a:fld>
-            <a:endParaRPr lang="zh-TW" altLang="en-US"/>
-          </a:p>
-        </p:txBody>
-      </p:sp>
-    </p:spTree>
-    <p:extLst>
-      <p:ext uri="{BB962C8B-B14F-4D97-AF65-F5344CB8AC3E}">
-        <p14:creationId xmlns:p14="http://schemas.microsoft.com/office/powerpoint/2010/main" val="3770482224"/>
-      </p:ext>
-    </p:extLst>
-  </p:cSld>
-  <p:clrMapOvr>
-    <a:masterClrMapping/>
-  </p:clrMapOvr>
-</p:notes>
-</file>
-
-<file path=ppt/notesSlides/notesSlide8.xml><?xml version="1.0" encoding="utf-8"?>
-<p:notes xmlns:a="http://schemas.openxmlformats.org/drawingml/2006/main" xmlns:r="http://schemas.openxmlformats.org/officeDocument/2006/relationships" xmlns:p="http://schemas.openxmlformats.org/presentationml/2006/main">
-  <p:cSld>
-    <p:spTree>
-      <p:nvGrpSpPr>
-        <p:cNvPr id="1" name="">
-          <a:extLst>
-            <a:ext uri="{FF2B5EF4-FFF2-40B4-BE49-F238E27FC236}">
-              <a16:creationId xmlns:a16="http://schemas.microsoft.com/office/drawing/2014/main" id="{1015BE4D-E38A-76C0-CA3D-38AF4D81F270}"/>
-            </a:ext>
-          </a:extLst>
-        </p:cNvPr>
-        <p:cNvGrpSpPr/>
-        <p:nvPr/>
-      </p:nvGrpSpPr>
-      <p:grpSpPr>
-        <a:xfrm>
-          <a:off x="0" y="0"/>
-          <a:ext cx="0" cy="0"/>
-          <a:chOff x="0" y="0"/>
-          <a:chExt cx="0" cy="0"/>
-        </a:xfrm>
-      </p:grpSpPr>
-      <p:sp>
-        <p:nvSpPr>
-          <p:cNvPr id="2" name="投影片影像版面配置區 1">
-            <a:extLst>
-              <a:ext uri="{FF2B5EF4-FFF2-40B4-BE49-F238E27FC236}">
-                <a16:creationId xmlns:a16="http://schemas.microsoft.com/office/drawing/2014/main" id="{53FEC8F4-22DE-CBFB-14D1-B7BB1D27C983}"/>
-              </a:ext>
-            </a:extLst>
-          </p:cNvPr>
-          <p:cNvSpPr>
-            <a:spLocks noGrp="1" noRot="1" noChangeAspect="1"/>
-          </p:cNvSpPr>
-          <p:nvPr>
-            <p:ph type="sldImg"/>
-          </p:nvPr>
-        </p:nvSpPr>
-        <p:spPr/>
-      </p:sp>
-      <p:sp>
-        <p:nvSpPr>
-          <p:cNvPr id="3" name="備忘稿版面配置區 2">
-            <a:extLst>
-              <a:ext uri="{FF2B5EF4-FFF2-40B4-BE49-F238E27FC236}">
-                <a16:creationId xmlns:a16="http://schemas.microsoft.com/office/drawing/2014/main" id="{C87DE436-67DE-2E9D-0330-5025DA1DF948}"/>
-              </a:ext>
-            </a:extLst>
-          </p:cNvPr>
-          <p:cNvSpPr>
-            <a:spLocks noGrp="1"/>
-          </p:cNvSpPr>
-          <p:nvPr>
-            <p:ph type="body" idx="1"/>
-          </p:nvPr>
-        </p:nvSpPr>
-        <p:spPr/>
-        <p:txBody>
-          <a:bodyPr/>
-          <a:lstStyle/>
-          <a:p>
-            <a:endParaRPr lang="zh-TW" altLang="en-US" dirty="0"/>
-          </a:p>
-        </p:txBody>
-      </p:sp>
-      <p:sp>
-        <p:nvSpPr>
-          <p:cNvPr id="4" name="投影片編號版面配置區 3">
-            <a:extLst>
-              <a:ext uri="{FF2B5EF4-FFF2-40B4-BE49-F238E27FC236}">
-                <a16:creationId xmlns:a16="http://schemas.microsoft.com/office/drawing/2014/main" id="{45A0C692-E641-9C9F-DEC7-29F7DD5F31C1}"/>
-              </a:ext>
-            </a:extLst>
-          </p:cNvPr>
-          <p:cNvSpPr>
-            <a:spLocks noGrp="1"/>
-          </p:cNvSpPr>
-          <p:nvPr>
-            <p:ph type="sldNum" sz="quarter" idx="5"/>
-          </p:nvPr>
-        </p:nvSpPr>
-        <p:spPr/>
-        <p:txBody>
-          <a:bodyPr/>
-          <a:lstStyle/>
-          <a:p>
-            <a:fld id="{6EB747D6-62AD-46F2-AC93-A87284EAAF43}" type="slidenum">
-              <a:rPr lang="zh-TW" altLang="en-US" smtClean="0"/>
-              <a:t>16</a:t>
-            </a:fld>
-            <a:endParaRPr lang="zh-TW" altLang="en-US"/>
-          </a:p>
-        </p:txBody>
-      </p:sp>
-    </p:spTree>
-    <p:extLst>
-      <p:ext uri="{BB962C8B-B14F-4D97-AF65-F5344CB8AC3E}">
-        <p14:creationId xmlns:p14="http://schemas.microsoft.com/office/powerpoint/2010/main" val="2738173367"/>
+        <p14:creationId xmlns:p14="http://schemas.microsoft.com/office/powerpoint/2010/main" val="2813973055"/>
       </p:ext>
     </p:extLst>
   </p:cSld>
@@ -1475,7 +1120,7 @@
           <a:p>
             <a:fld id="{4EC743F4-8769-40B4-85DF-6CB8DE9F66AA}" type="datetimeFigureOut">
               <a:rPr lang="en-US" smtClean="0"/>
-              <a:t>12/22/2024</a:t>
+              <a:t>12/24/2024</a:t>
             </a:fld>
             <a:endParaRPr lang="en-US"/>
           </a:p>
@@ -2018,7 +1663,7 @@
           <a:p>
             <a:fld id="{4EC743F4-8769-40B4-85DF-6CB8DE9F66AA}" type="datetimeFigureOut">
               <a:rPr lang="en-US" smtClean="0"/>
-              <a:t>12/22/2024</a:t>
+              <a:t>12/24/2024</a:t>
             </a:fld>
             <a:endParaRPr lang="en-US"/>
           </a:p>
@@ -2226,7 +1871,7 @@
           <a:p>
             <a:fld id="{4EC743F4-8769-40B4-85DF-6CB8DE9F66AA}" type="datetimeFigureOut">
               <a:rPr lang="en-US" smtClean="0"/>
-              <a:t>12/22/2024</a:t>
+              <a:t>12/24/2024</a:t>
             </a:fld>
             <a:endParaRPr lang="en-US"/>
           </a:p>
@@ -2425,7 +2070,7 @@
           <a:p>
             <a:fld id="{4EC743F4-8769-40B4-85DF-6CB8DE9F66AA}" type="datetimeFigureOut">
               <a:rPr lang="en-US" smtClean="0"/>
-              <a:t>12/22/2024</a:t>
+              <a:t>12/24/2024</a:t>
             </a:fld>
             <a:endParaRPr lang="en-US"/>
           </a:p>
@@ -2708,7 +2353,7 @@
           <a:p>
             <a:fld id="{4EC743F4-8769-40B4-85DF-6CB8DE9F66AA}" type="datetimeFigureOut">
               <a:rPr lang="en-US" smtClean="0"/>
-              <a:t>12/22/2024</a:t>
+              <a:t>12/24/2024</a:t>
             </a:fld>
             <a:endParaRPr lang="en-US" dirty="0"/>
           </a:p>
@@ -3659,7 +3304,7 @@
           <a:p>
             <a:fld id="{4EC743F4-8769-40B4-85DF-6CB8DE9F66AA}" type="datetimeFigureOut">
               <a:rPr lang="en-US" smtClean="0"/>
-              <a:t>12/22/2024</a:t>
+              <a:t>12/24/2024</a:t>
             </a:fld>
             <a:endParaRPr lang="en-US"/>
           </a:p>
@@ -4078,7 +3723,7 @@
           <a:p>
             <a:fld id="{4EC743F4-8769-40B4-85DF-6CB8DE9F66AA}" type="datetimeFigureOut">
               <a:rPr lang="en-US" smtClean="0"/>
-              <a:t>12/22/2024</a:t>
+              <a:t>12/24/2024</a:t>
             </a:fld>
             <a:endParaRPr lang="en-US"/>
           </a:p>
@@ -4219,7 +3864,7 @@
           <a:p>
             <a:fld id="{4EC743F4-8769-40B4-85DF-6CB8DE9F66AA}" type="datetimeFigureOut">
               <a:rPr lang="en-US" smtClean="0"/>
-              <a:t>12/22/2024</a:t>
+              <a:t>12/24/2024</a:t>
             </a:fld>
             <a:endParaRPr lang="en-US"/>
           </a:p>
@@ -4332,7 +3977,7 @@
           <a:p>
             <a:fld id="{4EC743F4-8769-40B4-85DF-6CB8DE9F66AA}" type="datetimeFigureOut">
               <a:rPr lang="en-US" smtClean="0"/>
-              <a:t>12/22/2024</a:t>
+              <a:t>12/24/2024</a:t>
             </a:fld>
             <a:endParaRPr lang="en-US"/>
           </a:p>
@@ -4649,7 +4294,7 @@
           <a:p>
             <a:fld id="{4EC743F4-8769-40B4-85DF-6CB8DE9F66AA}" type="datetimeFigureOut">
               <a:rPr lang="en-US" smtClean="0"/>
-              <a:t>12/22/2024</a:t>
+              <a:t>12/24/2024</a:t>
             </a:fld>
             <a:endParaRPr lang="en-US"/>
           </a:p>
@@ -4994,7 +4639,7 @@
           <a:p>
             <a:fld id="{4EC743F4-8769-40B4-85DF-6CB8DE9F66AA}" type="datetimeFigureOut">
               <a:rPr lang="en-US" smtClean="0"/>
-              <a:t>12/22/2024</a:t>
+              <a:t>12/24/2024</a:t>
             </a:fld>
             <a:endParaRPr lang="en-US"/>
           </a:p>
@@ -5289,7 +4934,7 @@
             <a:fld id="{4EC743F4-8769-40B4-85DF-6CB8DE9F66AA}" type="datetimeFigureOut">
               <a:rPr lang="en-US" smtClean="0"/>
               <a:pPr/>
-              <a:t>12/22/2024</a:t>
+              <a:t>12/24/2024</a:t>
             </a:fld>
             <a:endParaRPr lang="en-US" dirty="0"/>
           </a:p>
@@ -5991,2053 +5636,6 @@
 </p:sld>
 </file>
 
-<file path=ppt/slides/slide10.xml><?xml version="1.0" encoding="utf-8"?>
-<p:sld xmlns:a="http://schemas.openxmlformats.org/drawingml/2006/main" xmlns:r="http://schemas.openxmlformats.org/officeDocument/2006/relationships" xmlns:p="http://schemas.openxmlformats.org/presentationml/2006/main">
-  <p:cSld>
-    <p:spTree>
-      <p:nvGrpSpPr>
-        <p:cNvPr id="1" name=""/>
-        <p:cNvGrpSpPr/>
-        <p:nvPr/>
-      </p:nvGrpSpPr>
-      <p:grpSpPr>
-        <a:xfrm>
-          <a:off x="0" y="0"/>
-          <a:ext cx="0" cy="0"/>
-          <a:chOff x="0" y="0"/>
-          <a:chExt cx="0" cy="0"/>
-        </a:xfrm>
-      </p:grpSpPr>
-      <p:sp>
-        <p:nvSpPr>
-          <p:cNvPr id="2" name="標題 1">
-            <a:extLst>
-              <a:ext uri="{FF2B5EF4-FFF2-40B4-BE49-F238E27FC236}">
-                <a16:creationId xmlns:a16="http://schemas.microsoft.com/office/drawing/2014/main" id="{88307379-4106-30D6-694E-B18044D96E08}"/>
-              </a:ext>
-            </a:extLst>
-          </p:cNvPr>
-          <p:cNvSpPr>
-            <a:spLocks noGrp="1"/>
-          </p:cNvSpPr>
-          <p:nvPr>
-            <p:ph type="title"/>
-          </p:nvPr>
-        </p:nvSpPr>
-        <p:spPr>
-          <a:xfrm>
-            <a:off x="436025" y="259773"/>
-            <a:ext cx="10213200" cy="1112836"/>
-          </a:xfrm>
-        </p:spPr>
-        <p:txBody>
-          <a:bodyPr/>
-          <a:lstStyle/>
-          <a:p>
-            <a:r>
-              <a:rPr lang="en-US" altLang="zh-TW" dirty="0">
-                <a:latin typeface="Calibri" panose="020F0502020204030204" pitchFamily="34" charset="0"/>
-                <a:ea typeface="Calibri" panose="020F0502020204030204" pitchFamily="34" charset="0"/>
-                <a:cs typeface="Calibri" panose="020F0502020204030204" pitchFamily="34" charset="0"/>
-              </a:rPr>
-              <a:t>Morphology</a:t>
-            </a:r>
-            <a:r>
-              <a:rPr lang="zh-TW" altLang="en-US" dirty="0">
-                <a:latin typeface="Calibri" panose="020F0502020204030204" pitchFamily="34" charset="0"/>
-                <a:cs typeface="Calibri" panose="020F0502020204030204" pitchFamily="34" charset="0"/>
-              </a:rPr>
-              <a:t> </a:t>
-            </a:r>
-            <a:r>
-              <a:rPr lang="en-US" altLang="zh-TW" dirty="0">
-                <a:latin typeface="Calibri" panose="020F0502020204030204" pitchFamily="34" charset="0"/>
-                <a:ea typeface="Calibri" panose="020F0502020204030204" pitchFamily="34" charset="0"/>
-                <a:cs typeface="Calibri" panose="020F0502020204030204" pitchFamily="34" charset="0"/>
-              </a:rPr>
-              <a:t>result</a:t>
-            </a:r>
-            <a:endParaRPr lang="zh-TW" altLang="en-US" dirty="0">
-              <a:latin typeface="Calibri" panose="020F0502020204030204" pitchFamily="34" charset="0"/>
-              <a:cs typeface="Calibri" panose="020F0502020204030204" pitchFamily="34" charset="0"/>
-            </a:endParaRPr>
-          </a:p>
-        </p:txBody>
-      </p:sp>
-      <p:sp>
-        <p:nvSpPr>
-          <p:cNvPr id="5" name="文字方塊 4">
-            <a:extLst>
-              <a:ext uri="{FF2B5EF4-FFF2-40B4-BE49-F238E27FC236}">
-                <a16:creationId xmlns:a16="http://schemas.microsoft.com/office/drawing/2014/main" id="{159D4C21-326D-3646-D602-323881E897A1}"/>
-              </a:ext>
-            </a:extLst>
-          </p:cNvPr>
-          <p:cNvSpPr txBox="1"/>
-          <p:nvPr/>
-        </p:nvSpPr>
-        <p:spPr>
-          <a:xfrm>
-            <a:off x="4267407" y="5267924"/>
-            <a:ext cx="3657186" cy="369332"/>
-          </a:xfrm>
-          <a:prstGeom prst="rect">
-            <a:avLst/>
-          </a:prstGeom>
-          <a:noFill/>
-        </p:spPr>
-        <p:txBody>
-          <a:bodyPr wrap="square" rtlCol="0">
-            <a:spAutoFit/>
-          </a:bodyPr>
-          <a:lstStyle/>
-          <a:p>
-            <a:pPr algn="ctr"/>
-            <a:r>
-              <a:rPr lang="en-US" altLang="zh-TW" dirty="0"/>
-              <a:t>erosion</a:t>
-            </a:r>
-            <a:endParaRPr lang="zh-TW" altLang="en-US" dirty="0"/>
-          </a:p>
-        </p:txBody>
-      </p:sp>
-      <p:sp>
-        <p:nvSpPr>
-          <p:cNvPr id="6" name="文字方塊 5">
-            <a:extLst>
-              <a:ext uri="{FF2B5EF4-FFF2-40B4-BE49-F238E27FC236}">
-                <a16:creationId xmlns:a16="http://schemas.microsoft.com/office/drawing/2014/main" id="{16CB2874-5930-7FA5-48F4-7B001618737A}"/>
-              </a:ext>
-            </a:extLst>
-          </p:cNvPr>
-          <p:cNvSpPr txBox="1"/>
-          <p:nvPr/>
-        </p:nvSpPr>
-        <p:spPr>
-          <a:xfrm>
-            <a:off x="8309029" y="5257593"/>
-            <a:ext cx="3657186" cy="369332"/>
-          </a:xfrm>
-          <a:prstGeom prst="rect">
-            <a:avLst/>
-          </a:prstGeom>
-          <a:noFill/>
-        </p:spPr>
-        <p:txBody>
-          <a:bodyPr wrap="square" rtlCol="0">
-            <a:spAutoFit/>
-          </a:bodyPr>
-          <a:lstStyle/>
-          <a:p>
-            <a:pPr algn="ctr"/>
-            <a:r>
-              <a:rPr lang="en-US" altLang="zh-TW" dirty="0"/>
-              <a:t>dilation</a:t>
-            </a:r>
-            <a:endParaRPr lang="zh-TW" altLang="en-US" dirty="0"/>
-          </a:p>
-        </p:txBody>
-      </p:sp>
-      <p:sp>
-        <p:nvSpPr>
-          <p:cNvPr id="7" name="文字方塊 6">
-            <a:extLst>
-              <a:ext uri="{FF2B5EF4-FFF2-40B4-BE49-F238E27FC236}">
-                <a16:creationId xmlns:a16="http://schemas.microsoft.com/office/drawing/2014/main" id="{209613B8-460B-666B-656B-7A9C2ABF1323}"/>
-              </a:ext>
-            </a:extLst>
-          </p:cNvPr>
-          <p:cNvSpPr txBox="1"/>
-          <p:nvPr/>
-        </p:nvSpPr>
-        <p:spPr>
-          <a:xfrm>
-            <a:off x="365945" y="5267924"/>
-            <a:ext cx="3657186" cy="369332"/>
-          </a:xfrm>
-          <a:prstGeom prst="rect">
-            <a:avLst/>
-          </a:prstGeom>
-          <a:noFill/>
-        </p:spPr>
-        <p:txBody>
-          <a:bodyPr wrap="square" rtlCol="0">
-            <a:spAutoFit/>
-          </a:bodyPr>
-          <a:lstStyle/>
-          <a:p>
-            <a:pPr algn="ctr"/>
-            <a:r>
-              <a:rPr lang="en-US" altLang="zh-TW" dirty="0"/>
-              <a:t>Original</a:t>
-            </a:r>
-            <a:endParaRPr lang="zh-TW" altLang="en-US" dirty="0"/>
-          </a:p>
-        </p:txBody>
-      </p:sp>
-      <p:pic>
-        <p:nvPicPr>
-          <p:cNvPr id="8" name="圖片 7" descr="一張含有 人的臉孔, 寫生, 圖畫, 圖解 的圖片&#10;&#10;自動產生的描述">
-            <a:extLst>
-              <a:ext uri="{FF2B5EF4-FFF2-40B4-BE49-F238E27FC236}">
-                <a16:creationId xmlns:a16="http://schemas.microsoft.com/office/drawing/2014/main" id="{C4ADD41B-2D63-119C-043B-2B58018B0332}"/>
-              </a:ext>
-            </a:extLst>
-          </p:cNvPr>
-          <p:cNvPicPr>
-            <a:picLocks noChangeAspect="1"/>
-          </p:cNvPicPr>
-          <p:nvPr/>
-        </p:nvPicPr>
-        <p:blipFill>
-          <a:blip r:embed="rId2">
-            <a:extLst>
-              <a:ext uri="{28A0092B-C50C-407E-A947-70E740481C1C}">
-                <a14:useLocalDpi xmlns:a14="http://schemas.microsoft.com/office/drawing/2010/main" val="0"/>
-              </a:ext>
-            </a:extLst>
-          </a:blip>
-          <a:stretch>
-            <a:fillRect/>
-          </a:stretch>
-        </p:blipFill>
-        <p:spPr>
-          <a:xfrm>
-            <a:off x="339915" y="1574378"/>
-            <a:ext cx="3709245" cy="3709245"/>
-          </a:xfrm>
-          <a:prstGeom prst="rect">
-            <a:avLst/>
-          </a:prstGeom>
-        </p:spPr>
-      </p:pic>
-      <p:pic>
-        <p:nvPicPr>
-          <p:cNvPr id="11" name="圖片 10" descr="一張含有 寫生, 人的臉孔, 圖畫, 圖解 的圖片&#10;&#10;自動產生的描述">
-            <a:extLst>
-              <a:ext uri="{FF2B5EF4-FFF2-40B4-BE49-F238E27FC236}">
-                <a16:creationId xmlns:a16="http://schemas.microsoft.com/office/drawing/2014/main" id="{E2F07821-C62E-D2A9-B705-9E2FA48C003F}"/>
-              </a:ext>
-            </a:extLst>
-          </p:cNvPr>
-          <p:cNvPicPr>
-            <a:picLocks noChangeAspect="1"/>
-          </p:cNvPicPr>
-          <p:nvPr/>
-        </p:nvPicPr>
-        <p:blipFill>
-          <a:blip r:embed="rId3">
-            <a:extLst>
-              <a:ext uri="{28A0092B-C50C-407E-A947-70E740481C1C}">
-                <a14:useLocalDpi xmlns:a14="http://schemas.microsoft.com/office/drawing/2010/main" val="0"/>
-              </a:ext>
-            </a:extLst>
-          </a:blip>
-          <a:stretch>
-            <a:fillRect/>
-          </a:stretch>
-        </p:blipFill>
-        <p:spPr>
-          <a:xfrm>
-            <a:off x="4332321" y="1564047"/>
-            <a:ext cx="3693546" cy="3693546"/>
-          </a:xfrm>
-          <a:prstGeom prst="rect">
-            <a:avLst/>
-          </a:prstGeom>
-        </p:spPr>
-      </p:pic>
-      <p:pic>
-        <p:nvPicPr>
-          <p:cNvPr id="13" name="圖片 12" descr="一張含有 人的臉孔, 寫生, 圖畫, 圖解 的圖片&#10;&#10;自動產生的描述">
-            <a:extLst>
-              <a:ext uri="{FF2B5EF4-FFF2-40B4-BE49-F238E27FC236}">
-                <a16:creationId xmlns:a16="http://schemas.microsoft.com/office/drawing/2014/main" id="{3E0657E8-C535-5161-AF0E-9FA0FDFDA150}"/>
-              </a:ext>
-            </a:extLst>
-          </p:cNvPr>
-          <p:cNvPicPr>
-            <a:picLocks noChangeAspect="1"/>
-          </p:cNvPicPr>
-          <p:nvPr/>
-        </p:nvPicPr>
-        <p:blipFill>
-          <a:blip r:embed="rId4">
-            <a:extLst>
-              <a:ext uri="{28A0092B-C50C-407E-A947-70E740481C1C}">
-                <a14:useLocalDpi xmlns:a14="http://schemas.microsoft.com/office/drawing/2010/main" val="0"/>
-              </a:ext>
-            </a:extLst>
-          </a:blip>
-          <a:stretch>
-            <a:fillRect/>
-          </a:stretch>
-        </p:blipFill>
-        <p:spPr>
-          <a:xfrm>
-            <a:off x="8309028" y="1539353"/>
-            <a:ext cx="3703877" cy="3703877"/>
-          </a:xfrm>
-          <a:prstGeom prst="rect">
-            <a:avLst/>
-          </a:prstGeom>
-        </p:spPr>
-      </p:pic>
-    </p:spTree>
-    <p:extLst>
-      <p:ext uri="{BB962C8B-B14F-4D97-AF65-F5344CB8AC3E}">
-        <p14:creationId xmlns:p14="http://schemas.microsoft.com/office/powerpoint/2010/main" val="3075835972"/>
-      </p:ext>
-    </p:extLst>
-  </p:cSld>
-  <p:clrMapOvr>
-    <a:masterClrMapping/>
-  </p:clrMapOvr>
-</p:sld>
-</file>
-
-<file path=ppt/slides/slide11.xml><?xml version="1.0" encoding="utf-8"?>
-<p:sld xmlns:a="http://schemas.openxmlformats.org/drawingml/2006/main" xmlns:r="http://schemas.openxmlformats.org/officeDocument/2006/relationships" xmlns:p="http://schemas.openxmlformats.org/presentationml/2006/main">
-  <p:cSld>
-    <p:spTree>
-      <p:nvGrpSpPr>
-        <p:cNvPr id="1" name="">
-          <a:extLst>
-            <a:ext uri="{FF2B5EF4-FFF2-40B4-BE49-F238E27FC236}">
-              <a16:creationId xmlns:a16="http://schemas.microsoft.com/office/drawing/2014/main" id="{A794ED74-68AD-4944-FFF7-B9321FA3AD0E}"/>
-            </a:ext>
-          </a:extLst>
-        </p:cNvPr>
-        <p:cNvGrpSpPr/>
-        <p:nvPr/>
-      </p:nvGrpSpPr>
-      <p:grpSpPr>
-        <a:xfrm>
-          <a:off x="0" y="0"/>
-          <a:ext cx="0" cy="0"/>
-          <a:chOff x="0" y="0"/>
-          <a:chExt cx="0" cy="0"/>
-        </a:xfrm>
-      </p:grpSpPr>
-      <p:sp>
-        <p:nvSpPr>
-          <p:cNvPr id="2" name="標題 1">
-            <a:extLst>
-              <a:ext uri="{FF2B5EF4-FFF2-40B4-BE49-F238E27FC236}">
-                <a16:creationId xmlns:a16="http://schemas.microsoft.com/office/drawing/2014/main" id="{93053B16-B136-B551-3A80-0A5137014BC7}"/>
-              </a:ext>
-            </a:extLst>
-          </p:cNvPr>
-          <p:cNvSpPr>
-            <a:spLocks noGrp="1"/>
-          </p:cNvSpPr>
-          <p:nvPr>
-            <p:ph type="title"/>
-          </p:nvPr>
-        </p:nvSpPr>
-        <p:spPr>
-          <a:xfrm>
-            <a:off x="436025" y="259773"/>
-            <a:ext cx="10213200" cy="1112836"/>
-          </a:xfrm>
-        </p:spPr>
-        <p:txBody>
-          <a:bodyPr/>
-          <a:lstStyle/>
-          <a:p>
-            <a:r>
-              <a:rPr lang="en-US" altLang="zh-TW" dirty="0">
-                <a:latin typeface="Calibri" panose="020F0502020204030204" pitchFamily="34" charset="0"/>
-                <a:ea typeface="Calibri" panose="020F0502020204030204" pitchFamily="34" charset="0"/>
-                <a:cs typeface="Calibri" panose="020F0502020204030204" pitchFamily="34" charset="0"/>
-              </a:rPr>
-              <a:t>Morphology</a:t>
-            </a:r>
-            <a:r>
-              <a:rPr lang="zh-TW" altLang="en-US" dirty="0">
-                <a:latin typeface="Calibri" panose="020F0502020204030204" pitchFamily="34" charset="0"/>
-                <a:cs typeface="Calibri" panose="020F0502020204030204" pitchFamily="34" charset="0"/>
-              </a:rPr>
-              <a:t> </a:t>
-            </a:r>
-            <a:r>
-              <a:rPr lang="en-US" altLang="zh-TW" dirty="0">
-                <a:latin typeface="Calibri" panose="020F0502020204030204" pitchFamily="34" charset="0"/>
-                <a:ea typeface="Calibri" panose="020F0502020204030204" pitchFamily="34" charset="0"/>
-                <a:cs typeface="Calibri" panose="020F0502020204030204" pitchFamily="34" charset="0"/>
-              </a:rPr>
-              <a:t>result</a:t>
-            </a:r>
-            <a:endParaRPr lang="zh-TW" altLang="en-US" dirty="0">
-              <a:latin typeface="Calibri" panose="020F0502020204030204" pitchFamily="34" charset="0"/>
-              <a:cs typeface="Calibri" panose="020F0502020204030204" pitchFamily="34" charset="0"/>
-            </a:endParaRPr>
-          </a:p>
-        </p:txBody>
-      </p:sp>
-      <p:sp>
-        <p:nvSpPr>
-          <p:cNvPr id="5" name="文字方塊 4">
-            <a:extLst>
-              <a:ext uri="{FF2B5EF4-FFF2-40B4-BE49-F238E27FC236}">
-                <a16:creationId xmlns:a16="http://schemas.microsoft.com/office/drawing/2014/main" id="{2050F1A1-6B48-0FD1-9E6E-431173535A63}"/>
-              </a:ext>
-            </a:extLst>
-          </p:cNvPr>
-          <p:cNvSpPr txBox="1"/>
-          <p:nvPr/>
-        </p:nvSpPr>
-        <p:spPr>
-          <a:xfrm>
-            <a:off x="4267407" y="5267924"/>
-            <a:ext cx="3657186" cy="369332"/>
-          </a:xfrm>
-          <a:prstGeom prst="rect">
-            <a:avLst/>
-          </a:prstGeom>
-          <a:noFill/>
-        </p:spPr>
-        <p:txBody>
-          <a:bodyPr wrap="square" rtlCol="0">
-            <a:spAutoFit/>
-          </a:bodyPr>
-          <a:lstStyle/>
-          <a:p>
-            <a:pPr algn="ctr"/>
-            <a:r>
-              <a:rPr lang="en-US" altLang="zh-TW" dirty="0"/>
-              <a:t>closing</a:t>
-            </a:r>
-            <a:endParaRPr lang="zh-TW" altLang="en-US" dirty="0"/>
-          </a:p>
-        </p:txBody>
-      </p:sp>
-      <p:sp>
-        <p:nvSpPr>
-          <p:cNvPr id="6" name="文字方塊 5">
-            <a:extLst>
-              <a:ext uri="{FF2B5EF4-FFF2-40B4-BE49-F238E27FC236}">
-                <a16:creationId xmlns:a16="http://schemas.microsoft.com/office/drawing/2014/main" id="{63E9809E-23F6-ED8F-9C60-BCE37CCED464}"/>
-              </a:ext>
-            </a:extLst>
-          </p:cNvPr>
-          <p:cNvSpPr txBox="1"/>
-          <p:nvPr/>
-        </p:nvSpPr>
-        <p:spPr>
-          <a:xfrm>
-            <a:off x="8309029" y="5257593"/>
-            <a:ext cx="3657186" cy="369332"/>
-          </a:xfrm>
-          <a:prstGeom prst="rect">
-            <a:avLst/>
-          </a:prstGeom>
-          <a:noFill/>
-        </p:spPr>
-        <p:txBody>
-          <a:bodyPr wrap="square" rtlCol="0">
-            <a:spAutoFit/>
-          </a:bodyPr>
-          <a:lstStyle/>
-          <a:p>
-            <a:pPr algn="ctr"/>
-            <a:r>
-              <a:rPr lang="en-US" altLang="zh-TW" dirty="0"/>
-              <a:t>opening</a:t>
-            </a:r>
-            <a:endParaRPr lang="zh-TW" altLang="en-US" dirty="0"/>
-          </a:p>
-        </p:txBody>
-      </p:sp>
-      <p:sp>
-        <p:nvSpPr>
-          <p:cNvPr id="7" name="文字方塊 6">
-            <a:extLst>
-              <a:ext uri="{FF2B5EF4-FFF2-40B4-BE49-F238E27FC236}">
-                <a16:creationId xmlns:a16="http://schemas.microsoft.com/office/drawing/2014/main" id="{3894109D-81A6-B27B-9626-35C5DAF4E1F7}"/>
-              </a:ext>
-            </a:extLst>
-          </p:cNvPr>
-          <p:cNvSpPr txBox="1"/>
-          <p:nvPr/>
-        </p:nvSpPr>
-        <p:spPr>
-          <a:xfrm>
-            <a:off x="365945" y="5267924"/>
-            <a:ext cx="3657186" cy="369332"/>
-          </a:xfrm>
-          <a:prstGeom prst="rect">
-            <a:avLst/>
-          </a:prstGeom>
-          <a:noFill/>
-        </p:spPr>
-        <p:txBody>
-          <a:bodyPr wrap="square" rtlCol="0">
-            <a:spAutoFit/>
-          </a:bodyPr>
-          <a:lstStyle/>
-          <a:p>
-            <a:pPr algn="ctr"/>
-            <a:r>
-              <a:rPr lang="en-US" altLang="zh-TW" dirty="0"/>
-              <a:t>Original</a:t>
-            </a:r>
-            <a:endParaRPr lang="zh-TW" altLang="en-US" dirty="0"/>
-          </a:p>
-        </p:txBody>
-      </p:sp>
-      <p:pic>
-        <p:nvPicPr>
-          <p:cNvPr id="8" name="圖片 7" descr="一張含有 人的臉孔, 寫生, 圖畫, 圖解 的圖片&#10;&#10;自動產生的描述">
-            <a:extLst>
-              <a:ext uri="{FF2B5EF4-FFF2-40B4-BE49-F238E27FC236}">
-                <a16:creationId xmlns:a16="http://schemas.microsoft.com/office/drawing/2014/main" id="{A2D87B3B-9DFB-67F1-2DF0-BE5741A4EAA8}"/>
-              </a:ext>
-            </a:extLst>
-          </p:cNvPr>
-          <p:cNvPicPr>
-            <a:picLocks noChangeAspect="1"/>
-          </p:cNvPicPr>
-          <p:nvPr/>
-        </p:nvPicPr>
-        <p:blipFill>
-          <a:blip r:embed="rId2">
-            <a:extLst>
-              <a:ext uri="{28A0092B-C50C-407E-A947-70E740481C1C}">
-                <a14:useLocalDpi xmlns:a14="http://schemas.microsoft.com/office/drawing/2010/main" val="0"/>
-              </a:ext>
-            </a:extLst>
-          </a:blip>
-          <a:stretch>
-            <a:fillRect/>
-          </a:stretch>
-        </p:blipFill>
-        <p:spPr>
-          <a:xfrm>
-            <a:off x="339915" y="1574378"/>
-            <a:ext cx="3709245" cy="3709245"/>
-          </a:xfrm>
-          <a:prstGeom prst="rect">
-            <a:avLst/>
-          </a:prstGeom>
-        </p:spPr>
-      </p:pic>
-      <p:pic>
-        <p:nvPicPr>
-          <p:cNvPr id="12" name="圖片 11" descr="一張含有 寫生, 圖畫, 圖解, 人的臉孔 的圖片&#10;&#10;自動產生的描述">
-            <a:extLst>
-              <a:ext uri="{FF2B5EF4-FFF2-40B4-BE49-F238E27FC236}">
-                <a16:creationId xmlns:a16="http://schemas.microsoft.com/office/drawing/2014/main" id="{6130799E-BC93-23C4-5C98-4FF40E3EF26C}"/>
-              </a:ext>
-            </a:extLst>
-          </p:cNvPr>
-          <p:cNvPicPr>
-            <a:picLocks noChangeAspect="1"/>
-          </p:cNvPicPr>
-          <p:nvPr/>
-        </p:nvPicPr>
-        <p:blipFill>
-          <a:blip r:embed="rId3">
-            <a:extLst>
-              <a:ext uri="{28A0092B-C50C-407E-A947-70E740481C1C}">
-                <a14:useLocalDpi xmlns:a14="http://schemas.microsoft.com/office/drawing/2010/main" val="0"/>
-              </a:ext>
-            </a:extLst>
-          </a:blip>
-          <a:stretch>
-            <a:fillRect/>
-          </a:stretch>
-        </p:blipFill>
-        <p:spPr>
-          <a:xfrm>
-            <a:off x="4407567" y="1558678"/>
-            <a:ext cx="3709245" cy="3709245"/>
-          </a:xfrm>
-          <a:prstGeom prst="rect">
-            <a:avLst/>
-          </a:prstGeom>
-        </p:spPr>
-      </p:pic>
-      <p:pic>
-        <p:nvPicPr>
-          <p:cNvPr id="14" name="圖片 13" descr="一張含有 人的臉孔, 寫生, 圖畫, 圖解 的圖片&#10;&#10;自動產生的描述">
-            <a:extLst>
-              <a:ext uri="{FF2B5EF4-FFF2-40B4-BE49-F238E27FC236}">
-                <a16:creationId xmlns:a16="http://schemas.microsoft.com/office/drawing/2014/main" id="{65985383-D4F6-451B-A78C-28BC45A9B408}"/>
-              </a:ext>
-            </a:extLst>
-          </p:cNvPr>
-          <p:cNvPicPr>
-            <a:picLocks noChangeAspect="1"/>
-          </p:cNvPicPr>
-          <p:nvPr/>
-        </p:nvPicPr>
-        <p:blipFill>
-          <a:blip r:embed="rId4">
-            <a:extLst>
-              <a:ext uri="{28A0092B-C50C-407E-A947-70E740481C1C}">
-                <a14:useLocalDpi xmlns:a14="http://schemas.microsoft.com/office/drawing/2010/main" val="0"/>
-              </a:ext>
-            </a:extLst>
-          </a:blip>
-          <a:stretch>
-            <a:fillRect/>
-          </a:stretch>
-        </p:blipFill>
-        <p:spPr>
-          <a:xfrm>
-            <a:off x="8309029" y="1550827"/>
-            <a:ext cx="3724945" cy="3724945"/>
-          </a:xfrm>
-          <a:prstGeom prst="rect">
-            <a:avLst/>
-          </a:prstGeom>
-        </p:spPr>
-      </p:pic>
-    </p:spTree>
-    <p:extLst>
-      <p:ext uri="{BB962C8B-B14F-4D97-AF65-F5344CB8AC3E}">
-        <p14:creationId xmlns:p14="http://schemas.microsoft.com/office/powerpoint/2010/main" val="2032301159"/>
-      </p:ext>
-    </p:extLst>
-  </p:cSld>
-  <p:clrMapOvr>
-    <a:masterClrMapping/>
-  </p:clrMapOvr>
-</p:sld>
-</file>
-
-<file path=ppt/slides/slide12.xml><?xml version="1.0" encoding="utf-8"?>
-<p:sld xmlns:a="http://schemas.openxmlformats.org/drawingml/2006/main" xmlns:r="http://schemas.openxmlformats.org/officeDocument/2006/relationships" xmlns:p="http://schemas.openxmlformats.org/presentationml/2006/main">
-  <p:cSld>
-    <p:spTree>
-      <p:nvGrpSpPr>
-        <p:cNvPr id="1" name="">
-          <a:extLst>
-            <a:ext uri="{FF2B5EF4-FFF2-40B4-BE49-F238E27FC236}">
-              <a16:creationId xmlns:a16="http://schemas.microsoft.com/office/drawing/2014/main" id="{EAD32298-A360-CE12-AE46-D46E8BFDCC38}"/>
-            </a:ext>
-          </a:extLst>
-        </p:cNvPr>
-        <p:cNvGrpSpPr/>
-        <p:nvPr/>
-      </p:nvGrpSpPr>
-      <p:grpSpPr>
-        <a:xfrm>
-          <a:off x="0" y="0"/>
-          <a:ext cx="0" cy="0"/>
-          <a:chOff x="0" y="0"/>
-          <a:chExt cx="0" cy="0"/>
-        </a:xfrm>
-      </p:grpSpPr>
-      <p:sp>
-        <p:nvSpPr>
-          <p:cNvPr id="2" name="標題 1">
-            <a:extLst>
-              <a:ext uri="{FF2B5EF4-FFF2-40B4-BE49-F238E27FC236}">
-                <a16:creationId xmlns:a16="http://schemas.microsoft.com/office/drawing/2014/main" id="{ACCB6055-D406-4BC2-5AAF-5C5F85D8D85A}"/>
-              </a:ext>
-            </a:extLst>
-          </p:cNvPr>
-          <p:cNvSpPr>
-            <a:spLocks noGrp="1"/>
-          </p:cNvSpPr>
-          <p:nvPr>
-            <p:ph type="title"/>
-          </p:nvPr>
-        </p:nvSpPr>
-        <p:spPr>
-          <a:xfrm>
-            <a:off x="522404" y="137232"/>
-            <a:ext cx="10213200" cy="1112836"/>
-          </a:xfrm>
-        </p:spPr>
-        <p:txBody>
-          <a:bodyPr/>
-          <a:lstStyle/>
-          <a:p>
-            <a:r>
-              <a:rPr lang="en-US" altLang="zh-TW" dirty="0">
-                <a:latin typeface="Calibri" panose="020F0502020204030204" pitchFamily="34" charset="0"/>
-                <a:ea typeface="Calibri" panose="020F0502020204030204" pitchFamily="34" charset="0"/>
-                <a:cs typeface="Calibri" panose="020F0502020204030204" pitchFamily="34" charset="0"/>
-              </a:rPr>
-              <a:t>Erosion</a:t>
-            </a:r>
-            <a:r>
-              <a:rPr lang="zh-TW" altLang="en-US" dirty="0">
-                <a:latin typeface="Calibri" panose="020F0502020204030204" pitchFamily="34" charset="0"/>
-                <a:ea typeface="Calibri" panose="020F0502020204030204" pitchFamily="34" charset="0"/>
-                <a:cs typeface="Calibri" panose="020F0502020204030204" pitchFamily="34" charset="0"/>
-              </a:rPr>
-              <a:t>程式</a:t>
-            </a:r>
-            <a:r>
-              <a:rPr lang="en-US" altLang="zh-TW" dirty="0">
-                <a:latin typeface="Calibri" panose="020F0502020204030204" pitchFamily="34" charset="0"/>
-                <a:ea typeface="Calibri" panose="020F0502020204030204" pitchFamily="34" charset="0"/>
-                <a:cs typeface="Calibri" panose="020F0502020204030204" pitchFamily="34" charset="0"/>
-              </a:rPr>
-              <a:t>&amp;</a:t>
-            </a:r>
-            <a:r>
-              <a:rPr lang="zh-TW" altLang="en-US" dirty="0">
-                <a:latin typeface="Calibri" panose="020F0502020204030204" pitchFamily="34" charset="0"/>
-                <a:ea typeface="Calibri" panose="020F0502020204030204" pitchFamily="34" charset="0"/>
-                <a:cs typeface="Calibri" panose="020F0502020204030204" pitchFamily="34" charset="0"/>
-              </a:rPr>
-              <a:t>分析</a:t>
-            </a:r>
-            <a:endParaRPr lang="zh-TW" altLang="en-US" dirty="0">
-              <a:latin typeface="Calibri" panose="020F0502020204030204" pitchFamily="34" charset="0"/>
-              <a:cs typeface="Calibri" panose="020F0502020204030204" pitchFamily="34" charset="0"/>
-            </a:endParaRPr>
-          </a:p>
-        </p:txBody>
-      </p:sp>
-      <p:sp>
-        <p:nvSpPr>
-          <p:cNvPr id="4" name="內容版面配置區 3">
-            <a:extLst>
-              <a:ext uri="{FF2B5EF4-FFF2-40B4-BE49-F238E27FC236}">
-                <a16:creationId xmlns:a16="http://schemas.microsoft.com/office/drawing/2014/main" id="{CC1279FB-96C5-D7DB-1662-C6C14FCC1AE0}"/>
-              </a:ext>
-            </a:extLst>
-          </p:cNvPr>
-          <p:cNvSpPr>
-            <a:spLocks noGrp="1"/>
-          </p:cNvSpPr>
-          <p:nvPr>
-            <p:ph idx="1"/>
-          </p:nvPr>
-        </p:nvSpPr>
-        <p:spPr>
-          <a:xfrm>
-            <a:off x="181514" y="1323151"/>
-            <a:ext cx="4078760" cy="4961760"/>
-          </a:xfrm>
-        </p:spPr>
-        <p:txBody>
-          <a:bodyPr>
-            <a:normAutofit/>
-          </a:bodyPr>
-          <a:lstStyle/>
-          <a:p>
-            <a:r>
-              <a:rPr lang="en-US" altLang="zh-TW" dirty="0"/>
-              <a:t>Kernel</a:t>
-            </a:r>
-            <a:r>
-              <a:rPr lang="zh-TW" altLang="en-US" dirty="0"/>
-              <a:t>大小</a:t>
-            </a:r>
-            <a:r>
-              <a:rPr lang="en-US" altLang="zh-TW" dirty="0"/>
-              <a:t>3</a:t>
-            </a:r>
-            <a:r>
-              <a:rPr lang="zh-TW" altLang="en-US" dirty="0"/>
-              <a:t>*</a:t>
-            </a:r>
-            <a:r>
-              <a:rPr lang="en-US" altLang="zh-TW" dirty="0"/>
-              <a:t>3</a:t>
-            </a:r>
-            <a:r>
-              <a:rPr lang="zh-TW" altLang="en-US" dirty="0"/>
-              <a:t>，內容皆為</a:t>
-            </a:r>
-            <a:r>
-              <a:rPr lang="en-US" altLang="zh-TW" dirty="0"/>
-              <a:t>255</a:t>
-            </a:r>
-          </a:p>
-          <a:p>
-            <a:r>
-              <a:rPr lang="zh-TW" altLang="en-US" dirty="0"/>
-              <a:t>在圖上的每個點進行操作，以其為中心展開出</a:t>
-            </a:r>
-            <a:r>
-              <a:rPr lang="en-US" altLang="zh-TW" dirty="0"/>
-              <a:t>3</a:t>
-            </a:r>
-            <a:r>
-              <a:rPr lang="zh-TW" altLang="en-US" dirty="0"/>
-              <a:t>*</a:t>
-            </a:r>
-            <a:r>
-              <a:rPr lang="en-US" altLang="zh-TW" dirty="0"/>
-              <a:t>3</a:t>
-            </a:r>
-            <a:r>
-              <a:rPr lang="zh-TW" altLang="en-US" dirty="0"/>
-              <a:t>的</a:t>
-            </a:r>
-            <a:r>
-              <a:rPr lang="en-US" altLang="zh-TW" dirty="0"/>
-              <a:t>window</a:t>
-            </a:r>
-            <a:r>
-              <a:rPr lang="zh-TW" altLang="en-US" dirty="0"/>
-              <a:t>，只要有任一點的值不是</a:t>
-            </a:r>
-            <a:r>
-              <a:rPr lang="en-US" altLang="zh-TW" dirty="0"/>
-              <a:t>255</a:t>
-            </a:r>
-            <a:r>
-              <a:rPr lang="zh-TW" altLang="en-US" dirty="0"/>
-              <a:t>（白色），該中心點在轉換後的對應值就會是</a:t>
-            </a:r>
-            <a:r>
-              <a:rPr lang="en-US" altLang="zh-TW" dirty="0"/>
-              <a:t>0</a:t>
-            </a:r>
-            <a:r>
-              <a:rPr lang="zh-TW" altLang="en-US" dirty="0"/>
-              <a:t>（黑色），若</a:t>
-            </a:r>
-            <a:r>
-              <a:rPr lang="en-US" altLang="zh-TW" dirty="0"/>
-              <a:t>window</a:t>
-            </a:r>
-            <a:r>
-              <a:rPr lang="zh-TW" altLang="en-US" dirty="0"/>
-              <a:t>內皆為</a:t>
-            </a:r>
-            <a:r>
-              <a:rPr lang="en-US" altLang="zh-TW" dirty="0"/>
-              <a:t>255</a:t>
-            </a:r>
-            <a:r>
-              <a:rPr lang="zh-TW" altLang="en-US" dirty="0"/>
-              <a:t>，則該點為白色</a:t>
-            </a:r>
-            <a:endParaRPr lang="en-US" altLang="zh-TW" dirty="0"/>
-          </a:p>
-          <a:p>
-            <a:r>
-              <a:rPr lang="zh-TW" altLang="en-US" dirty="0"/>
-              <a:t>轉換後白色部分縮小，黑色特徵更明顯</a:t>
-            </a:r>
-          </a:p>
-        </p:txBody>
-      </p:sp>
-      <p:pic>
-        <p:nvPicPr>
-          <p:cNvPr id="5" name="圖片 4">
-            <a:extLst>
-              <a:ext uri="{FF2B5EF4-FFF2-40B4-BE49-F238E27FC236}">
-                <a16:creationId xmlns:a16="http://schemas.microsoft.com/office/drawing/2014/main" id="{09BA12BA-6E22-B4B3-F74C-F9A801D8F65C}"/>
-              </a:ext>
-            </a:extLst>
-          </p:cNvPr>
-          <p:cNvPicPr>
-            <a:picLocks noChangeAspect="1"/>
-          </p:cNvPicPr>
-          <p:nvPr/>
-        </p:nvPicPr>
-        <p:blipFill>
-          <a:blip r:embed="rId3"/>
-          <a:stretch>
-            <a:fillRect/>
-          </a:stretch>
-        </p:blipFill>
-        <p:spPr>
-          <a:xfrm>
-            <a:off x="4260274" y="1302369"/>
-            <a:ext cx="7750212" cy="4861981"/>
-          </a:xfrm>
-          <a:prstGeom prst="rect">
-            <a:avLst/>
-          </a:prstGeom>
-        </p:spPr>
-      </p:pic>
-    </p:spTree>
-    <p:extLst>
-      <p:ext uri="{BB962C8B-B14F-4D97-AF65-F5344CB8AC3E}">
-        <p14:creationId xmlns:p14="http://schemas.microsoft.com/office/powerpoint/2010/main" val="4152108358"/>
-      </p:ext>
-    </p:extLst>
-  </p:cSld>
-  <p:clrMapOvr>
-    <a:masterClrMapping/>
-  </p:clrMapOvr>
-</p:sld>
-</file>
-
-<file path=ppt/slides/slide13.xml><?xml version="1.0" encoding="utf-8"?>
-<p:sld xmlns:a="http://schemas.openxmlformats.org/drawingml/2006/main" xmlns:r="http://schemas.openxmlformats.org/officeDocument/2006/relationships" xmlns:p="http://schemas.openxmlformats.org/presentationml/2006/main">
-  <p:cSld>
-    <p:spTree>
-      <p:nvGrpSpPr>
-        <p:cNvPr id="1" name="">
-          <a:extLst>
-            <a:ext uri="{FF2B5EF4-FFF2-40B4-BE49-F238E27FC236}">
-              <a16:creationId xmlns:a16="http://schemas.microsoft.com/office/drawing/2014/main" id="{3D11BA3F-E6C5-53B9-55DA-0664884251E1}"/>
-            </a:ext>
-          </a:extLst>
-        </p:cNvPr>
-        <p:cNvGrpSpPr/>
-        <p:nvPr/>
-      </p:nvGrpSpPr>
-      <p:grpSpPr>
-        <a:xfrm>
-          <a:off x="0" y="0"/>
-          <a:ext cx="0" cy="0"/>
-          <a:chOff x="0" y="0"/>
-          <a:chExt cx="0" cy="0"/>
-        </a:xfrm>
-      </p:grpSpPr>
-      <p:sp>
-        <p:nvSpPr>
-          <p:cNvPr id="2" name="標題 1">
-            <a:extLst>
-              <a:ext uri="{FF2B5EF4-FFF2-40B4-BE49-F238E27FC236}">
-                <a16:creationId xmlns:a16="http://schemas.microsoft.com/office/drawing/2014/main" id="{99C4D35D-722B-E1E1-37A0-C056A483FCA9}"/>
-              </a:ext>
-            </a:extLst>
-          </p:cNvPr>
-          <p:cNvSpPr>
-            <a:spLocks noGrp="1"/>
-          </p:cNvSpPr>
-          <p:nvPr>
-            <p:ph type="title"/>
-          </p:nvPr>
-        </p:nvSpPr>
-        <p:spPr>
-          <a:xfrm>
-            <a:off x="522404" y="-182345"/>
-            <a:ext cx="10213200" cy="1112836"/>
-          </a:xfrm>
-        </p:spPr>
-        <p:txBody>
-          <a:bodyPr/>
-          <a:lstStyle/>
-          <a:p>
-            <a:r>
-              <a:rPr lang="en-US" altLang="zh-TW" dirty="0">
-                <a:latin typeface="Calibri" panose="020F0502020204030204" pitchFamily="34" charset="0"/>
-                <a:ea typeface="Calibri" panose="020F0502020204030204" pitchFamily="34" charset="0"/>
-                <a:cs typeface="Calibri" panose="020F0502020204030204" pitchFamily="34" charset="0"/>
-              </a:rPr>
-              <a:t>Dilation</a:t>
-            </a:r>
-            <a:r>
-              <a:rPr lang="zh-TW" altLang="en-US" dirty="0">
-                <a:latin typeface="Calibri" panose="020F0502020204030204" pitchFamily="34" charset="0"/>
-                <a:ea typeface="Calibri" panose="020F0502020204030204" pitchFamily="34" charset="0"/>
-                <a:cs typeface="Calibri" panose="020F0502020204030204" pitchFamily="34" charset="0"/>
-              </a:rPr>
-              <a:t>程式</a:t>
-            </a:r>
-            <a:r>
-              <a:rPr lang="en-US" altLang="zh-TW" dirty="0">
-                <a:latin typeface="Calibri" panose="020F0502020204030204" pitchFamily="34" charset="0"/>
-                <a:ea typeface="Calibri" panose="020F0502020204030204" pitchFamily="34" charset="0"/>
-                <a:cs typeface="Calibri" panose="020F0502020204030204" pitchFamily="34" charset="0"/>
-              </a:rPr>
-              <a:t>&amp;</a:t>
-            </a:r>
-            <a:r>
-              <a:rPr lang="zh-TW" altLang="en-US" dirty="0">
-                <a:latin typeface="Calibri" panose="020F0502020204030204" pitchFamily="34" charset="0"/>
-                <a:ea typeface="Calibri" panose="020F0502020204030204" pitchFamily="34" charset="0"/>
-                <a:cs typeface="Calibri" panose="020F0502020204030204" pitchFamily="34" charset="0"/>
-              </a:rPr>
-              <a:t>分析</a:t>
-            </a:r>
-            <a:endParaRPr lang="zh-TW" altLang="en-US" dirty="0">
-              <a:latin typeface="Calibri" panose="020F0502020204030204" pitchFamily="34" charset="0"/>
-              <a:cs typeface="Calibri" panose="020F0502020204030204" pitchFamily="34" charset="0"/>
-            </a:endParaRPr>
-          </a:p>
-        </p:txBody>
-      </p:sp>
-      <p:sp>
-        <p:nvSpPr>
-          <p:cNvPr id="4" name="內容版面配置區 3">
-            <a:extLst>
-              <a:ext uri="{FF2B5EF4-FFF2-40B4-BE49-F238E27FC236}">
-                <a16:creationId xmlns:a16="http://schemas.microsoft.com/office/drawing/2014/main" id="{C514D560-49B8-F4BE-22DF-F7506BB9949D}"/>
-              </a:ext>
-            </a:extLst>
-          </p:cNvPr>
-          <p:cNvSpPr>
-            <a:spLocks noGrp="1"/>
-          </p:cNvSpPr>
-          <p:nvPr>
-            <p:ph idx="1"/>
-          </p:nvPr>
-        </p:nvSpPr>
-        <p:spPr>
-          <a:xfrm>
-            <a:off x="270164" y="930491"/>
-            <a:ext cx="3906982" cy="5553436"/>
-          </a:xfrm>
-        </p:spPr>
-        <p:txBody>
-          <a:bodyPr>
-            <a:normAutofit/>
-          </a:bodyPr>
-          <a:lstStyle/>
-          <a:p>
-            <a:r>
-              <a:rPr lang="en-US" altLang="zh-TW" dirty="0"/>
-              <a:t>Kernel</a:t>
-            </a:r>
-            <a:r>
-              <a:rPr lang="zh-TW" altLang="en-US" dirty="0"/>
-              <a:t>大小</a:t>
-            </a:r>
-            <a:r>
-              <a:rPr lang="en-US" altLang="zh-TW" dirty="0"/>
-              <a:t>3</a:t>
-            </a:r>
-            <a:r>
-              <a:rPr lang="zh-TW" altLang="en-US" dirty="0"/>
-              <a:t>*</a:t>
-            </a:r>
-            <a:r>
-              <a:rPr lang="en-US" altLang="zh-TW" dirty="0"/>
-              <a:t>3</a:t>
-            </a:r>
-            <a:r>
-              <a:rPr lang="zh-TW" altLang="en-US" dirty="0"/>
-              <a:t>，內容皆為</a:t>
-            </a:r>
-            <a:r>
-              <a:rPr lang="en-US" altLang="zh-TW" dirty="0"/>
-              <a:t>255</a:t>
-            </a:r>
-          </a:p>
-          <a:p>
-            <a:r>
-              <a:rPr lang="zh-TW" altLang="en-US" dirty="0"/>
-              <a:t>在圖上的每個點進行操作，以其為中心展開出</a:t>
-            </a:r>
-            <a:r>
-              <a:rPr lang="en-US" altLang="zh-TW" dirty="0"/>
-              <a:t>3</a:t>
-            </a:r>
-            <a:r>
-              <a:rPr lang="zh-TW" altLang="en-US" dirty="0"/>
-              <a:t>*</a:t>
-            </a:r>
-            <a:r>
-              <a:rPr lang="en-US" altLang="zh-TW" dirty="0"/>
-              <a:t>3</a:t>
-            </a:r>
-            <a:r>
-              <a:rPr lang="zh-TW" altLang="en-US" dirty="0"/>
-              <a:t>的</a:t>
-            </a:r>
-            <a:r>
-              <a:rPr lang="en-US" altLang="zh-TW" dirty="0"/>
-              <a:t>window</a:t>
-            </a:r>
-            <a:r>
-              <a:rPr lang="zh-TW" altLang="en-US" dirty="0"/>
-              <a:t>，只要有任一點的值是</a:t>
-            </a:r>
-            <a:r>
-              <a:rPr lang="en-US" altLang="zh-TW" dirty="0"/>
-              <a:t>255</a:t>
-            </a:r>
-            <a:r>
-              <a:rPr lang="zh-TW" altLang="en-US" dirty="0"/>
-              <a:t>（白色），該中心點在轉換後的對應值就會是</a:t>
-            </a:r>
-            <a:r>
-              <a:rPr lang="en-US" altLang="zh-TW" dirty="0"/>
-              <a:t>255</a:t>
-            </a:r>
-            <a:r>
-              <a:rPr lang="zh-TW" altLang="en-US" dirty="0"/>
-              <a:t>，反之為黑色</a:t>
-            </a:r>
-            <a:endParaRPr lang="en-US" altLang="zh-TW" dirty="0"/>
-          </a:p>
-          <a:p>
-            <a:r>
-              <a:rPr lang="zh-TW" altLang="en-US" dirty="0"/>
-              <a:t>轉換後白色部分變大，但特徵變得較不明顯</a:t>
-            </a:r>
-          </a:p>
-        </p:txBody>
-      </p:sp>
-      <p:pic>
-        <p:nvPicPr>
-          <p:cNvPr id="5" name="圖片 4">
-            <a:extLst>
-              <a:ext uri="{FF2B5EF4-FFF2-40B4-BE49-F238E27FC236}">
-                <a16:creationId xmlns:a16="http://schemas.microsoft.com/office/drawing/2014/main" id="{A62C4ADA-FDCC-5DED-29E8-5727E8E8C7CD}"/>
-              </a:ext>
-            </a:extLst>
-          </p:cNvPr>
-          <p:cNvPicPr>
-            <a:picLocks noChangeAspect="1"/>
-          </p:cNvPicPr>
-          <p:nvPr/>
-        </p:nvPicPr>
-        <p:blipFill>
-          <a:blip r:embed="rId3"/>
-          <a:stretch>
-            <a:fillRect/>
-          </a:stretch>
-        </p:blipFill>
-        <p:spPr>
-          <a:xfrm>
-            <a:off x="4278294" y="930491"/>
-            <a:ext cx="7750212" cy="5700254"/>
-          </a:xfrm>
-          <a:prstGeom prst="rect">
-            <a:avLst/>
-          </a:prstGeom>
-        </p:spPr>
-      </p:pic>
-    </p:spTree>
-    <p:extLst>
-      <p:ext uri="{BB962C8B-B14F-4D97-AF65-F5344CB8AC3E}">
-        <p14:creationId xmlns:p14="http://schemas.microsoft.com/office/powerpoint/2010/main" val="1535287590"/>
-      </p:ext>
-    </p:extLst>
-  </p:cSld>
-  <p:clrMapOvr>
-    <a:masterClrMapping/>
-  </p:clrMapOvr>
-</p:sld>
-</file>
-
-<file path=ppt/slides/slide14.xml><?xml version="1.0" encoding="utf-8"?>
-<p:sld xmlns:a="http://schemas.openxmlformats.org/drawingml/2006/main" xmlns:r="http://schemas.openxmlformats.org/officeDocument/2006/relationships" xmlns:p="http://schemas.openxmlformats.org/presentationml/2006/main">
-  <p:cSld>
-    <p:spTree>
-      <p:nvGrpSpPr>
-        <p:cNvPr id="1" name="">
-          <a:extLst>
-            <a:ext uri="{FF2B5EF4-FFF2-40B4-BE49-F238E27FC236}">
-              <a16:creationId xmlns:a16="http://schemas.microsoft.com/office/drawing/2014/main" id="{22D8C036-4E6D-B254-526D-872D0C2917CA}"/>
-            </a:ext>
-          </a:extLst>
-        </p:cNvPr>
-        <p:cNvGrpSpPr/>
-        <p:nvPr/>
-      </p:nvGrpSpPr>
-      <p:grpSpPr>
-        <a:xfrm>
-          <a:off x="0" y="0"/>
-          <a:ext cx="0" cy="0"/>
-          <a:chOff x="0" y="0"/>
-          <a:chExt cx="0" cy="0"/>
-        </a:xfrm>
-      </p:grpSpPr>
-      <p:sp>
-        <p:nvSpPr>
-          <p:cNvPr id="2" name="標題 1">
-            <a:extLst>
-              <a:ext uri="{FF2B5EF4-FFF2-40B4-BE49-F238E27FC236}">
-                <a16:creationId xmlns:a16="http://schemas.microsoft.com/office/drawing/2014/main" id="{B7640C72-D779-C8AF-5255-C29B1C1974A7}"/>
-              </a:ext>
-            </a:extLst>
-          </p:cNvPr>
-          <p:cNvSpPr>
-            <a:spLocks noGrp="1"/>
-          </p:cNvSpPr>
-          <p:nvPr>
-            <p:ph type="title"/>
-          </p:nvPr>
-        </p:nvSpPr>
-        <p:spPr>
-          <a:xfrm>
-            <a:off x="522404" y="210315"/>
-            <a:ext cx="10213200" cy="1112836"/>
-          </a:xfrm>
-        </p:spPr>
-        <p:txBody>
-          <a:bodyPr/>
-          <a:lstStyle/>
-          <a:p>
-            <a:r>
-              <a:rPr lang="en-US" altLang="zh-TW" dirty="0">
-                <a:latin typeface="Calibri" panose="020F0502020204030204" pitchFamily="34" charset="0"/>
-                <a:ea typeface="Calibri" panose="020F0502020204030204" pitchFamily="34" charset="0"/>
-                <a:cs typeface="Calibri" panose="020F0502020204030204" pitchFamily="34" charset="0"/>
-              </a:rPr>
-              <a:t>Closing</a:t>
-            </a:r>
-            <a:r>
-              <a:rPr lang="zh-TW" altLang="en-US" dirty="0">
-                <a:latin typeface="Calibri" panose="020F0502020204030204" pitchFamily="34" charset="0"/>
-                <a:ea typeface="Calibri" panose="020F0502020204030204" pitchFamily="34" charset="0"/>
-                <a:cs typeface="Calibri" panose="020F0502020204030204" pitchFamily="34" charset="0"/>
-              </a:rPr>
-              <a:t>程式</a:t>
-            </a:r>
-            <a:r>
-              <a:rPr lang="en-US" altLang="zh-TW" dirty="0">
-                <a:latin typeface="Calibri" panose="020F0502020204030204" pitchFamily="34" charset="0"/>
-                <a:ea typeface="Calibri" panose="020F0502020204030204" pitchFamily="34" charset="0"/>
-                <a:cs typeface="Calibri" panose="020F0502020204030204" pitchFamily="34" charset="0"/>
-              </a:rPr>
-              <a:t>&amp;</a:t>
-            </a:r>
-            <a:r>
-              <a:rPr lang="zh-TW" altLang="en-US" dirty="0">
-                <a:latin typeface="Calibri" panose="020F0502020204030204" pitchFamily="34" charset="0"/>
-                <a:ea typeface="Calibri" panose="020F0502020204030204" pitchFamily="34" charset="0"/>
-                <a:cs typeface="Calibri" panose="020F0502020204030204" pitchFamily="34" charset="0"/>
-              </a:rPr>
-              <a:t>分析</a:t>
-            </a:r>
-            <a:endParaRPr lang="zh-TW" altLang="en-US" dirty="0">
-              <a:latin typeface="Calibri" panose="020F0502020204030204" pitchFamily="34" charset="0"/>
-              <a:cs typeface="Calibri" panose="020F0502020204030204" pitchFamily="34" charset="0"/>
-            </a:endParaRPr>
-          </a:p>
-        </p:txBody>
-      </p:sp>
-      <p:sp>
-        <p:nvSpPr>
-          <p:cNvPr id="4" name="內容版面配置區 3">
-            <a:extLst>
-              <a:ext uri="{FF2B5EF4-FFF2-40B4-BE49-F238E27FC236}">
-                <a16:creationId xmlns:a16="http://schemas.microsoft.com/office/drawing/2014/main" id="{4C18E906-B262-8600-A6EA-F85C1B97ADD4}"/>
-              </a:ext>
-            </a:extLst>
-          </p:cNvPr>
-          <p:cNvSpPr>
-            <a:spLocks noGrp="1"/>
-          </p:cNvSpPr>
-          <p:nvPr>
-            <p:ph idx="1"/>
-          </p:nvPr>
-        </p:nvSpPr>
-        <p:spPr>
-          <a:xfrm>
-            <a:off x="901731" y="1408904"/>
-            <a:ext cx="10213200" cy="4040191"/>
-          </a:xfrm>
-        </p:spPr>
-        <p:txBody>
-          <a:bodyPr>
-            <a:normAutofit/>
-          </a:bodyPr>
-          <a:lstStyle/>
-          <a:p>
-            <a:r>
-              <a:rPr lang="en-US" altLang="zh-TW" dirty="0"/>
-              <a:t>Kernel</a:t>
-            </a:r>
-            <a:r>
-              <a:rPr lang="zh-TW" altLang="en-US" dirty="0"/>
-              <a:t>大小</a:t>
-            </a:r>
-            <a:r>
-              <a:rPr lang="en-US" altLang="zh-TW" dirty="0"/>
-              <a:t>3</a:t>
-            </a:r>
-            <a:r>
-              <a:rPr lang="zh-TW" altLang="en-US" dirty="0"/>
-              <a:t>*</a:t>
-            </a:r>
-            <a:r>
-              <a:rPr lang="en-US" altLang="zh-TW" dirty="0"/>
-              <a:t>3</a:t>
-            </a:r>
-            <a:r>
-              <a:rPr lang="zh-TW" altLang="en-US" dirty="0"/>
-              <a:t>，內容皆為</a:t>
-            </a:r>
-            <a:r>
-              <a:rPr lang="en-US" altLang="zh-TW" dirty="0"/>
-              <a:t>255</a:t>
-            </a:r>
-          </a:p>
-          <a:p>
-            <a:r>
-              <a:rPr lang="zh-TW" altLang="en-US" dirty="0"/>
-              <a:t>先做</a:t>
-            </a:r>
-            <a:r>
-              <a:rPr lang="en-US" altLang="zh-TW" dirty="0"/>
-              <a:t>Dilation</a:t>
-            </a:r>
-            <a:r>
-              <a:rPr lang="zh-TW" altLang="en-US" dirty="0"/>
-              <a:t>，再做</a:t>
-            </a:r>
-            <a:r>
-              <a:rPr lang="en-US" altLang="zh-TW" dirty="0"/>
-              <a:t>Erosion</a:t>
-            </a:r>
-            <a:r>
-              <a:rPr lang="zh-TW" altLang="en-US" dirty="0"/>
-              <a:t>，會將圖形的黑色雜訊去除，特徵邊緣也較為平滑</a:t>
-            </a:r>
-            <a:endParaRPr lang="en-US" altLang="zh-TW" dirty="0"/>
-          </a:p>
-          <a:p>
-            <a:r>
-              <a:rPr lang="zh-TW" altLang="en-US" dirty="0"/>
-              <a:t>相對的白色部分較原本膨脹</a:t>
-            </a:r>
-          </a:p>
-        </p:txBody>
-      </p:sp>
-      <p:pic>
-        <p:nvPicPr>
-          <p:cNvPr id="5" name="圖片 4">
-            <a:extLst>
-              <a:ext uri="{FF2B5EF4-FFF2-40B4-BE49-F238E27FC236}">
-                <a16:creationId xmlns:a16="http://schemas.microsoft.com/office/drawing/2014/main" id="{17E6B33F-6AC9-6F24-130C-80ED81534046}"/>
-              </a:ext>
-            </a:extLst>
-          </p:cNvPr>
-          <p:cNvPicPr>
-            <a:picLocks noChangeAspect="1"/>
-          </p:cNvPicPr>
-          <p:nvPr/>
-        </p:nvPicPr>
-        <p:blipFill>
-          <a:blip r:embed="rId3"/>
-          <a:stretch>
-            <a:fillRect/>
-          </a:stretch>
-        </p:blipFill>
-        <p:spPr>
-          <a:xfrm>
-            <a:off x="5953850" y="3253627"/>
-            <a:ext cx="5336419" cy="2623984"/>
-          </a:xfrm>
-          <a:prstGeom prst="rect">
-            <a:avLst/>
-          </a:prstGeom>
-        </p:spPr>
-      </p:pic>
-      <p:sp>
-        <p:nvSpPr>
-          <p:cNvPr id="6" name="文字方塊 5">
-            <a:extLst>
-              <a:ext uri="{FF2B5EF4-FFF2-40B4-BE49-F238E27FC236}">
-                <a16:creationId xmlns:a16="http://schemas.microsoft.com/office/drawing/2014/main" id="{B619134C-8710-23A1-764F-8FD52A44BFC3}"/>
-              </a:ext>
-            </a:extLst>
-          </p:cNvPr>
-          <p:cNvSpPr txBox="1"/>
-          <p:nvPr/>
-        </p:nvSpPr>
-        <p:spPr>
-          <a:xfrm>
-            <a:off x="3512893" y="5874127"/>
-            <a:ext cx="2199603" cy="369332"/>
-          </a:xfrm>
-          <a:prstGeom prst="rect">
-            <a:avLst/>
-          </a:prstGeom>
-          <a:noFill/>
-        </p:spPr>
-        <p:txBody>
-          <a:bodyPr wrap="square" rtlCol="0">
-            <a:spAutoFit/>
-          </a:bodyPr>
-          <a:lstStyle/>
-          <a:p>
-            <a:pPr algn="ctr"/>
-            <a:r>
-              <a:rPr lang="en-US" altLang="zh-TW" dirty="0"/>
-              <a:t>closing</a:t>
-            </a:r>
-            <a:endParaRPr lang="zh-TW" altLang="en-US" dirty="0"/>
-          </a:p>
-        </p:txBody>
-      </p:sp>
-      <p:sp>
-        <p:nvSpPr>
-          <p:cNvPr id="8" name="文字方塊 7">
-            <a:extLst>
-              <a:ext uri="{FF2B5EF4-FFF2-40B4-BE49-F238E27FC236}">
-                <a16:creationId xmlns:a16="http://schemas.microsoft.com/office/drawing/2014/main" id="{D3D7F5DD-AE0B-E2C7-4143-E1C161FD7673}"/>
-              </a:ext>
-            </a:extLst>
-          </p:cNvPr>
-          <p:cNvSpPr txBox="1"/>
-          <p:nvPr/>
-        </p:nvSpPr>
-        <p:spPr>
-          <a:xfrm>
-            <a:off x="727810" y="5919895"/>
-            <a:ext cx="2173573" cy="369332"/>
-          </a:xfrm>
-          <a:prstGeom prst="rect">
-            <a:avLst/>
-          </a:prstGeom>
-          <a:noFill/>
-        </p:spPr>
-        <p:txBody>
-          <a:bodyPr wrap="square" rtlCol="0">
-            <a:spAutoFit/>
-          </a:bodyPr>
-          <a:lstStyle/>
-          <a:p>
-            <a:pPr algn="ctr"/>
-            <a:r>
-              <a:rPr lang="en-US" altLang="zh-TW" dirty="0"/>
-              <a:t>Original</a:t>
-            </a:r>
-            <a:endParaRPr lang="zh-TW" altLang="en-US" dirty="0"/>
-          </a:p>
-        </p:txBody>
-      </p:sp>
-      <p:pic>
-        <p:nvPicPr>
-          <p:cNvPr id="10" name="圖片 9" descr="一張含有 人的臉孔, 寫生, 圖畫, 圖解 的圖片&#10;&#10;自動產生的描述">
-            <a:extLst>
-              <a:ext uri="{FF2B5EF4-FFF2-40B4-BE49-F238E27FC236}">
-                <a16:creationId xmlns:a16="http://schemas.microsoft.com/office/drawing/2014/main" id="{85ACEEAF-813F-EBC5-4E4E-B1C7AE821C54}"/>
-              </a:ext>
-            </a:extLst>
-          </p:cNvPr>
-          <p:cNvPicPr>
-            <a:picLocks noChangeAspect="1"/>
-          </p:cNvPicPr>
-          <p:nvPr/>
-        </p:nvPicPr>
-        <p:blipFill>
-          <a:blip r:embed="rId4">
-            <a:extLst>
-              <a:ext uri="{28A0092B-C50C-407E-A947-70E740481C1C}">
-                <a14:useLocalDpi xmlns:a14="http://schemas.microsoft.com/office/drawing/2010/main" val="0"/>
-              </a:ext>
-            </a:extLst>
-          </a:blip>
-          <a:stretch>
-            <a:fillRect/>
-          </a:stretch>
-        </p:blipFill>
-        <p:spPr>
-          <a:xfrm>
-            <a:off x="522404" y="3293226"/>
-            <a:ext cx="2584386" cy="2584386"/>
-          </a:xfrm>
-          <a:prstGeom prst="rect">
-            <a:avLst/>
-          </a:prstGeom>
-        </p:spPr>
-      </p:pic>
-      <p:pic>
-        <p:nvPicPr>
-          <p:cNvPr id="11" name="圖片 10" descr="一張含有 寫生, 圖畫, 圖解, 人的臉孔 的圖片&#10;&#10;自動產生的描述">
-            <a:extLst>
-              <a:ext uri="{FF2B5EF4-FFF2-40B4-BE49-F238E27FC236}">
-                <a16:creationId xmlns:a16="http://schemas.microsoft.com/office/drawing/2014/main" id="{3BCCBB3D-34A5-F032-59E1-9377728461DA}"/>
-              </a:ext>
-            </a:extLst>
-          </p:cNvPr>
-          <p:cNvPicPr>
-            <a:picLocks noChangeAspect="1"/>
-          </p:cNvPicPr>
-          <p:nvPr/>
-        </p:nvPicPr>
-        <p:blipFill>
-          <a:blip r:embed="rId5">
-            <a:extLst>
-              <a:ext uri="{28A0092B-C50C-407E-A947-70E740481C1C}">
-                <a14:useLocalDpi xmlns:a14="http://schemas.microsoft.com/office/drawing/2010/main" val="0"/>
-              </a:ext>
-            </a:extLst>
-          </a:blip>
-          <a:stretch>
-            <a:fillRect/>
-          </a:stretch>
-        </p:blipFill>
-        <p:spPr>
-          <a:xfrm>
-            <a:off x="3268318" y="3293225"/>
-            <a:ext cx="2580902" cy="2580902"/>
-          </a:xfrm>
-          <a:prstGeom prst="rect">
-            <a:avLst/>
-          </a:prstGeom>
-        </p:spPr>
-      </p:pic>
-    </p:spTree>
-    <p:extLst>
-      <p:ext uri="{BB962C8B-B14F-4D97-AF65-F5344CB8AC3E}">
-        <p14:creationId xmlns:p14="http://schemas.microsoft.com/office/powerpoint/2010/main" val="2421066298"/>
-      </p:ext>
-    </p:extLst>
-  </p:cSld>
-  <p:clrMapOvr>
-    <a:masterClrMapping/>
-  </p:clrMapOvr>
-</p:sld>
-</file>
-
-<file path=ppt/slides/slide15.xml><?xml version="1.0" encoding="utf-8"?>
-<p:sld xmlns:a="http://schemas.openxmlformats.org/drawingml/2006/main" xmlns:r="http://schemas.openxmlformats.org/officeDocument/2006/relationships" xmlns:p="http://schemas.openxmlformats.org/presentationml/2006/main">
-  <p:cSld>
-    <p:spTree>
-      <p:nvGrpSpPr>
-        <p:cNvPr id="1" name="">
-          <a:extLst>
-            <a:ext uri="{FF2B5EF4-FFF2-40B4-BE49-F238E27FC236}">
-              <a16:creationId xmlns:a16="http://schemas.microsoft.com/office/drawing/2014/main" id="{CCCBA717-C0E0-B350-EAAA-FB24040E9A41}"/>
-            </a:ext>
-          </a:extLst>
-        </p:cNvPr>
-        <p:cNvGrpSpPr/>
-        <p:nvPr/>
-      </p:nvGrpSpPr>
-      <p:grpSpPr>
-        <a:xfrm>
-          <a:off x="0" y="0"/>
-          <a:ext cx="0" cy="0"/>
-          <a:chOff x="0" y="0"/>
-          <a:chExt cx="0" cy="0"/>
-        </a:xfrm>
-      </p:grpSpPr>
-      <p:sp>
-        <p:nvSpPr>
-          <p:cNvPr id="2" name="標題 1">
-            <a:extLst>
-              <a:ext uri="{FF2B5EF4-FFF2-40B4-BE49-F238E27FC236}">
-                <a16:creationId xmlns:a16="http://schemas.microsoft.com/office/drawing/2014/main" id="{35D800E2-B434-5F4A-06B8-11BCD6EE4EDE}"/>
-              </a:ext>
-            </a:extLst>
-          </p:cNvPr>
-          <p:cNvSpPr>
-            <a:spLocks noGrp="1"/>
-          </p:cNvSpPr>
-          <p:nvPr>
-            <p:ph type="title"/>
-          </p:nvPr>
-        </p:nvSpPr>
-        <p:spPr>
-          <a:xfrm>
-            <a:off x="522404" y="210315"/>
-            <a:ext cx="10213200" cy="1112836"/>
-          </a:xfrm>
-        </p:spPr>
-        <p:txBody>
-          <a:bodyPr/>
-          <a:lstStyle/>
-          <a:p>
-            <a:r>
-              <a:rPr lang="en-US" altLang="zh-TW" dirty="0">
-                <a:latin typeface="Calibri" panose="020F0502020204030204" pitchFamily="34" charset="0"/>
-                <a:ea typeface="Calibri" panose="020F0502020204030204" pitchFamily="34" charset="0"/>
-                <a:cs typeface="Calibri" panose="020F0502020204030204" pitchFamily="34" charset="0"/>
-              </a:rPr>
-              <a:t>Opening</a:t>
-            </a:r>
-            <a:r>
-              <a:rPr lang="zh-TW" altLang="en-US" dirty="0">
-                <a:latin typeface="Calibri" panose="020F0502020204030204" pitchFamily="34" charset="0"/>
-                <a:ea typeface="Calibri" panose="020F0502020204030204" pitchFamily="34" charset="0"/>
-                <a:cs typeface="Calibri" panose="020F0502020204030204" pitchFamily="34" charset="0"/>
-              </a:rPr>
-              <a:t>程式</a:t>
-            </a:r>
-            <a:r>
-              <a:rPr lang="en-US" altLang="zh-TW" dirty="0">
-                <a:latin typeface="Calibri" panose="020F0502020204030204" pitchFamily="34" charset="0"/>
-                <a:ea typeface="Calibri" panose="020F0502020204030204" pitchFamily="34" charset="0"/>
-                <a:cs typeface="Calibri" panose="020F0502020204030204" pitchFamily="34" charset="0"/>
-              </a:rPr>
-              <a:t>&amp;</a:t>
-            </a:r>
-            <a:r>
-              <a:rPr lang="zh-TW" altLang="en-US" dirty="0">
-                <a:latin typeface="Calibri" panose="020F0502020204030204" pitchFamily="34" charset="0"/>
-                <a:ea typeface="Calibri" panose="020F0502020204030204" pitchFamily="34" charset="0"/>
-                <a:cs typeface="Calibri" panose="020F0502020204030204" pitchFamily="34" charset="0"/>
-              </a:rPr>
-              <a:t>分析</a:t>
-            </a:r>
-            <a:endParaRPr lang="zh-TW" altLang="en-US" dirty="0">
-              <a:latin typeface="Calibri" panose="020F0502020204030204" pitchFamily="34" charset="0"/>
-              <a:cs typeface="Calibri" panose="020F0502020204030204" pitchFamily="34" charset="0"/>
-            </a:endParaRPr>
-          </a:p>
-        </p:txBody>
-      </p:sp>
-      <p:sp>
-        <p:nvSpPr>
-          <p:cNvPr id="4" name="內容版面配置區 3">
-            <a:extLst>
-              <a:ext uri="{FF2B5EF4-FFF2-40B4-BE49-F238E27FC236}">
-                <a16:creationId xmlns:a16="http://schemas.microsoft.com/office/drawing/2014/main" id="{1F16418E-CDFD-6820-F58C-7EA114CB66CD}"/>
-              </a:ext>
-            </a:extLst>
-          </p:cNvPr>
-          <p:cNvSpPr>
-            <a:spLocks noGrp="1"/>
-          </p:cNvSpPr>
-          <p:nvPr>
-            <p:ph idx="1"/>
-          </p:nvPr>
-        </p:nvSpPr>
-        <p:spPr>
-          <a:xfrm>
-            <a:off x="522404" y="1861231"/>
-            <a:ext cx="11004085" cy="4040191"/>
-          </a:xfrm>
-        </p:spPr>
-        <p:txBody>
-          <a:bodyPr>
-            <a:normAutofit/>
-          </a:bodyPr>
-          <a:lstStyle/>
-          <a:p>
-            <a:r>
-              <a:rPr lang="en-US" altLang="zh-TW" dirty="0"/>
-              <a:t>Kernel</a:t>
-            </a:r>
-            <a:r>
-              <a:rPr lang="zh-TW" altLang="en-US" dirty="0"/>
-              <a:t>大小</a:t>
-            </a:r>
-            <a:r>
-              <a:rPr lang="en-US" altLang="zh-TW" dirty="0"/>
-              <a:t>3</a:t>
-            </a:r>
-            <a:r>
-              <a:rPr lang="zh-TW" altLang="en-US" dirty="0"/>
-              <a:t>*</a:t>
-            </a:r>
-            <a:r>
-              <a:rPr lang="en-US" altLang="zh-TW" dirty="0"/>
-              <a:t>3</a:t>
-            </a:r>
-            <a:r>
-              <a:rPr lang="zh-TW" altLang="en-US" dirty="0"/>
-              <a:t>，內容皆為</a:t>
-            </a:r>
-            <a:r>
-              <a:rPr lang="en-US" altLang="zh-TW" dirty="0"/>
-              <a:t>255</a:t>
-            </a:r>
-          </a:p>
-          <a:p>
-            <a:r>
-              <a:rPr lang="zh-TW" altLang="en-US" dirty="0"/>
-              <a:t>先做</a:t>
-            </a:r>
-            <a:r>
-              <a:rPr lang="en-US" altLang="zh-TW" dirty="0"/>
-              <a:t>Erosion</a:t>
-            </a:r>
-            <a:r>
-              <a:rPr lang="zh-TW" altLang="en-US" dirty="0"/>
-              <a:t>，再做</a:t>
-            </a:r>
-            <a:r>
-              <a:rPr lang="en-US" altLang="zh-TW" dirty="0"/>
-              <a:t>Dilation</a:t>
-            </a:r>
-            <a:r>
-              <a:rPr lang="zh-TW" altLang="en-US" dirty="0"/>
-              <a:t>，會將圖形的黑色雜訊部分放大、擴張（相對的白色部分會縮小）</a:t>
-            </a:r>
-            <a:endParaRPr lang="en-US" altLang="zh-TW" dirty="0"/>
-          </a:p>
-          <a:p>
-            <a:endParaRPr lang="zh-TW" altLang="en-US" dirty="0"/>
-          </a:p>
-        </p:txBody>
-      </p:sp>
-      <p:sp>
-        <p:nvSpPr>
-          <p:cNvPr id="6" name="文字方塊 5">
-            <a:extLst>
-              <a:ext uri="{FF2B5EF4-FFF2-40B4-BE49-F238E27FC236}">
-                <a16:creationId xmlns:a16="http://schemas.microsoft.com/office/drawing/2014/main" id="{BC0651D7-BA5D-37F5-AFDD-912D50C3DF8E}"/>
-              </a:ext>
-            </a:extLst>
-          </p:cNvPr>
-          <p:cNvSpPr txBox="1"/>
-          <p:nvPr/>
-        </p:nvSpPr>
-        <p:spPr>
-          <a:xfrm>
-            <a:off x="3251063" y="6012606"/>
-            <a:ext cx="2584386" cy="369332"/>
-          </a:xfrm>
-          <a:prstGeom prst="rect">
-            <a:avLst/>
-          </a:prstGeom>
-          <a:noFill/>
-        </p:spPr>
-        <p:txBody>
-          <a:bodyPr wrap="square" rtlCol="0">
-            <a:spAutoFit/>
-          </a:bodyPr>
-          <a:lstStyle/>
-          <a:p>
-            <a:pPr algn="ctr"/>
-            <a:r>
-              <a:rPr lang="en-US" altLang="zh-TW" dirty="0"/>
-              <a:t>opening</a:t>
-            </a:r>
-            <a:endParaRPr lang="zh-TW" altLang="en-US" dirty="0"/>
-          </a:p>
-        </p:txBody>
-      </p:sp>
-      <p:sp>
-        <p:nvSpPr>
-          <p:cNvPr id="8" name="文字方塊 7">
-            <a:extLst>
-              <a:ext uri="{FF2B5EF4-FFF2-40B4-BE49-F238E27FC236}">
-                <a16:creationId xmlns:a16="http://schemas.microsoft.com/office/drawing/2014/main" id="{B51F1656-5087-D833-9EAE-C99BD1F7D3B9}"/>
-              </a:ext>
-            </a:extLst>
-          </p:cNvPr>
-          <p:cNvSpPr txBox="1"/>
-          <p:nvPr/>
-        </p:nvSpPr>
-        <p:spPr>
-          <a:xfrm>
-            <a:off x="727810" y="6070170"/>
-            <a:ext cx="2173573" cy="369332"/>
-          </a:xfrm>
-          <a:prstGeom prst="rect">
-            <a:avLst/>
-          </a:prstGeom>
-          <a:noFill/>
-        </p:spPr>
-        <p:txBody>
-          <a:bodyPr wrap="square" rtlCol="0">
-            <a:spAutoFit/>
-          </a:bodyPr>
-          <a:lstStyle/>
-          <a:p>
-            <a:pPr algn="ctr"/>
-            <a:r>
-              <a:rPr lang="en-US" altLang="zh-TW" dirty="0"/>
-              <a:t>Original</a:t>
-            </a:r>
-            <a:endParaRPr lang="zh-TW" altLang="en-US" dirty="0"/>
-          </a:p>
-        </p:txBody>
-      </p:sp>
-      <p:pic>
-        <p:nvPicPr>
-          <p:cNvPr id="10" name="圖片 9" descr="一張含有 人的臉孔, 寫生, 圖畫, 圖解 的圖片&#10;&#10;自動產生的描述">
-            <a:extLst>
-              <a:ext uri="{FF2B5EF4-FFF2-40B4-BE49-F238E27FC236}">
-                <a16:creationId xmlns:a16="http://schemas.microsoft.com/office/drawing/2014/main" id="{6D60E5CF-9184-E0F1-0393-BB5DC47E1733}"/>
-              </a:ext>
-            </a:extLst>
-          </p:cNvPr>
-          <p:cNvPicPr>
-            <a:picLocks noChangeAspect="1"/>
-          </p:cNvPicPr>
-          <p:nvPr/>
-        </p:nvPicPr>
-        <p:blipFill>
-          <a:blip r:embed="rId3">
-            <a:extLst>
-              <a:ext uri="{28A0092B-C50C-407E-A947-70E740481C1C}">
-                <a14:useLocalDpi xmlns:a14="http://schemas.microsoft.com/office/drawing/2010/main" val="0"/>
-              </a:ext>
-            </a:extLst>
-          </a:blip>
-          <a:stretch>
-            <a:fillRect/>
-          </a:stretch>
-        </p:blipFill>
-        <p:spPr>
-          <a:xfrm>
-            <a:off x="522404" y="3443501"/>
-            <a:ext cx="2584386" cy="2584386"/>
-          </a:xfrm>
-          <a:prstGeom prst="rect">
-            <a:avLst/>
-          </a:prstGeom>
-        </p:spPr>
-      </p:pic>
-      <p:pic>
-        <p:nvPicPr>
-          <p:cNvPr id="3" name="圖片 2">
-            <a:extLst>
-              <a:ext uri="{FF2B5EF4-FFF2-40B4-BE49-F238E27FC236}">
-                <a16:creationId xmlns:a16="http://schemas.microsoft.com/office/drawing/2014/main" id="{D971B862-1351-5A55-B4B7-7E4901B11076}"/>
-              </a:ext>
-            </a:extLst>
-          </p:cNvPr>
-          <p:cNvPicPr>
-            <a:picLocks noChangeAspect="1"/>
-          </p:cNvPicPr>
-          <p:nvPr/>
-        </p:nvPicPr>
-        <p:blipFill>
-          <a:blip r:embed="rId4"/>
-          <a:stretch>
-            <a:fillRect/>
-          </a:stretch>
-        </p:blipFill>
-        <p:spPr>
-          <a:xfrm>
-            <a:off x="5958402" y="3443500"/>
-            <a:ext cx="5568088" cy="2645610"/>
-          </a:xfrm>
-          <a:prstGeom prst="rect">
-            <a:avLst/>
-          </a:prstGeom>
-        </p:spPr>
-      </p:pic>
-      <p:pic>
-        <p:nvPicPr>
-          <p:cNvPr id="7" name="圖片 6" descr="一張含有 人的臉孔, 寫生, 圖畫, 圖解 的圖片&#10;&#10;自動產生的描述">
-            <a:extLst>
-              <a:ext uri="{FF2B5EF4-FFF2-40B4-BE49-F238E27FC236}">
-                <a16:creationId xmlns:a16="http://schemas.microsoft.com/office/drawing/2014/main" id="{E8E00753-F9DC-B086-78C7-E80864A3613A}"/>
-              </a:ext>
-            </a:extLst>
-          </p:cNvPr>
-          <p:cNvPicPr>
-            <a:picLocks noChangeAspect="1"/>
-          </p:cNvPicPr>
-          <p:nvPr/>
-        </p:nvPicPr>
-        <p:blipFill>
-          <a:blip r:embed="rId5">
-            <a:extLst>
-              <a:ext uri="{28A0092B-C50C-407E-A947-70E740481C1C}">
-                <a14:useLocalDpi xmlns:a14="http://schemas.microsoft.com/office/drawing/2010/main" val="0"/>
-              </a:ext>
-            </a:extLst>
-          </a:blip>
-          <a:stretch>
-            <a:fillRect/>
-          </a:stretch>
-        </p:blipFill>
-        <p:spPr>
-          <a:xfrm>
-            <a:off x="3251063" y="3443501"/>
-            <a:ext cx="2584386" cy="2584386"/>
-          </a:xfrm>
-          <a:prstGeom prst="rect">
-            <a:avLst/>
-          </a:prstGeom>
-        </p:spPr>
-      </p:pic>
-    </p:spTree>
-    <p:extLst>
-      <p:ext uri="{BB962C8B-B14F-4D97-AF65-F5344CB8AC3E}">
-        <p14:creationId xmlns:p14="http://schemas.microsoft.com/office/powerpoint/2010/main" val="1536016858"/>
-      </p:ext>
-    </p:extLst>
-  </p:cSld>
-  <p:clrMapOvr>
-    <a:masterClrMapping/>
-  </p:clrMapOvr>
-</p:sld>
-</file>
-
-<file path=ppt/slides/slide16.xml><?xml version="1.0" encoding="utf-8"?>
-<p:sld xmlns:a="http://schemas.openxmlformats.org/drawingml/2006/main" xmlns:r="http://schemas.openxmlformats.org/officeDocument/2006/relationships" xmlns:p="http://schemas.openxmlformats.org/presentationml/2006/main">
-  <p:cSld>
-    <p:spTree>
-      <p:nvGrpSpPr>
-        <p:cNvPr id="1" name="">
-          <a:extLst>
-            <a:ext uri="{FF2B5EF4-FFF2-40B4-BE49-F238E27FC236}">
-              <a16:creationId xmlns:a16="http://schemas.microsoft.com/office/drawing/2014/main" id="{DF6EC1EA-646A-E4AA-95ED-A9B6328BC017}"/>
-            </a:ext>
-          </a:extLst>
-        </p:cNvPr>
-        <p:cNvGrpSpPr/>
-        <p:nvPr/>
-      </p:nvGrpSpPr>
-      <p:grpSpPr>
-        <a:xfrm>
-          <a:off x="0" y="0"/>
-          <a:ext cx="0" cy="0"/>
-          <a:chOff x="0" y="0"/>
-          <a:chExt cx="0" cy="0"/>
-        </a:xfrm>
-      </p:grpSpPr>
-      <p:sp>
-        <p:nvSpPr>
-          <p:cNvPr id="2" name="標題 1">
-            <a:extLst>
-              <a:ext uri="{FF2B5EF4-FFF2-40B4-BE49-F238E27FC236}">
-                <a16:creationId xmlns:a16="http://schemas.microsoft.com/office/drawing/2014/main" id="{6A4EFC8D-962D-CC6C-4E3F-F66BC7563983}"/>
-              </a:ext>
-            </a:extLst>
-          </p:cNvPr>
-          <p:cNvSpPr>
-            <a:spLocks noGrp="1"/>
-          </p:cNvSpPr>
-          <p:nvPr>
-            <p:ph type="title"/>
-          </p:nvPr>
-        </p:nvSpPr>
-        <p:spPr>
-          <a:xfrm>
-            <a:off x="522404" y="210315"/>
-            <a:ext cx="10213200" cy="1112836"/>
-          </a:xfrm>
-        </p:spPr>
-        <p:txBody>
-          <a:bodyPr/>
-          <a:lstStyle/>
-          <a:p>
-            <a:r>
-              <a:rPr lang="en-US" altLang="zh-TW" dirty="0">
-                <a:latin typeface="Calibri" panose="020F0502020204030204" pitchFamily="34" charset="0"/>
-                <a:ea typeface="Calibri" panose="020F0502020204030204" pitchFamily="34" charset="0"/>
-                <a:cs typeface="Calibri" panose="020F0502020204030204" pitchFamily="34" charset="0"/>
-              </a:rPr>
-              <a:t>Opening</a:t>
-            </a:r>
-            <a:r>
-              <a:rPr lang="zh-TW" altLang="en-US" dirty="0">
-                <a:latin typeface="Calibri" panose="020F0502020204030204" pitchFamily="34" charset="0"/>
-                <a:ea typeface="Calibri" panose="020F0502020204030204" pitchFamily="34" charset="0"/>
-                <a:cs typeface="Calibri" panose="020F0502020204030204" pitchFamily="34" charset="0"/>
-              </a:rPr>
-              <a:t>程式</a:t>
-            </a:r>
-            <a:r>
-              <a:rPr lang="en-US" altLang="zh-TW" dirty="0">
-                <a:latin typeface="Calibri" panose="020F0502020204030204" pitchFamily="34" charset="0"/>
-                <a:ea typeface="Calibri" panose="020F0502020204030204" pitchFamily="34" charset="0"/>
-                <a:cs typeface="Calibri" panose="020F0502020204030204" pitchFamily="34" charset="0"/>
-              </a:rPr>
-              <a:t>&amp;</a:t>
-            </a:r>
-            <a:r>
-              <a:rPr lang="zh-TW" altLang="en-US" dirty="0">
-                <a:latin typeface="Calibri" panose="020F0502020204030204" pitchFamily="34" charset="0"/>
-                <a:ea typeface="Calibri" panose="020F0502020204030204" pitchFamily="34" charset="0"/>
-                <a:cs typeface="Calibri" panose="020F0502020204030204" pitchFamily="34" charset="0"/>
-              </a:rPr>
-              <a:t>分析</a:t>
-            </a:r>
-            <a:endParaRPr lang="zh-TW" altLang="en-US" dirty="0">
-              <a:latin typeface="Calibri" panose="020F0502020204030204" pitchFamily="34" charset="0"/>
-              <a:cs typeface="Calibri" panose="020F0502020204030204" pitchFamily="34" charset="0"/>
-            </a:endParaRPr>
-          </a:p>
-        </p:txBody>
-      </p:sp>
-      <p:sp>
-        <p:nvSpPr>
-          <p:cNvPr id="4" name="內容版面配置區 3">
-            <a:extLst>
-              <a:ext uri="{FF2B5EF4-FFF2-40B4-BE49-F238E27FC236}">
-                <a16:creationId xmlns:a16="http://schemas.microsoft.com/office/drawing/2014/main" id="{F3469DBB-80C7-CF8A-AB0D-7D237DA75F2B}"/>
-              </a:ext>
-            </a:extLst>
-          </p:cNvPr>
-          <p:cNvSpPr>
-            <a:spLocks noGrp="1"/>
-          </p:cNvSpPr>
-          <p:nvPr>
-            <p:ph idx="1"/>
-          </p:nvPr>
-        </p:nvSpPr>
-        <p:spPr>
-          <a:xfrm>
-            <a:off x="989399" y="1685925"/>
-            <a:ext cx="4237227" cy="4040191"/>
-          </a:xfrm>
-        </p:spPr>
-        <p:txBody>
-          <a:bodyPr>
-            <a:normAutofit lnSpcReduction="10000"/>
-          </a:bodyPr>
-          <a:lstStyle/>
-          <a:p>
-            <a:r>
-              <a:rPr lang="zh-TW" altLang="en-US" dirty="0"/>
-              <a:t>分別產生</a:t>
-            </a:r>
-            <a:r>
-              <a:rPr lang="en-US" altLang="zh-TW" dirty="0" err="1"/>
-              <a:t>kernelX</a:t>
-            </a:r>
-            <a:r>
-              <a:rPr lang="zh-TW" altLang="en-US" dirty="0"/>
-              <a:t>和</a:t>
-            </a:r>
-            <a:r>
-              <a:rPr lang="en-US" altLang="zh-TW" dirty="0" err="1"/>
-              <a:t>kernelY</a:t>
-            </a:r>
-            <a:r>
-              <a:rPr lang="zh-TW" altLang="en-US" dirty="0"/>
-              <a:t>，並和圖片對應位置相乘後加總，作為該點的值，產生出</a:t>
-            </a:r>
-            <a:r>
-              <a:rPr lang="en-US" altLang="zh-TW" dirty="0" err="1"/>
-              <a:t>resultX</a:t>
-            </a:r>
-            <a:r>
-              <a:rPr lang="zh-TW" altLang="en-US" dirty="0"/>
-              <a:t>和</a:t>
-            </a:r>
-            <a:r>
-              <a:rPr lang="en-US" altLang="zh-TW" dirty="0" err="1"/>
-              <a:t>resultY</a:t>
-            </a:r>
-            <a:r>
-              <a:rPr lang="zh-TW" altLang="en-US" dirty="0"/>
-              <a:t>，再將兩陣列的同位置平方加總開根號，放入</a:t>
-            </a:r>
-            <a:r>
-              <a:rPr lang="en-US" altLang="zh-TW" dirty="0"/>
-              <a:t>result</a:t>
-            </a:r>
-            <a:r>
-              <a:rPr lang="zh-TW" altLang="en-US" dirty="0"/>
-              <a:t>的位置，即為該點的值，最後輸出</a:t>
-            </a:r>
-            <a:r>
-              <a:rPr lang="en-US" altLang="zh-TW" dirty="0"/>
-              <a:t>result</a:t>
-            </a:r>
-          </a:p>
-          <a:p>
-            <a:r>
-              <a:rPr lang="zh-TW" altLang="en-US" dirty="0"/>
-              <a:t>推測因為</a:t>
-            </a:r>
-            <a:r>
-              <a:rPr lang="en-US" altLang="zh-TW" dirty="0"/>
-              <a:t>kernel</a:t>
-            </a:r>
-            <a:r>
-              <a:rPr lang="zh-TW" altLang="en-US" dirty="0"/>
-              <a:t>整體絕對值較大，所以白色的邊較</a:t>
-            </a:r>
-            <a:r>
-              <a:rPr lang="en-US" altLang="zh-TW" dirty="0"/>
-              <a:t>Prewitt</a:t>
-            </a:r>
-            <a:r>
-              <a:rPr lang="zh-TW" altLang="en-US" dirty="0"/>
-              <a:t>明顯</a:t>
-            </a:r>
-          </a:p>
-        </p:txBody>
-      </p:sp>
-    </p:spTree>
-    <p:extLst>
-      <p:ext uri="{BB962C8B-B14F-4D97-AF65-F5344CB8AC3E}">
-        <p14:creationId xmlns:p14="http://schemas.microsoft.com/office/powerpoint/2010/main" val="3156278512"/>
-      </p:ext>
-    </p:extLst>
-  </p:cSld>
-  <p:clrMapOvr>
-    <a:masterClrMapping/>
-  </p:clrMapOvr>
-</p:sld>
-</file>
-
 <file path=ppt/slides/slide2.xml><?xml version="1.0" encoding="utf-8"?>
 <p:sld xmlns:a="http://schemas.openxmlformats.org/drawingml/2006/main" xmlns:r="http://schemas.openxmlformats.org/officeDocument/2006/relationships" xmlns:p="http://schemas.openxmlformats.org/presentationml/2006/main">
   <p:cSld>
@@ -8055,200 +5653,12 @@
           <a:chExt cx="0" cy="0"/>
         </a:xfrm>
       </p:grpSpPr>
-      <p:sp>
-        <p:nvSpPr>
-          <p:cNvPr id="2" name="標題 1">
-            <a:extLst>
-              <a:ext uri="{FF2B5EF4-FFF2-40B4-BE49-F238E27FC236}">
-                <a16:creationId xmlns:a16="http://schemas.microsoft.com/office/drawing/2014/main" id="{88307379-4106-30D6-694E-B18044D96E08}"/>
-              </a:ext>
-            </a:extLst>
-          </p:cNvPr>
-          <p:cNvSpPr>
-            <a:spLocks noGrp="1"/>
-          </p:cNvSpPr>
-          <p:nvPr>
-            <p:ph type="title"/>
-          </p:nvPr>
-        </p:nvSpPr>
-        <p:spPr>
-          <a:xfrm>
-            <a:off x="490637" y="239425"/>
-            <a:ext cx="10213200" cy="1112836"/>
-          </a:xfrm>
-        </p:spPr>
-        <p:txBody>
-          <a:bodyPr/>
-          <a:lstStyle/>
-          <a:p>
-            <a:r>
-              <a:rPr lang="en-US" altLang="zh-TW" dirty="0">
-                <a:latin typeface="Calibri" panose="020F0502020204030204" pitchFamily="34" charset="0"/>
-                <a:ea typeface="Calibri" panose="020F0502020204030204" pitchFamily="34" charset="0"/>
-                <a:cs typeface="Calibri" panose="020F0502020204030204" pitchFamily="34" charset="0"/>
-              </a:rPr>
-              <a:t>Edge detection result</a:t>
-            </a:r>
-            <a:endParaRPr lang="zh-TW" altLang="en-US" dirty="0">
-              <a:latin typeface="Calibri" panose="020F0502020204030204" pitchFamily="34" charset="0"/>
-              <a:cs typeface="Calibri" panose="020F0502020204030204" pitchFamily="34" charset="0"/>
-            </a:endParaRPr>
-          </a:p>
-        </p:txBody>
-      </p:sp>
       <p:pic>
         <p:nvPicPr>
-          <p:cNvPr id="5" name="圖片 4" descr="一張含有 服裝, 人的臉孔, 頭飾, 時尚配件 的圖片&#10;&#10;自動產生的描述">
-            <a:extLst>
-              <a:ext uri="{FF2B5EF4-FFF2-40B4-BE49-F238E27FC236}">
-                <a16:creationId xmlns:a16="http://schemas.microsoft.com/office/drawing/2014/main" id="{D6B932BF-C3C1-9C32-610E-92CC86E35094}"/>
-              </a:ext>
-            </a:extLst>
-          </p:cNvPr>
-          <p:cNvPicPr>
-            <a:picLocks noChangeAspect="1"/>
-          </p:cNvPicPr>
-          <p:nvPr/>
-        </p:nvPicPr>
-        <p:blipFill>
-          <a:blip r:embed="rId2">
-            <a:extLst>
-              <a:ext uri="{28A0092B-C50C-407E-A947-70E740481C1C}">
-                <a14:useLocalDpi xmlns:a14="http://schemas.microsoft.com/office/drawing/2010/main" val="0"/>
-              </a:ext>
-            </a:extLst>
-          </a:blip>
-          <a:stretch>
-            <a:fillRect/>
-          </a:stretch>
-        </p:blipFill>
-        <p:spPr>
-          <a:xfrm>
-            <a:off x="365946" y="1600407"/>
-            <a:ext cx="3657186" cy="3657186"/>
-          </a:xfrm>
-          <a:prstGeom prst="rect">
-            <a:avLst/>
-          </a:prstGeom>
-        </p:spPr>
-      </p:pic>
-      <p:sp>
-        <p:nvSpPr>
-          <p:cNvPr id="8" name="文字方塊 7">
-            <a:extLst>
-              <a:ext uri="{FF2B5EF4-FFF2-40B4-BE49-F238E27FC236}">
-                <a16:creationId xmlns:a16="http://schemas.microsoft.com/office/drawing/2014/main" id="{611BB02A-0D5A-C694-60BF-90E6A205B587}"/>
-              </a:ext>
-            </a:extLst>
-          </p:cNvPr>
-          <p:cNvSpPr txBox="1"/>
-          <p:nvPr/>
-        </p:nvSpPr>
-        <p:spPr>
-          <a:xfrm>
-            <a:off x="4267407" y="5267924"/>
-            <a:ext cx="3657186" cy="369332"/>
-          </a:xfrm>
-          <a:prstGeom prst="rect">
-            <a:avLst/>
-          </a:prstGeom>
-          <a:noFill/>
-        </p:spPr>
-        <p:txBody>
-          <a:bodyPr wrap="square" rtlCol="0">
-            <a:spAutoFit/>
-          </a:bodyPr>
-          <a:lstStyle/>
-          <a:p>
-            <a:pPr algn="ctr"/>
-            <a:r>
-              <a:rPr lang="en-US" altLang="zh-TW" dirty="0"/>
-              <a:t>Sobel</a:t>
-            </a:r>
-            <a:endParaRPr lang="zh-TW" altLang="en-US" dirty="0"/>
-          </a:p>
-        </p:txBody>
-      </p:sp>
-      <p:sp>
-        <p:nvSpPr>
-          <p:cNvPr id="13" name="文字方塊 12">
-            <a:extLst>
-              <a:ext uri="{FF2B5EF4-FFF2-40B4-BE49-F238E27FC236}">
-                <a16:creationId xmlns:a16="http://schemas.microsoft.com/office/drawing/2014/main" id="{F7DF4E74-C72E-B854-E699-76E8650C04B7}"/>
-              </a:ext>
-            </a:extLst>
-          </p:cNvPr>
-          <p:cNvSpPr txBox="1"/>
-          <p:nvPr/>
-        </p:nvSpPr>
-        <p:spPr>
-          <a:xfrm>
-            <a:off x="8309029" y="5257593"/>
-            <a:ext cx="3657186" cy="369332"/>
-          </a:xfrm>
-          <a:prstGeom prst="rect">
-            <a:avLst/>
-          </a:prstGeom>
-          <a:noFill/>
-        </p:spPr>
-        <p:txBody>
-          <a:bodyPr wrap="square" rtlCol="0">
-            <a:spAutoFit/>
-          </a:bodyPr>
-          <a:lstStyle/>
-          <a:p>
-            <a:pPr algn="ctr"/>
-            <a:r>
-              <a:rPr lang="en-US" altLang="zh-TW" dirty="0"/>
-              <a:t>Prewitt</a:t>
-            </a:r>
-            <a:endParaRPr lang="zh-TW" altLang="en-US" dirty="0"/>
-          </a:p>
-        </p:txBody>
-      </p:sp>
-      <p:sp>
-        <p:nvSpPr>
-          <p:cNvPr id="14" name="文字方塊 13">
-            <a:extLst>
-              <a:ext uri="{FF2B5EF4-FFF2-40B4-BE49-F238E27FC236}">
-                <a16:creationId xmlns:a16="http://schemas.microsoft.com/office/drawing/2014/main" id="{6DCCD8D7-8138-5A5F-5B2A-40DF2BA91F95}"/>
-              </a:ext>
-            </a:extLst>
-          </p:cNvPr>
-          <p:cNvSpPr txBox="1"/>
-          <p:nvPr/>
-        </p:nvSpPr>
-        <p:spPr>
-          <a:xfrm>
-            <a:off x="365945" y="5267924"/>
-            <a:ext cx="3657186" cy="369332"/>
-          </a:xfrm>
-          <a:prstGeom prst="rect">
-            <a:avLst/>
-          </a:prstGeom>
-          <a:noFill/>
-        </p:spPr>
-        <p:txBody>
-          <a:bodyPr wrap="square" rtlCol="0">
-            <a:spAutoFit/>
-          </a:bodyPr>
-          <a:lstStyle/>
-          <a:p>
-            <a:pPr algn="ctr"/>
-            <a:r>
-              <a:rPr lang="en-US" altLang="zh-TW" dirty="0"/>
-              <a:t>Original</a:t>
-            </a:r>
-            <a:endParaRPr lang="zh-TW" altLang="en-US" dirty="0"/>
-          </a:p>
-        </p:txBody>
-      </p:sp>
-      <p:pic>
-        <p:nvPicPr>
-          <p:cNvPr id="4" name="圖片 3">
-            <a:extLst>
-              <a:ext uri="{FF2B5EF4-FFF2-40B4-BE49-F238E27FC236}">
-                <a16:creationId xmlns:a16="http://schemas.microsoft.com/office/drawing/2014/main" id="{E5DBE168-CF55-9C7E-0BDD-543D063BB3BC}"/>
+          <p:cNvPr id="6" name="圖片 5">
+            <a:extLst>
+              <a:ext uri="{FF2B5EF4-FFF2-40B4-BE49-F238E27FC236}">
+                <a16:creationId xmlns:a16="http://schemas.microsoft.com/office/drawing/2014/main" id="{2A483E52-791E-A553-6256-2A2D859003E6}"/>
               </a:ext>
             </a:extLst>
           </p:cNvPr>
@@ -8265,44 +5675,105 @@
         </p:blipFill>
         <p:spPr>
           <a:xfrm>
-            <a:off x="4407568" y="1600407"/>
-            <a:ext cx="3657186" cy="3657186"/>
+            <a:off x="5148494" y="0"/>
+            <a:ext cx="6858000" cy="6858000"/>
           </a:xfrm>
           <a:prstGeom prst="rect">
             <a:avLst/>
           </a:prstGeom>
         </p:spPr>
       </p:pic>
-      <p:pic>
-        <p:nvPicPr>
-          <p:cNvPr id="9" name="圖片 8">
-            <a:extLst>
-              <a:ext uri="{FF2B5EF4-FFF2-40B4-BE49-F238E27FC236}">
-                <a16:creationId xmlns:a16="http://schemas.microsoft.com/office/drawing/2014/main" id="{D740D035-ED8D-BFB0-1673-CDD145B8D078}"/>
-              </a:ext>
-            </a:extLst>
-          </p:cNvPr>
-          <p:cNvPicPr>
-            <a:picLocks noChangeAspect="1"/>
-          </p:cNvPicPr>
-          <p:nvPr/>
-        </p:nvPicPr>
-        <p:blipFill>
-          <a:blip r:embed="rId4"/>
-          <a:stretch>
-            <a:fillRect/>
-          </a:stretch>
-        </p:blipFill>
+      <p:sp>
+        <p:nvSpPr>
+          <p:cNvPr id="2" name="標題 1">
+            <a:extLst>
+              <a:ext uri="{FF2B5EF4-FFF2-40B4-BE49-F238E27FC236}">
+                <a16:creationId xmlns:a16="http://schemas.microsoft.com/office/drawing/2014/main" id="{88307379-4106-30D6-694E-B18044D96E08}"/>
+              </a:ext>
+            </a:extLst>
+          </p:cNvPr>
+          <p:cNvSpPr>
+            <a:spLocks noGrp="1"/>
+          </p:cNvSpPr>
+          <p:nvPr>
+            <p:ph type="title"/>
+          </p:nvPr>
+        </p:nvSpPr>
         <p:spPr>
           <a:xfrm>
-            <a:off x="8309029" y="1600407"/>
-            <a:ext cx="3657186" cy="3657186"/>
+            <a:off x="413068" y="197427"/>
+            <a:ext cx="4657857" cy="1112836"/>
           </a:xfrm>
-          <a:prstGeom prst="rect">
-            <a:avLst/>
-          </a:prstGeom>
         </p:spPr>
-      </p:pic>
+        <p:txBody>
+          <a:bodyPr/>
+          <a:lstStyle/>
+          <a:p>
+            <a:r>
+              <a:rPr lang="zh-TW" altLang="en-US" dirty="0">
+                <a:latin typeface="Calibri" panose="020F0502020204030204" pitchFamily="34" charset="0"/>
+                <a:ea typeface="Calibri" panose="020F0502020204030204" pitchFamily="34" charset="0"/>
+                <a:cs typeface="Calibri" panose="020F0502020204030204" pitchFamily="34" charset="0"/>
+              </a:rPr>
+              <a:t>成果</a:t>
+            </a:r>
+            <a:endParaRPr lang="zh-TW" altLang="en-US" dirty="0">
+              <a:latin typeface="Calibri" panose="020F0502020204030204" pitchFamily="34" charset="0"/>
+              <a:cs typeface="Calibri" panose="020F0502020204030204" pitchFamily="34" charset="0"/>
+            </a:endParaRPr>
+          </a:p>
+        </p:txBody>
+      </p:sp>
+      <p:sp>
+        <p:nvSpPr>
+          <p:cNvPr id="3" name="內容版面配置區 3">
+            <a:extLst>
+              <a:ext uri="{FF2B5EF4-FFF2-40B4-BE49-F238E27FC236}">
+                <a16:creationId xmlns:a16="http://schemas.microsoft.com/office/drawing/2014/main" id="{2E1724F0-1E2E-9AF4-208C-40E68FC5A5D3}"/>
+              </a:ext>
+            </a:extLst>
+          </p:cNvPr>
+          <p:cNvSpPr>
+            <a:spLocks noGrp="1"/>
+          </p:cNvSpPr>
+          <p:nvPr>
+            <p:ph idx="1"/>
+          </p:nvPr>
+        </p:nvSpPr>
+        <p:spPr>
+          <a:xfrm>
+            <a:off x="413068" y="2070388"/>
+            <a:ext cx="4237227" cy="4040191"/>
+          </a:xfrm>
+        </p:spPr>
+        <p:txBody>
+          <a:bodyPr>
+            <a:normAutofit/>
+          </a:bodyPr>
+          <a:lstStyle/>
+          <a:p>
+            <a:r>
+              <a:rPr lang="zh-TW" altLang="en-US" dirty="0"/>
+              <a:t>可對任意整數角度進行辨識</a:t>
+            </a:r>
+            <a:endParaRPr lang="en-US" altLang="zh-TW" dirty="0"/>
+          </a:p>
+          <a:p>
+            <a:r>
+              <a:rPr lang="zh-TW" altLang="en-US" dirty="0"/>
+              <a:t>每次辨識時間約為</a:t>
+            </a:r>
+            <a:r>
+              <a:rPr lang="en-US" altLang="zh-TW" dirty="0"/>
+              <a:t>40</a:t>
+            </a:r>
+            <a:r>
+              <a:rPr lang="zh-TW" altLang="en-US" dirty="0"/>
+              <a:t>秒</a:t>
+            </a:r>
+          </a:p>
+        </p:txBody>
+      </p:sp>
     </p:spTree>
     <p:extLst>
       <p:ext uri="{BB962C8B-B14F-4D97-AF65-F5344CB8AC3E}">
@@ -8324,7 +5795,7 @@
         <p:cNvPr id="1" name="">
           <a:extLst>
             <a:ext uri="{FF2B5EF4-FFF2-40B4-BE49-F238E27FC236}">
-              <a16:creationId xmlns:a16="http://schemas.microsoft.com/office/drawing/2014/main" id="{E89B137F-4B76-B102-B500-5E4B8559EED5}"/>
+              <a16:creationId xmlns:a16="http://schemas.microsoft.com/office/drawing/2014/main" id="{6C7419A0-8CCC-D14C-13BB-2B8873BE4043}"/>
             </a:ext>
           </a:extLst>
         </p:cNvPr>
@@ -8344,7 +5815,7 @@
           <p:cNvPr id="2" name="標題 1">
             <a:extLst>
               <a:ext uri="{FF2B5EF4-FFF2-40B4-BE49-F238E27FC236}">
-                <a16:creationId xmlns:a16="http://schemas.microsoft.com/office/drawing/2014/main" id="{1D6D5BBB-FEE0-3300-D904-0DC6C517E878}"/>
+                <a16:creationId xmlns:a16="http://schemas.microsoft.com/office/drawing/2014/main" id="{DA23A80B-E544-4FC7-1E6D-99FC6A6DA7FB}"/>
               </a:ext>
             </a:extLst>
           </p:cNvPr>
@@ -8357,8 +5828,8 @@
         </p:nvSpPr>
         <p:spPr>
           <a:xfrm>
-            <a:off x="490637" y="239425"/>
-            <a:ext cx="10213200" cy="1112836"/>
+            <a:off x="735186" y="280555"/>
+            <a:ext cx="4657857" cy="1112836"/>
           </a:xfrm>
         </p:spPr>
         <p:txBody>
@@ -8371,7 +5842,47 @@
                 <a:ea typeface="Calibri" panose="020F0502020204030204" pitchFamily="34" charset="0"/>
                 <a:cs typeface="Calibri" panose="020F0502020204030204" pitchFamily="34" charset="0"/>
               </a:rPr>
-              <a:t>Edge detection result</a:t>
+              <a:t>Generalized</a:t>
+            </a:r>
+            <a:r>
+              <a:rPr lang="zh-TW" altLang="en-US" dirty="0">
+                <a:latin typeface="Calibri" panose="020F0502020204030204" pitchFamily="34" charset="0"/>
+                <a:ea typeface="Calibri" panose="020F0502020204030204" pitchFamily="34" charset="0"/>
+                <a:cs typeface="Calibri" panose="020F0502020204030204" pitchFamily="34" charset="0"/>
+              </a:rPr>
+              <a:t> </a:t>
+            </a:r>
+            <a:r>
+              <a:rPr lang="en-US" altLang="zh-TW" dirty="0">
+                <a:latin typeface="Calibri" panose="020F0502020204030204" pitchFamily="34" charset="0"/>
+                <a:ea typeface="Calibri" panose="020F0502020204030204" pitchFamily="34" charset="0"/>
+                <a:cs typeface="Calibri" panose="020F0502020204030204" pitchFamily="34" charset="0"/>
+              </a:rPr>
+              <a:t>Hough</a:t>
+            </a:r>
+            <a:r>
+              <a:rPr lang="zh-TW" altLang="en-US" dirty="0">
+                <a:latin typeface="Calibri" panose="020F0502020204030204" pitchFamily="34" charset="0"/>
+                <a:ea typeface="Calibri" panose="020F0502020204030204" pitchFamily="34" charset="0"/>
+                <a:cs typeface="Calibri" panose="020F0502020204030204" pitchFamily="34" charset="0"/>
+              </a:rPr>
+              <a:t> </a:t>
+            </a:r>
+            <a:r>
+              <a:rPr lang="en-US" altLang="zh-TW" dirty="0">
+                <a:latin typeface="Calibri" panose="020F0502020204030204" pitchFamily="34" charset="0"/>
+                <a:ea typeface="Calibri" panose="020F0502020204030204" pitchFamily="34" charset="0"/>
+                <a:cs typeface="Calibri" panose="020F0502020204030204" pitchFamily="34" charset="0"/>
+              </a:rPr>
+              <a:t>transform</a:t>
+            </a:r>
+            <a:r>
+              <a:rPr lang="zh-TW" altLang="en-US" dirty="0">
+                <a:latin typeface="Calibri" panose="020F0502020204030204" pitchFamily="34" charset="0"/>
+                <a:ea typeface="Calibri" panose="020F0502020204030204" pitchFamily="34" charset="0"/>
+                <a:cs typeface="Calibri" panose="020F0502020204030204" pitchFamily="34" charset="0"/>
+              </a:rPr>
+              <a:t> 整體流程</a:t>
             </a:r>
             <a:endParaRPr lang="zh-TW" altLang="en-US" dirty="0">
               <a:latin typeface="Calibri" panose="020F0502020204030204" pitchFamily="34" charset="0"/>
@@ -8382,10 +5893,10 @@
       </p:sp>
       <p:pic>
         <p:nvPicPr>
-          <p:cNvPr id="5" name="圖片 4" descr="一張含有 服裝, 人的臉孔, 頭飾, 時尚配件 的圖片&#10;&#10;自動產生的描述">
-            <a:extLst>
-              <a:ext uri="{FF2B5EF4-FFF2-40B4-BE49-F238E27FC236}">
-                <a16:creationId xmlns:a16="http://schemas.microsoft.com/office/drawing/2014/main" id="{A666B17B-BE4A-6F09-8BAB-58806DF73652}"/>
+          <p:cNvPr id="4" name="圖片 3">
+            <a:extLst>
+              <a:ext uri="{FF2B5EF4-FFF2-40B4-BE49-F238E27FC236}">
+                <a16:creationId xmlns:a16="http://schemas.microsoft.com/office/drawing/2014/main" id="{CCC335F2-5B02-340C-44C1-736E20358096}"/>
               </a:ext>
             </a:extLst>
           </p:cNvPr>
@@ -8395,107 +5906,27 @@
           <p:nvPr/>
         </p:nvPicPr>
         <p:blipFill>
-          <a:blip r:embed="rId2">
-            <a:extLst>
-              <a:ext uri="{28A0092B-C50C-407E-A947-70E740481C1C}">
-                <a14:useLocalDpi xmlns:a14="http://schemas.microsoft.com/office/drawing/2010/main" val="0"/>
-              </a:ext>
-            </a:extLst>
-          </a:blip>
+          <a:blip r:embed="rId2"/>
           <a:stretch>
             <a:fillRect/>
           </a:stretch>
         </p:blipFill>
         <p:spPr>
           <a:xfrm>
-            <a:off x="2054378" y="1735489"/>
-            <a:ext cx="3657186" cy="3657186"/>
+            <a:off x="5393043" y="637136"/>
+            <a:ext cx="6515665" cy="3962743"/>
           </a:xfrm>
           <a:prstGeom prst="rect">
             <a:avLst/>
           </a:prstGeom>
         </p:spPr>
       </p:pic>
-      <p:sp>
-        <p:nvSpPr>
-          <p:cNvPr id="8" name="文字方塊 7">
-            <a:extLst>
-              <a:ext uri="{FF2B5EF4-FFF2-40B4-BE49-F238E27FC236}">
-                <a16:creationId xmlns:a16="http://schemas.microsoft.com/office/drawing/2014/main" id="{B06E1E0E-A8F3-DBAA-6422-7A5B153067A9}"/>
-              </a:ext>
-            </a:extLst>
-          </p:cNvPr>
-          <p:cNvSpPr txBox="1"/>
-          <p:nvPr/>
-        </p:nvSpPr>
-        <p:spPr>
-          <a:xfrm>
-            <a:off x="5955839" y="5403006"/>
-            <a:ext cx="3657186" cy="369332"/>
-          </a:xfrm>
-          <a:prstGeom prst="rect">
-            <a:avLst/>
-          </a:prstGeom>
-          <a:noFill/>
-        </p:spPr>
-        <p:txBody>
-          <a:bodyPr wrap="square" rtlCol="0">
-            <a:spAutoFit/>
-          </a:bodyPr>
-          <a:lstStyle/>
-          <a:p>
-            <a:pPr algn="ctr"/>
-            <a:r>
-              <a:rPr lang="en-US" altLang="zh-TW" dirty="0"/>
-              <a:t>Canny Edge</a:t>
-            </a:r>
-            <a:endParaRPr lang="zh-TW" altLang="en-US" dirty="0"/>
-          </a:p>
-        </p:txBody>
-      </p:sp>
-      <p:sp>
-        <p:nvSpPr>
-          <p:cNvPr id="14" name="文字方塊 13">
-            <a:extLst>
-              <a:ext uri="{FF2B5EF4-FFF2-40B4-BE49-F238E27FC236}">
-                <a16:creationId xmlns:a16="http://schemas.microsoft.com/office/drawing/2014/main" id="{2B22F3D7-440B-F122-9479-3284694AAFCA}"/>
-              </a:ext>
-            </a:extLst>
-          </p:cNvPr>
-          <p:cNvSpPr txBox="1"/>
-          <p:nvPr/>
-        </p:nvSpPr>
-        <p:spPr>
-          <a:xfrm>
-            <a:off x="2054377" y="5403006"/>
-            <a:ext cx="3657186" cy="369332"/>
-          </a:xfrm>
-          <a:prstGeom prst="rect">
-            <a:avLst/>
-          </a:prstGeom>
-          <a:noFill/>
-        </p:spPr>
-        <p:txBody>
-          <a:bodyPr wrap="square" rtlCol="0">
-            <a:spAutoFit/>
-          </a:bodyPr>
-          <a:lstStyle/>
-          <a:p>
-            <a:pPr algn="ctr"/>
-            <a:r>
-              <a:rPr lang="en-US" altLang="zh-TW" dirty="0"/>
-              <a:t>Original</a:t>
-            </a:r>
-            <a:endParaRPr lang="zh-TW" altLang="en-US" dirty="0"/>
-          </a:p>
-        </p:txBody>
-      </p:sp>
       <p:pic>
         <p:nvPicPr>
-          <p:cNvPr id="6" name="圖片 5">
-            <a:extLst>
-              <a:ext uri="{FF2B5EF4-FFF2-40B4-BE49-F238E27FC236}">
-                <a16:creationId xmlns:a16="http://schemas.microsoft.com/office/drawing/2014/main" id="{8932FAE6-C3EA-8F58-389F-A16FAEFA70CD}"/>
+          <p:cNvPr id="5" name="圖片 4">
+            <a:extLst>
+              <a:ext uri="{FF2B5EF4-FFF2-40B4-BE49-F238E27FC236}">
+                <a16:creationId xmlns:a16="http://schemas.microsoft.com/office/drawing/2014/main" id="{6C7B1524-B513-A639-A2FE-DC88F3D03271}"/>
               </a:ext>
             </a:extLst>
           </p:cNvPr>
@@ -8512,18 +5943,127 @@
         </p:blipFill>
         <p:spPr>
           <a:xfrm>
-            <a:off x="5955838" y="1745819"/>
-            <a:ext cx="3657187" cy="3657187"/>
+            <a:off x="5488301" y="4842160"/>
+            <a:ext cx="6325148" cy="1585097"/>
           </a:xfrm>
           <a:prstGeom prst="rect">
             <a:avLst/>
           </a:prstGeom>
         </p:spPr>
       </p:pic>
+      <p:sp>
+        <p:nvSpPr>
+          <p:cNvPr id="7" name="內容版面配置區 3">
+            <a:extLst>
+              <a:ext uri="{FF2B5EF4-FFF2-40B4-BE49-F238E27FC236}">
+                <a16:creationId xmlns:a16="http://schemas.microsoft.com/office/drawing/2014/main" id="{F571B2F3-0A43-0469-78F8-ABB084D075C6}"/>
+              </a:ext>
+            </a:extLst>
+          </p:cNvPr>
+          <p:cNvSpPr>
+            <a:spLocks noGrp="1"/>
+          </p:cNvSpPr>
+          <p:nvPr>
+            <p:ph idx="1"/>
+          </p:nvPr>
+        </p:nvSpPr>
+        <p:spPr>
+          <a:xfrm>
+            <a:off x="989399" y="1685925"/>
+            <a:ext cx="4237227" cy="4040191"/>
+          </a:xfrm>
+        </p:spPr>
+        <p:txBody>
+          <a:bodyPr>
+            <a:normAutofit fontScale="85000" lnSpcReduction="10000"/>
+          </a:bodyPr>
+          <a:lstStyle/>
+          <a:p>
+            <a:r>
+              <a:rPr lang="zh-TW" altLang="en-US" dirty="0"/>
+              <a:t>首先，將模板和參照分別進行</a:t>
+            </a:r>
+            <a:r>
+              <a:rPr lang="en-US" altLang="zh-TW" dirty="0"/>
+              <a:t>Canny</a:t>
+            </a:r>
+            <a:r>
+              <a:rPr lang="zh-TW" altLang="en-US" dirty="0"/>
+              <a:t>轉換，並計算</a:t>
+            </a:r>
+            <a:r>
+              <a:rPr lang="en-US" altLang="zh-TW" dirty="0" err="1"/>
+              <a:t>r_table</a:t>
+            </a:r>
+            <a:r>
+              <a:rPr lang="zh-TW" altLang="en-US" dirty="0"/>
+              <a:t>，再來進行「投票」，找到關鍵點並繪製結果，以下將詳細介紹過程</a:t>
+            </a:r>
+            <a:endParaRPr lang="en-US" altLang="zh-TW" dirty="0"/>
+          </a:p>
+          <a:p>
+            <a:endParaRPr lang="en-US" altLang="zh-TW" dirty="0"/>
+          </a:p>
+          <a:p>
+            <a:r>
+              <a:rPr lang="zh-TW" altLang="en-US" dirty="0"/>
+              <a:t>因為會大量的用到</a:t>
+            </a:r>
+            <a:r>
+              <a:rPr lang="en-US" altLang="zh-TW" dirty="0"/>
+              <a:t>sin</a:t>
+            </a:r>
+            <a:r>
+              <a:rPr lang="zh-TW" altLang="en-US" dirty="0"/>
+              <a:t>和</a:t>
+            </a:r>
+            <a:r>
+              <a:rPr lang="en-US" altLang="zh-TW" dirty="0"/>
+              <a:t>cos</a:t>
+            </a:r>
+            <a:r>
+              <a:rPr lang="zh-TW" altLang="en-US" dirty="0"/>
+              <a:t>計算，因此預先計算兩個長度為</a:t>
+            </a:r>
+            <a:r>
+              <a:rPr lang="en-US" altLang="zh-TW" dirty="0"/>
+              <a:t>360</a:t>
+            </a:r>
+            <a:r>
+              <a:rPr lang="zh-TW" altLang="en-US" dirty="0"/>
+              <a:t>的陣列，代表</a:t>
+            </a:r>
+            <a:r>
+              <a:rPr lang="en-US" altLang="zh-TW" dirty="0"/>
+              <a:t>sin</a:t>
+            </a:r>
+            <a:r>
+              <a:rPr lang="zh-TW" altLang="en-US" dirty="0"/>
+              <a:t>和</a:t>
+            </a:r>
+            <a:r>
+              <a:rPr lang="en-US" altLang="zh-TW" dirty="0"/>
+              <a:t>cos</a:t>
+            </a:r>
+            <a:r>
+              <a:rPr lang="zh-TW" altLang="en-US" dirty="0"/>
+              <a:t>在每個角度的值，並使用</a:t>
+            </a:r>
+            <a:r>
+              <a:rPr lang="en-US" altLang="zh-TW" dirty="0" err="1"/>
+              <a:t>lru_cache</a:t>
+            </a:r>
+            <a:r>
+              <a:rPr lang="zh-TW" altLang="en-US" dirty="0"/>
+              <a:t>，在重複使用時不必重新計算，來增加執行效率</a:t>
+            </a:r>
+          </a:p>
+        </p:txBody>
+      </p:sp>
     </p:spTree>
     <p:extLst>
       <p:ext uri="{BB962C8B-B14F-4D97-AF65-F5344CB8AC3E}">
-        <p14:creationId xmlns:p14="http://schemas.microsoft.com/office/powerpoint/2010/main" val="3709538707"/>
+        <p14:creationId xmlns:p14="http://schemas.microsoft.com/office/powerpoint/2010/main" val="253134351"/>
       </p:ext>
     </p:extLst>
   </p:cSld>
@@ -8577,36 +6117,20 @@
           <a:lstStyle/>
           <a:p>
             <a:r>
-              <a:rPr lang="en-US" altLang="zh-TW" dirty="0">
-                <a:latin typeface="Calibri" panose="020F0502020204030204" pitchFamily="34" charset="0"/>
-                <a:ea typeface="Calibri" panose="020F0502020204030204" pitchFamily="34" charset="0"/>
-                <a:cs typeface="Calibri" panose="020F0502020204030204" pitchFamily="34" charset="0"/>
-              </a:rPr>
-              <a:t>Sobel</a:t>
-            </a:r>
-            <a:r>
               <a:rPr lang="zh-TW" altLang="en-US" dirty="0">
                 <a:latin typeface="Calibri" panose="020F0502020204030204" pitchFamily="34" charset="0"/>
                 <a:ea typeface="Calibri" panose="020F0502020204030204" pitchFamily="34" charset="0"/>
                 <a:cs typeface="Calibri" panose="020F0502020204030204" pitchFamily="34" charset="0"/>
               </a:rPr>
-              <a:t>程式</a:t>
-            </a:r>
-            <a:r>
-              <a:rPr lang="en-US" altLang="zh-TW" dirty="0">
+              <a:t>計算</a:t>
+            </a:r>
+            <a:r>
+              <a:rPr lang="en-US" altLang="zh-TW" dirty="0" err="1">
                 <a:latin typeface="Calibri" panose="020F0502020204030204" pitchFamily="34" charset="0"/>
                 <a:ea typeface="Calibri" panose="020F0502020204030204" pitchFamily="34" charset="0"/>
                 <a:cs typeface="Calibri" panose="020F0502020204030204" pitchFamily="34" charset="0"/>
               </a:rPr>
-              <a:t>&amp;</a:t>
-            </a:r>
-            <a:r>
-              <a:rPr lang="zh-TW" altLang="en-US" dirty="0">
-                <a:latin typeface="Calibri" panose="020F0502020204030204" pitchFamily="34" charset="0"/>
-                <a:ea typeface="Calibri" panose="020F0502020204030204" pitchFamily="34" charset="0"/>
-                <a:cs typeface="Calibri" panose="020F0502020204030204" pitchFamily="34" charset="0"/>
-              </a:rPr>
-              <a:t>分析</a:t>
+              <a:t>R_Table</a:t>
             </a:r>
             <a:endParaRPr lang="zh-TW" altLang="en-US" dirty="0">
               <a:latin typeface="Calibri" panose="020F0502020204030204" pitchFamily="34" charset="0"/>
@@ -8639,89 +6163,123 @@
         </p:spPr>
         <p:txBody>
           <a:bodyPr>
-            <a:normAutofit lnSpcReduction="10000"/>
+            <a:normAutofit/>
           </a:bodyPr>
           <a:lstStyle/>
           <a:p>
             <a:r>
+              <a:rPr lang="en-US" altLang="zh-TW" dirty="0" err="1"/>
+              <a:t>R_table</a:t>
+            </a:r>
+            <a:r>
               <a:rPr lang="zh-TW" altLang="en-US" dirty="0"/>
-              <a:t>分別產生</a:t>
+              <a:t>以</a:t>
             </a:r>
             <a:r>
               <a:rPr lang="en-US" altLang="zh-TW" dirty="0" err="1"/>
-              <a:t>kernelX</a:t>
+              <a:t>dict</a:t>
             </a:r>
             <a:r>
               <a:rPr lang="zh-TW" altLang="en-US" dirty="0"/>
-              <a:t>和</a:t>
+              <a:t>的方式儲存，將</a:t>
+            </a:r>
+            <a:r>
+              <a:rPr lang="en-US" altLang="zh-TW" dirty="0"/>
+              <a:t>template</a:t>
+            </a:r>
+            <a:r>
+              <a:rPr lang="zh-TW" altLang="en-US" dirty="0"/>
+              <a:t>的中心點定為參照點，並將</a:t>
+            </a:r>
+            <a:r>
+              <a:rPr lang="en-US" altLang="zh-TW" dirty="0"/>
+              <a:t>Canny</a:t>
+            </a:r>
+            <a:r>
+              <a:rPr lang="zh-TW" altLang="en-US" dirty="0"/>
+              <a:t>後所有的邊和該中心點進行計算</a:t>
             </a:r>
             <a:r>
               <a:rPr lang="en-US" altLang="zh-TW" dirty="0" err="1"/>
-              <a:t>kernelY</a:t>
+              <a:t>dx,dy</a:t>
             </a:r>
             <a:r>
               <a:rPr lang="zh-TW" altLang="en-US" dirty="0"/>
-              <a:t>，並和圖片對應位置相乘後加總，作為該點的值，產生出</a:t>
+              <a:t>的</a:t>
+            </a:r>
+            <a:r>
+              <a:rPr lang="en-US" altLang="zh-TW" dirty="0"/>
+              <a:t>arctan</a:t>
+            </a:r>
+            <a:r>
+              <a:rPr lang="zh-TW" altLang="en-US" dirty="0"/>
+              <a:t>值，即為</a:t>
             </a:r>
             <a:r>
               <a:rPr lang="en-US" altLang="zh-TW" dirty="0" err="1"/>
-              <a:t>resultX</a:t>
+              <a:t>r_table</a:t>
             </a:r>
             <a:r>
               <a:rPr lang="zh-TW" altLang="en-US" dirty="0"/>
-              <a:t>和</a:t>
+              <a:t>的</a:t>
+            </a:r>
+            <a:r>
+              <a:rPr lang="en-US" altLang="zh-TW" dirty="0"/>
+              <a:t>key</a:t>
+            </a:r>
+            <a:r>
+              <a:rPr lang="zh-TW" altLang="en-US" dirty="0"/>
+              <a:t>，並將</a:t>
+            </a:r>
+            <a:r>
+              <a:rPr lang="en-US" altLang="zh-TW" dirty="0"/>
+              <a:t>[</a:t>
             </a:r>
             <a:r>
               <a:rPr lang="en-US" altLang="zh-TW" dirty="0" err="1"/>
-              <a:t>resultY</a:t>
+              <a:t>dx,dy</a:t>
+            </a:r>
+            <a:r>
+              <a:rPr lang="en-US" altLang="zh-TW" dirty="0"/>
+              <a:t>]</a:t>
             </a:r>
             <a:r>
               <a:rPr lang="zh-TW" altLang="en-US" dirty="0"/>
-              <a:t>，再將兩陣列的同位置平方加總開根號，放入</a:t>
+              <a:t>加入</a:t>
+            </a:r>
+            <a:r>
+              <a:rPr lang="en-US" altLang="zh-TW" dirty="0" err="1"/>
+              <a:t>r_table</a:t>
+            </a:r>
+            <a:r>
+              <a:rPr lang="zh-TW" altLang="en-US" dirty="0"/>
+              <a:t>對應的</a:t>
             </a:r>
             <a:r>
               <a:rPr lang="en-US" altLang="zh-TW" dirty="0"/>
-              <a:t>result</a:t>
+              <a:t>value</a:t>
             </a:r>
             <a:r>
               <a:rPr lang="zh-TW" altLang="en-US" dirty="0"/>
-              <a:t>的位置，即為該點的值，最後輸出</a:t>
+              <a:t>（</a:t>
             </a:r>
             <a:r>
               <a:rPr lang="en-US" altLang="zh-TW" dirty="0"/>
-              <a:t>result</a:t>
-            </a:r>
-          </a:p>
-          <a:p>
+              <a:t>list</a:t>
+            </a:r>
             <a:r>
               <a:rPr lang="zh-TW" altLang="en-US" dirty="0"/>
-              <a:t>推測因為</a:t>
-            </a:r>
-            <a:r>
-              <a:rPr lang="en-US" altLang="zh-TW" dirty="0"/>
-              <a:t>kernel</a:t>
-            </a:r>
-            <a:r>
-              <a:rPr lang="zh-TW" altLang="en-US" dirty="0"/>
-              <a:t>整體絕對值較大，所以白色的邊較</a:t>
-            </a:r>
-            <a:r>
-              <a:rPr lang="en-US" altLang="zh-TW" dirty="0"/>
-              <a:t>Prewitt</a:t>
-            </a:r>
-            <a:r>
-              <a:rPr lang="zh-TW" altLang="en-US" dirty="0"/>
-              <a:t>明顯</a:t>
+              <a:t>），以做後續投票使用</a:t>
             </a:r>
           </a:p>
         </p:txBody>
       </p:sp>
       <p:pic>
         <p:nvPicPr>
-          <p:cNvPr id="7" name="圖片 6">
-            <a:extLst>
-              <a:ext uri="{FF2B5EF4-FFF2-40B4-BE49-F238E27FC236}">
-                <a16:creationId xmlns:a16="http://schemas.microsoft.com/office/drawing/2014/main" id="{6C5E34BB-5C92-943B-4AED-C17766EA6043}"/>
+          <p:cNvPr id="8" name="圖片 7">
+            <a:extLst>
+              <a:ext uri="{FF2B5EF4-FFF2-40B4-BE49-F238E27FC236}">
+                <a16:creationId xmlns:a16="http://schemas.microsoft.com/office/drawing/2014/main" id="{1DC1B3B9-6622-44F6-965F-28C0F4D501BB}"/>
               </a:ext>
             </a:extLst>
           </p:cNvPr>
@@ -8738,38 +6296,8 @@
         </p:blipFill>
         <p:spPr>
           <a:xfrm>
-            <a:off x="5720555" y="210315"/>
-            <a:ext cx="5814730" cy="3176621"/>
-          </a:xfrm>
-          <a:prstGeom prst="rect">
-            <a:avLst/>
-          </a:prstGeom>
-        </p:spPr>
-      </p:pic>
-      <p:pic>
-        <p:nvPicPr>
-          <p:cNvPr id="9" name="圖片 8">
-            <a:extLst>
-              <a:ext uri="{FF2B5EF4-FFF2-40B4-BE49-F238E27FC236}">
-                <a16:creationId xmlns:a16="http://schemas.microsoft.com/office/drawing/2014/main" id="{AF5583B0-CD27-E13F-4DC3-70BD7EC201FA}"/>
-              </a:ext>
-            </a:extLst>
-          </p:cNvPr>
-          <p:cNvPicPr>
-            <a:picLocks noChangeAspect="1"/>
-          </p:cNvPicPr>
-          <p:nvPr/>
-        </p:nvPicPr>
-        <p:blipFill>
-          <a:blip r:embed="rId4"/>
-          <a:stretch>
-            <a:fillRect/>
-          </a:stretch>
-        </p:blipFill>
-        <p:spPr>
-          <a:xfrm>
-            <a:off x="5720555" y="3386936"/>
-            <a:ext cx="5814731" cy="3271585"/>
+            <a:off x="5983818" y="1527985"/>
+            <a:ext cx="5395428" cy="3947502"/>
           </a:xfrm>
           <a:prstGeom prst="rect">
             <a:avLst/>
@@ -8844,7 +6372,7 @@
                 <a:ea typeface="Calibri" panose="020F0502020204030204" pitchFamily="34" charset="0"/>
                 <a:cs typeface="Calibri" panose="020F0502020204030204" pitchFamily="34" charset="0"/>
               </a:rPr>
-              <a:t>Prewitt </a:t>
+              <a:t>GHT-</a:t>
             </a:r>
             <a:r>
               <a:rPr lang="zh-TW" altLang="en-US" dirty="0">
@@ -8852,23 +6380,7 @@
                 <a:ea typeface="Calibri" panose="020F0502020204030204" pitchFamily="34" charset="0"/>
                 <a:cs typeface="Calibri" panose="020F0502020204030204" pitchFamily="34" charset="0"/>
               </a:rPr>
-              <a:t>程式</a:t>
-            </a:r>
-            <a:r>
-              <a:rPr lang="en-US" altLang="zh-TW" dirty="0">
-                <a:latin typeface="Calibri" panose="020F0502020204030204" pitchFamily="34" charset="0"/>
-                <a:ea typeface="Calibri" panose="020F0502020204030204" pitchFamily="34" charset="0"/>
-                <a:cs typeface="Calibri" panose="020F0502020204030204" pitchFamily="34" charset="0"/>
-              </a:rPr>
-              <a:t>&amp;</a:t>
-            </a:r>
-            <a:r>
-              <a:rPr lang="zh-TW" altLang="en-US" dirty="0">
-                <a:latin typeface="Calibri" panose="020F0502020204030204" pitchFamily="34" charset="0"/>
-                <a:ea typeface="Calibri" panose="020F0502020204030204" pitchFamily="34" charset="0"/>
-                <a:cs typeface="Calibri" panose="020F0502020204030204" pitchFamily="34" charset="0"/>
-              </a:rPr>
-              <a:t>分析</a:t>
+              <a:t>投票過程</a:t>
             </a:r>
             <a:endParaRPr lang="zh-TW" altLang="en-US" dirty="0">
               <a:latin typeface="Calibri" panose="020F0502020204030204" pitchFamily="34" charset="0"/>
@@ -8895,83 +6407,106 @@
         </p:nvSpPr>
         <p:spPr>
           <a:xfrm>
-            <a:off x="989399" y="1685925"/>
-            <a:ext cx="4237227" cy="4040191"/>
+            <a:off x="522404" y="1540453"/>
+            <a:ext cx="4237227" cy="4642138"/>
           </a:xfrm>
         </p:spPr>
         <p:txBody>
-          <a:bodyPr/>
+          <a:bodyPr>
+            <a:normAutofit/>
+          </a:bodyPr>
           <a:lstStyle/>
           <a:p>
             <a:r>
               <a:rPr lang="zh-TW" altLang="en-US" dirty="0"/>
-              <a:t>分別產生</a:t>
+              <a:t>先將</a:t>
+            </a:r>
+            <a:r>
+              <a:rPr lang="en-US" altLang="zh-TW" dirty="0"/>
+              <a:t>reference</a:t>
+            </a:r>
+            <a:r>
+              <a:rPr lang="zh-TW" altLang="en-US" dirty="0"/>
+              <a:t>的邊緣點全部抓出。</a:t>
+            </a:r>
+            <a:endParaRPr lang="en-US" altLang="zh-TW" dirty="0"/>
+          </a:p>
+          <a:p>
+            <a:r>
+              <a:rPr lang="zh-TW" altLang="en-US" dirty="0"/>
+              <a:t>將每個點和剛剛的</a:t>
             </a:r>
             <a:r>
               <a:rPr lang="en-US" altLang="zh-TW" dirty="0" err="1"/>
-              <a:t>kernelX</a:t>
+              <a:t>R_table</a:t>
             </a:r>
             <a:r>
               <a:rPr lang="zh-TW" altLang="en-US" dirty="0"/>
-              <a:t>和</a:t>
+              <a:t>的所有</a:t>
+            </a:r>
+            <a:r>
+              <a:rPr lang="en-US" altLang="zh-TW" dirty="0"/>
+              <a:t>[</a:t>
             </a:r>
             <a:r>
               <a:rPr lang="en-US" altLang="zh-TW" dirty="0" err="1"/>
-              <a:t>kernelY</a:t>
+              <a:t>x,y</a:t>
+            </a:r>
+            <a:r>
+              <a:rPr lang="en-US" altLang="zh-TW" dirty="0"/>
+              <a:t>]</a:t>
             </a:r>
             <a:r>
               <a:rPr lang="zh-TW" altLang="en-US" dirty="0"/>
-              <a:t>，並和圖片對應位置相乘後加總，作為該點的值，產生出</a:t>
+              <a:t>向量進行</a:t>
             </a:r>
             <a:r>
               <a:rPr lang="en-US" altLang="zh-TW" dirty="0" err="1"/>
-              <a:t>resultX</a:t>
+              <a:t>sin,cos</a:t>
             </a:r>
             <a:r>
               <a:rPr lang="zh-TW" altLang="en-US" dirty="0"/>
-              <a:t>和</a:t>
+              <a:t>的轉換得到一個新的點，並在該點的投票</a:t>
+            </a:r>
+            <a:r>
+              <a:rPr lang="en-US" altLang="zh-TW" dirty="0"/>
+              <a:t>+1(</a:t>
+            </a:r>
+            <a:r>
+              <a:rPr lang="zh-TW" altLang="en-US" dirty="0"/>
+              <a:t>除了</a:t>
             </a:r>
             <a:r>
               <a:rPr lang="en-US" altLang="zh-TW" dirty="0" err="1"/>
-              <a:t>resultY</a:t>
+              <a:t>x,y</a:t>
             </a:r>
             <a:r>
               <a:rPr lang="zh-TW" altLang="en-US" dirty="0"/>
-              <a:t>，再將兩陣列的同位置平方加總開根號，放入</a:t>
+              <a:t>，還要記下角度，所以總共有</a:t>
             </a:r>
             <a:r>
               <a:rPr lang="en-US" altLang="zh-TW" dirty="0"/>
-              <a:t>result</a:t>
+              <a:t>cols*rows*360</a:t>
             </a:r>
             <a:r>
               <a:rPr lang="zh-TW" altLang="en-US" dirty="0"/>
-              <a:t>的位置，即為該點的值，最後輸出</a:t>
+              <a:t>個候選點</a:t>
             </a:r>
             <a:r>
               <a:rPr lang="en-US" altLang="zh-TW" dirty="0"/>
-              <a:t>result</a:t>
-            </a:r>
-          </a:p>
-          <a:p>
+              <a:t>)</a:t>
+            </a:r>
             <a:r>
               <a:rPr lang="zh-TW" altLang="en-US" dirty="0"/>
-              <a:t>與</a:t>
+              <a:t>，找出票數最高的點後回傳，並用</a:t>
             </a:r>
             <a:r>
               <a:rPr lang="en-US" altLang="zh-TW" dirty="0"/>
-              <a:t>Sobel</a:t>
+              <a:t>matplotlib</a:t>
             </a:r>
             <a:r>
               <a:rPr lang="zh-TW" altLang="en-US" dirty="0"/>
-              <a:t>僅有</a:t>
-            </a:r>
-            <a:r>
-              <a:rPr lang="en-US" altLang="zh-TW" dirty="0"/>
-              <a:t>kernel</a:t>
-            </a:r>
-            <a:r>
-              <a:rPr lang="zh-TW" altLang="en-US" dirty="0"/>
-              <a:t>的不同</a:t>
+              <a:t>顯示結果。</a:t>
             </a:r>
             <a:endParaRPr lang="en-US" altLang="zh-TW" dirty="0"/>
           </a:p>
@@ -8979,10 +6514,10 @@
       </p:sp>
       <p:pic>
         <p:nvPicPr>
-          <p:cNvPr id="7" name="圖片 6">
-            <a:extLst>
-              <a:ext uri="{FF2B5EF4-FFF2-40B4-BE49-F238E27FC236}">
-                <a16:creationId xmlns:a16="http://schemas.microsoft.com/office/drawing/2014/main" id="{CB0D1EFB-A0EB-064C-6640-9B74BEB6EDD9}"/>
+          <p:cNvPr id="8" name="圖片 7">
+            <a:extLst>
+              <a:ext uri="{FF2B5EF4-FFF2-40B4-BE49-F238E27FC236}">
+                <a16:creationId xmlns:a16="http://schemas.microsoft.com/office/drawing/2014/main" id="{6E3F2BD7-834C-9674-DDB0-013C84639BB6}"/>
               </a:ext>
             </a:extLst>
           </p:cNvPr>
@@ -8999,38 +6534,8 @@
         </p:blipFill>
         <p:spPr>
           <a:xfrm>
-            <a:off x="5720555" y="210315"/>
-            <a:ext cx="5814730" cy="3176621"/>
-          </a:xfrm>
-          <a:prstGeom prst="rect">
-            <a:avLst/>
-          </a:prstGeom>
-        </p:spPr>
-      </p:pic>
-      <p:pic>
-        <p:nvPicPr>
-          <p:cNvPr id="9" name="圖片 8">
-            <a:extLst>
-              <a:ext uri="{FF2B5EF4-FFF2-40B4-BE49-F238E27FC236}">
-                <a16:creationId xmlns:a16="http://schemas.microsoft.com/office/drawing/2014/main" id="{41DD2B27-CF2B-03FC-E3A6-04A26CEC90D6}"/>
-              </a:ext>
-            </a:extLst>
-          </p:cNvPr>
-          <p:cNvPicPr>
-            <a:picLocks noChangeAspect="1"/>
-          </p:cNvPicPr>
-          <p:nvPr/>
-        </p:nvPicPr>
-        <p:blipFill>
-          <a:blip r:embed="rId4"/>
-          <a:stretch>
-            <a:fillRect/>
-          </a:stretch>
-        </p:blipFill>
-        <p:spPr>
-          <a:xfrm>
-            <a:off x="5720555" y="3386936"/>
-            <a:ext cx="5814731" cy="3271585"/>
+            <a:off x="4936422" y="813300"/>
+            <a:ext cx="6911939" cy="5494496"/>
           </a:xfrm>
           <a:prstGeom prst="rect">
             <a:avLst/>
@@ -9100,36 +6605,12 @@
           <a:lstStyle/>
           <a:p>
             <a:r>
-              <a:rPr lang="en-US" altLang="zh-TW" dirty="0">
-                <a:latin typeface="Calibri" panose="020F0502020204030204" pitchFamily="34" charset="0"/>
-                <a:ea typeface="Calibri" panose="020F0502020204030204" pitchFamily="34" charset="0"/>
-                <a:cs typeface="Calibri" panose="020F0502020204030204" pitchFamily="34" charset="0"/>
-              </a:rPr>
-              <a:t>Canny </a:t>
-            </a:r>
-            <a:r>
               <a:rPr lang="zh-TW" altLang="en-US" dirty="0">
                 <a:latin typeface="Calibri" panose="020F0502020204030204" pitchFamily="34" charset="0"/>
                 <a:ea typeface="Calibri" panose="020F0502020204030204" pitchFamily="34" charset="0"/>
                 <a:cs typeface="Calibri" panose="020F0502020204030204" pitchFamily="34" charset="0"/>
               </a:rPr>
-              <a:t>程式</a:t>
-            </a:r>
-            <a:r>
-              <a:rPr lang="en-US" altLang="zh-TW" dirty="0">
-                <a:latin typeface="Calibri" panose="020F0502020204030204" pitchFamily="34" charset="0"/>
-                <a:ea typeface="Calibri" panose="020F0502020204030204" pitchFamily="34" charset="0"/>
-                <a:cs typeface="Calibri" panose="020F0502020204030204" pitchFamily="34" charset="0"/>
-              </a:rPr>
-              <a:t>&amp;</a:t>
-            </a:r>
-            <a:r>
-              <a:rPr lang="zh-TW" altLang="en-US" dirty="0">
-                <a:latin typeface="Calibri" panose="020F0502020204030204" pitchFamily="34" charset="0"/>
-                <a:ea typeface="Calibri" panose="020F0502020204030204" pitchFamily="34" charset="0"/>
-                <a:cs typeface="Calibri" panose="020F0502020204030204" pitchFamily="34" charset="0"/>
-              </a:rPr>
-              <a:t>過程介紹</a:t>
+              <a:t>測試方法</a:t>
             </a:r>
             <a:endParaRPr lang="zh-TW" altLang="en-US" dirty="0">
               <a:latin typeface="Calibri" panose="020F0502020204030204" pitchFamily="34" charset="0"/>
@@ -9167,69 +6648,77 @@
           <a:lstStyle/>
           <a:p>
             <a:r>
+              <a:rPr lang="zh-TW" altLang="en-US" dirty="0"/>
+              <a:t>為了方便使用者測試任一角，請使用者輸入想要測試的角度，有函式能將原本</a:t>
+            </a:r>
+            <a:r>
               <a:rPr lang="en-US" altLang="zh-TW" dirty="0"/>
-              <a:t>Step1</a:t>
+              <a:t>0</a:t>
             </a:r>
             <a:r>
               <a:rPr lang="zh-TW" altLang="en-US" dirty="0"/>
-              <a:t>：將圖片進行</a:t>
+              <a:t>度的</a:t>
             </a:r>
             <a:r>
               <a:rPr lang="en-US" altLang="zh-TW" dirty="0"/>
-              <a:t>Gaussian</a:t>
+              <a:t>template</a:t>
             </a:r>
             <a:r>
               <a:rPr lang="zh-TW" altLang="en-US" dirty="0"/>
-              <a:t> </a:t>
+              <a:t>旋轉指定的角度，再進行辨識。</a:t>
+            </a:r>
+            <a:endParaRPr lang="en-US" altLang="zh-TW" dirty="0"/>
+          </a:p>
+          <a:p>
+            <a:r>
+              <a:rPr lang="zh-TW" altLang="en-US" dirty="0"/>
+              <a:t>其中</a:t>
+            </a:r>
+            <a:r>
+              <a:rPr lang="en-US" altLang="zh-TW" dirty="0" err="1"/>
+              <a:t>angle_step</a:t>
+            </a:r>
+            <a:r>
+              <a:rPr lang="zh-TW" altLang="en-US" dirty="0"/>
+              <a:t>參數，代表上述投票時考量的角度間距，預設為</a:t>
             </a:r>
             <a:r>
               <a:rPr lang="en-US" altLang="zh-TW" dirty="0"/>
-              <a:t>filter</a:t>
-            </a:r>
-          </a:p>
-          <a:p>
+              <a:t>1</a:t>
+            </a:r>
+            <a:r>
+              <a:rPr lang="zh-TW" altLang="en-US" dirty="0"/>
+              <a:t>代表</a:t>
+            </a:r>
             <a:r>
               <a:rPr lang="en-US" altLang="zh-TW" dirty="0"/>
-              <a:t>Step2</a:t>
+              <a:t>0-359</a:t>
             </a:r>
             <a:r>
               <a:rPr lang="zh-TW" altLang="en-US" dirty="0"/>
-              <a:t>：用</a:t>
+              <a:t>都會考慮到，若設為</a:t>
             </a:r>
             <a:r>
               <a:rPr lang="en-US" altLang="zh-TW" dirty="0"/>
-              <a:t>Sobel</a:t>
+              <a:t>90</a:t>
             </a:r>
             <a:r>
               <a:rPr lang="zh-TW" altLang="en-US" dirty="0"/>
-              <a:t>的方式產生每個點對應</a:t>
+              <a:t>則只會考慮</a:t>
             </a:r>
             <a:r>
               <a:rPr lang="en-US" altLang="zh-TW" dirty="0"/>
-              <a:t>X</a:t>
-            </a:r>
-            <a:r>
-              <a:rPr lang="zh-TW" altLang="en-US" dirty="0"/>
-              <a:t>和</a:t>
-            </a:r>
-            <a:r>
-              <a:rPr lang="en-US" altLang="zh-TW" dirty="0"/>
-              <a:t>Y</a:t>
-            </a:r>
-            <a:r>
-              <a:rPr lang="zh-TW" altLang="en-US" dirty="0"/>
-              <a:t>方向的二階導函數</a:t>
-            </a:r>
-            <a:endParaRPr lang="en-US" altLang="zh-TW" dirty="0"/>
+              <a:t>0,90,180,270</a:t>
+            </a:r>
           </a:p>
         </p:txBody>
       </p:sp>
       <p:pic>
         <p:nvPicPr>
-          <p:cNvPr id="5" name="圖片 4">
-            <a:extLst>
-              <a:ext uri="{FF2B5EF4-FFF2-40B4-BE49-F238E27FC236}">
-                <a16:creationId xmlns:a16="http://schemas.microsoft.com/office/drawing/2014/main" id="{8B5331E5-7134-9239-1AA2-385AF7EFBF3D}"/>
+          <p:cNvPr id="6" name="圖片 5">
+            <a:extLst>
+              <a:ext uri="{FF2B5EF4-FFF2-40B4-BE49-F238E27FC236}">
+                <a16:creationId xmlns:a16="http://schemas.microsoft.com/office/drawing/2014/main" id="{03191B42-C28C-70EB-EFBE-09765BE89D4B}"/>
               </a:ext>
             </a:extLst>
           </p:cNvPr>
@@ -9246,38 +6735,8 @@
         </p:blipFill>
         <p:spPr>
           <a:xfrm>
-            <a:off x="4672017" y="283030"/>
-            <a:ext cx="7216765" cy="4138019"/>
-          </a:xfrm>
-          <a:prstGeom prst="rect">
-            <a:avLst/>
-          </a:prstGeom>
-        </p:spPr>
-      </p:pic>
-      <p:pic>
-        <p:nvPicPr>
-          <p:cNvPr id="8" name="圖片 7">
-            <a:extLst>
-              <a:ext uri="{FF2B5EF4-FFF2-40B4-BE49-F238E27FC236}">
-                <a16:creationId xmlns:a16="http://schemas.microsoft.com/office/drawing/2014/main" id="{16BF1D1D-A07A-B1FE-7115-20BEFEBFCA68}"/>
-              </a:ext>
-            </a:extLst>
-          </p:cNvPr>
-          <p:cNvPicPr>
-            <a:picLocks noChangeAspect="1"/>
-          </p:cNvPicPr>
-          <p:nvPr/>
-        </p:nvPicPr>
-        <p:blipFill>
-          <a:blip r:embed="rId4"/>
-          <a:stretch>
-            <a:fillRect/>
-          </a:stretch>
-        </p:blipFill>
-        <p:spPr>
-          <a:xfrm>
-            <a:off x="4992161" y="4493764"/>
-            <a:ext cx="5999791" cy="1378716"/>
+            <a:off x="4773276" y="1859144"/>
+            <a:ext cx="7071973" cy="3139712"/>
           </a:xfrm>
           <a:prstGeom prst="rect">
             <a:avLst/>
@@ -9302,7 +6761,13 @@
   <p:cSld>
     <p:spTree>
       <p:nvGrpSpPr>
-        <p:cNvPr id="1" name=""/>
+        <p:cNvPr id="1" name="">
+          <a:extLst>
+            <a:ext uri="{FF2B5EF4-FFF2-40B4-BE49-F238E27FC236}">
+              <a16:creationId xmlns:a16="http://schemas.microsoft.com/office/drawing/2014/main" id="{4EDB8F8D-085B-B0C3-3791-9BE5CECAF267}"/>
+            </a:ext>
+          </a:extLst>
+        </p:cNvPr>
         <p:cNvGrpSpPr/>
         <p:nvPr/>
       </p:nvGrpSpPr>
@@ -9319,7 +6784,7 @@
           <p:cNvPr id="2" name="標題 1">
             <a:extLst>
               <a:ext uri="{FF2B5EF4-FFF2-40B4-BE49-F238E27FC236}">
-                <a16:creationId xmlns:a16="http://schemas.microsoft.com/office/drawing/2014/main" id="{9E6B68C7-FE12-DBCD-7DAF-D4CBBB0AC22D}"/>
+                <a16:creationId xmlns:a16="http://schemas.microsoft.com/office/drawing/2014/main" id="{E2615705-077B-A42B-D238-21A53C131DBD}"/>
               </a:ext>
             </a:extLst>
           </p:cNvPr>
@@ -9328,37 +6793,53 @@
           </p:cNvSpPr>
           <p:nvPr>
             <p:ph type="title"/>
-          </p:nvPr>
-        </p:nvSpPr>
-        <p:spPr/>
-        <p:txBody>
-          <a:bodyPr/>
-          <a:lstStyle/>
-          <a:p>
-            <a:endParaRPr lang="zh-TW" altLang="en-US"/>
-          </a:p>
-        </p:txBody>
-      </p:sp>
-      <p:sp>
-        <p:nvSpPr>
-          <p:cNvPr id="3" name="內容版面配置區 2">
-            <a:extLst>
-              <a:ext uri="{FF2B5EF4-FFF2-40B4-BE49-F238E27FC236}">
-                <a16:creationId xmlns:a16="http://schemas.microsoft.com/office/drawing/2014/main" id="{14118B5B-2B67-B161-2095-EFF89994CCDA}"/>
-              </a:ext>
-            </a:extLst>
-          </p:cNvPr>
-          <p:cNvSpPr>
-            <a:spLocks noGrp="1"/>
-          </p:cNvSpPr>
-          <p:nvPr>
-            <p:ph idx="1"/>
           </p:nvPr>
         </p:nvSpPr>
         <p:spPr>
           <a:xfrm>
-            <a:off x="278200" y="1671001"/>
-            <a:ext cx="3552120" cy="4643755"/>
+            <a:off x="522404" y="210315"/>
+            <a:ext cx="10213200" cy="1112836"/>
+          </a:xfrm>
+        </p:spPr>
+        <p:txBody>
+          <a:bodyPr/>
+          <a:lstStyle/>
+          <a:p>
+            <a:r>
+              <a:rPr lang="zh-TW" altLang="en-US" dirty="0">
+                <a:latin typeface="Calibri" panose="020F0502020204030204" pitchFamily="34" charset="0"/>
+                <a:ea typeface="Calibri" panose="020F0502020204030204" pitchFamily="34" charset="0"/>
+                <a:cs typeface="Calibri" panose="020F0502020204030204" pitchFamily="34" charset="0"/>
+              </a:rPr>
+              <a:t>旋轉圖片</a:t>
+            </a:r>
+            <a:endParaRPr lang="zh-TW" altLang="en-US" dirty="0">
+              <a:latin typeface="Calibri" panose="020F0502020204030204" pitchFamily="34" charset="0"/>
+              <a:cs typeface="Calibri" panose="020F0502020204030204" pitchFamily="34" charset="0"/>
+            </a:endParaRPr>
+          </a:p>
+        </p:txBody>
+      </p:sp>
+      <p:sp>
+        <p:nvSpPr>
+          <p:cNvPr id="4" name="內容版面配置區 3">
+            <a:extLst>
+              <a:ext uri="{FF2B5EF4-FFF2-40B4-BE49-F238E27FC236}">
+                <a16:creationId xmlns:a16="http://schemas.microsoft.com/office/drawing/2014/main" id="{76C61D2B-090B-FE57-20F8-6FCB39936418}"/>
+              </a:ext>
+            </a:extLst>
+          </p:cNvPr>
+          <p:cNvSpPr>
+            <a:spLocks noGrp="1"/>
+          </p:cNvSpPr>
+          <p:nvPr>
+            <p:ph idx="1"/>
+          </p:nvPr>
+        </p:nvSpPr>
+        <p:spPr>
+          <a:xfrm>
+            <a:off x="266470" y="1752888"/>
+            <a:ext cx="3287221" cy="4040191"/>
           </a:xfrm>
         </p:spPr>
         <p:txBody>
@@ -9368,63 +6849,18 @@
           <a:lstStyle/>
           <a:p>
             <a:r>
+              <a:rPr lang="zh-TW" altLang="en-US" dirty="0"/>
+              <a:t>搭配</a:t>
+            </a:r>
+            <a:r>
               <a:rPr lang="en-US" altLang="zh-TW" dirty="0"/>
-              <a:t>Step3</a:t>
+              <a:t>CV2</a:t>
             </a:r>
             <a:r>
               <a:rPr lang="zh-TW" altLang="en-US" dirty="0"/>
-              <a:t>：在每個點用</a:t>
-            </a:r>
-            <a:r>
-              <a:rPr lang="en-US" altLang="zh-TW" dirty="0"/>
-              <a:t>tan</a:t>
-            </a:r>
-            <a:r>
-              <a:rPr lang="zh-TW" altLang="en-US" dirty="0"/>
-              <a:t>的反函數計算強邊方向</a:t>
+              <a:t>內建函式實作，方便測試</a:t>
             </a:r>
             <a:endParaRPr lang="en-US" altLang="zh-TW" dirty="0"/>
-          </a:p>
-          <a:p>
-            <a:r>
-              <a:rPr lang="en-US" altLang="zh-TW" dirty="0"/>
-              <a:t>Step4</a:t>
-            </a:r>
-            <a:r>
-              <a:rPr lang="zh-TW" altLang="en-US" dirty="0"/>
-              <a:t>：在每個點中心往外擴張</a:t>
-            </a:r>
-            <a:r>
-              <a:rPr lang="en-US" altLang="zh-TW" dirty="0"/>
-              <a:t>3</a:t>
-            </a:r>
-            <a:r>
-              <a:rPr lang="zh-TW" altLang="en-US" dirty="0"/>
-              <a:t>*</a:t>
-            </a:r>
-            <a:r>
-              <a:rPr lang="en-US" altLang="zh-TW" dirty="0"/>
-              <a:t>3</a:t>
-            </a:r>
-            <a:r>
-              <a:rPr lang="zh-TW" altLang="en-US" dirty="0"/>
-              <a:t>的</a:t>
-            </a:r>
-            <a:r>
-              <a:rPr lang="en-US" altLang="zh-TW" dirty="0"/>
-              <a:t>window</a:t>
-            </a:r>
-            <a:r>
-              <a:rPr lang="zh-TW" altLang="en-US" dirty="0"/>
-              <a:t>，若中心點不是強邊方向上最大的點，則該點設為</a:t>
-            </a:r>
-            <a:r>
-              <a:rPr lang="en-US" altLang="zh-TW" dirty="0"/>
-              <a:t>0</a:t>
-            </a:r>
-          </a:p>
-          <a:p>
-            <a:endParaRPr lang="zh-TW" altLang="en-US" dirty="0"/>
           </a:p>
         </p:txBody>
       </p:sp>
@@ -9433,7 +6869,7 @@
           <p:cNvPr id="5" name="圖片 4">
             <a:extLst>
               <a:ext uri="{FF2B5EF4-FFF2-40B4-BE49-F238E27FC236}">
-                <a16:creationId xmlns:a16="http://schemas.microsoft.com/office/drawing/2014/main" id="{74494AC4-757F-862F-6D68-1E8AC29755F0}"/>
+                <a16:creationId xmlns:a16="http://schemas.microsoft.com/office/drawing/2014/main" id="{71DE8BE4-4797-4701-7DF5-20607BFC2571}"/>
               </a:ext>
             </a:extLst>
           </p:cNvPr>
@@ -9443,15 +6879,15 @@
           <p:nvPr/>
         </p:nvPicPr>
         <p:blipFill>
-          <a:blip r:embed="rId2"/>
+          <a:blip r:embed="rId3"/>
           <a:stretch>
             <a:fillRect/>
           </a:stretch>
         </p:blipFill>
         <p:spPr>
           <a:xfrm>
-            <a:off x="4015401" y="528320"/>
-            <a:ext cx="7818798" cy="6058425"/>
+            <a:off x="3794285" y="1752888"/>
+            <a:ext cx="8131245" cy="3528366"/>
           </a:xfrm>
           <a:prstGeom prst="rect">
             <a:avLst/>
@@ -9461,7 +6897,7 @@
     </p:spTree>
     <p:extLst>
       <p:ext uri="{BB962C8B-B14F-4D97-AF65-F5344CB8AC3E}">
-        <p14:creationId xmlns:p14="http://schemas.microsoft.com/office/powerpoint/2010/main" val="1338502181"/>
+        <p14:creationId xmlns:p14="http://schemas.microsoft.com/office/powerpoint/2010/main" val="4211286414"/>
       </p:ext>
     </p:extLst>
   </p:cSld>
@@ -9493,7 +6929,7 @@
           <p:cNvPr id="2" name="標題 1">
             <a:extLst>
               <a:ext uri="{FF2B5EF4-FFF2-40B4-BE49-F238E27FC236}">
-                <a16:creationId xmlns:a16="http://schemas.microsoft.com/office/drawing/2014/main" id="{F71D1E18-72C6-A471-458A-FD7D94DD01E9}"/>
+                <a16:creationId xmlns:a16="http://schemas.microsoft.com/office/drawing/2014/main" id="{6E71CC3B-65CB-11F6-C409-03935EE82108}"/>
               </a:ext>
             </a:extLst>
           </p:cNvPr>
@@ -9502,140 +6938,22 @@
           </p:cNvSpPr>
           <p:nvPr>
             <p:ph type="title"/>
-          </p:nvPr>
-        </p:nvSpPr>
-        <p:spPr/>
-        <p:txBody>
-          <a:bodyPr/>
-          <a:lstStyle/>
-          <a:p>
-            <a:endParaRPr lang="zh-TW" altLang="en-US"/>
-          </a:p>
-        </p:txBody>
-      </p:sp>
-      <p:sp>
-        <p:nvSpPr>
-          <p:cNvPr id="3" name="內容版面配置區 2">
-            <a:extLst>
-              <a:ext uri="{FF2B5EF4-FFF2-40B4-BE49-F238E27FC236}">
-                <a16:creationId xmlns:a16="http://schemas.microsoft.com/office/drawing/2014/main" id="{D40E8CA6-107C-5C93-6687-06C08CB70264}"/>
-              </a:ext>
-            </a:extLst>
-          </p:cNvPr>
-          <p:cNvSpPr>
-            <a:spLocks noGrp="1"/>
-          </p:cNvSpPr>
-          <p:nvPr>
-            <p:ph idx="1"/>
           </p:nvPr>
         </p:nvSpPr>
         <p:spPr>
           <a:xfrm>
-            <a:off x="735400" y="1757045"/>
-            <a:ext cx="3338760" cy="4040191"/>
+            <a:off x="604936" y="405680"/>
+            <a:ext cx="10213200" cy="1112836"/>
           </a:xfrm>
         </p:spPr>
         <p:txBody>
-          <a:bodyPr>
-            <a:normAutofit lnSpcReduction="10000"/>
-          </a:bodyPr>
-          <a:lstStyle/>
-          <a:p>
-            <a:r>
-              <a:rPr lang="en-US" altLang="zh-TW" dirty="0"/>
-              <a:t>Step5</a:t>
-            </a:r>
+          <a:bodyPr/>
+          <a:lstStyle/>
+          <a:p>
             <a:r>
               <a:rPr lang="zh-TW" altLang="en-US" dirty="0"/>
-              <a:t>：將</a:t>
-            </a:r>
-            <a:r>
-              <a:rPr lang="en-US" altLang="zh-TW" dirty="0"/>
-              <a:t>Step4</a:t>
-            </a:r>
-            <a:r>
-              <a:rPr lang="zh-TW" altLang="en-US" dirty="0"/>
-              <a:t>未被設為</a:t>
-            </a:r>
-            <a:r>
-              <a:rPr lang="en-US" altLang="zh-TW" dirty="0"/>
-              <a:t>0</a:t>
-            </a:r>
-            <a:r>
-              <a:rPr lang="zh-TW" altLang="en-US" dirty="0"/>
-              <a:t>的點與</a:t>
-            </a:r>
-            <a:r>
-              <a:rPr lang="en-US" altLang="zh-TW" dirty="0"/>
-              <a:t>TH</a:t>
-            </a:r>
-            <a:r>
-              <a:rPr lang="zh-TW" altLang="en-US" dirty="0"/>
-              <a:t>、</a:t>
-            </a:r>
-            <a:r>
-              <a:rPr lang="en-US" altLang="zh-TW" dirty="0"/>
-              <a:t>TL</a:t>
-            </a:r>
-            <a:r>
-              <a:rPr lang="zh-TW" altLang="en-US" dirty="0"/>
-              <a:t>比較，大於</a:t>
-            </a:r>
-            <a:r>
-              <a:rPr lang="en-US" altLang="zh-TW" dirty="0"/>
-              <a:t>TH</a:t>
-            </a:r>
-            <a:r>
-              <a:rPr lang="zh-TW" altLang="en-US" dirty="0"/>
-              <a:t>則保留，若只大於</a:t>
-            </a:r>
-            <a:r>
-              <a:rPr lang="en-US" altLang="zh-TW" dirty="0"/>
-              <a:t>TL</a:t>
-            </a:r>
-            <a:r>
-              <a:rPr lang="zh-TW" altLang="en-US" dirty="0"/>
-              <a:t>，則周圍必須有高於</a:t>
-            </a:r>
-            <a:r>
-              <a:rPr lang="en-US" altLang="zh-TW" dirty="0"/>
-              <a:t>TH</a:t>
-            </a:r>
-            <a:r>
-              <a:rPr lang="zh-TW" altLang="en-US" dirty="0"/>
-              <a:t>的點才能保留，其餘狀況皆會將該點設為</a:t>
-            </a:r>
-            <a:r>
-              <a:rPr lang="en-US" altLang="zh-TW" dirty="0"/>
-              <a:t>0</a:t>
-            </a:r>
-            <a:r>
-              <a:rPr lang="zh-TW" altLang="en-US" dirty="0"/>
-              <a:t>（被保留的點設為該點的</a:t>
-            </a:r>
-            <a:r>
-              <a:rPr lang="en-US" altLang="zh-TW" dirty="0"/>
-              <a:t>X</a:t>
-            </a:r>
-            <a:r>
-              <a:rPr lang="zh-TW" altLang="en-US" dirty="0"/>
-              <a:t>、</a:t>
-            </a:r>
-            <a:r>
-              <a:rPr lang="en-US" altLang="zh-TW" dirty="0"/>
-              <a:t>Y</a:t>
-            </a:r>
-            <a:r>
-              <a:rPr lang="zh-TW" altLang="en-US" dirty="0"/>
-              <a:t>方向上的二階導函數的平方合開根號）</a:t>
-            </a:r>
-            <a:endParaRPr lang="en-US" altLang="zh-TW" dirty="0"/>
-          </a:p>
-          <a:p>
-            <a:pPr marL="0" indent="0">
-              <a:buNone/>
-            </a:pPr>
-            <a:endParaRPr lang="zh-TW" altLang="en-US" dirty="0"/>
+              <a:t>其他成果</a:t>
+            </a:r>
           </a:p>
         </p:txBody>
       </p:sp>
@@ -9644,7 +6962,7 @@
           <p:cNvPr id="5" name="圖片 4">
             <a:extLst>
               <a:ext uri="{FF2B5EF4-FFF2-40B4-BE49-F238E27FC236}">
-                <a16:creationId xmlns:a16="http://schemas.microsoft.com/office/drawing/2014/main" id="{D32FD3E7-381E-683D-FC03-D6A6B2624731}"/>
+                <a16:creationId xmlns:a16="http://schemas.microsoft.com/office/drawing/2014/main" id="{0703B20C-FD18-7759-AF1F-8290E4945F85}"/>
               </a:ext>
             </a:extLst>
           </p:cNvPr>
@@ -9655,14 +6973,42 @@
         </p:nvPicPr>
         <p:blipFill>
           <a:blip r:embed="rId2"/>
-          <a:stretch>
-            <a:fillRect/>
-          </a:stretch>
+          <a:srcRect l="19495" r="16414"/>
+          <a:stretch/>
         </p:blipFill>
         <p:spPr>
           <a:xfrm>
-            <a:off x="4195760" y="1324408"/>
-            <a:ext cx="7376799" cy="4656223"/>
+            <a:off x="7606144" y="0"/>
+            <a:ext cx="4395356" cy="6858000"/>
+          </a:xfrm>
+          <a:prstGeom prst="rect">
+            <a:avLst/>
+          </a:prstGeom>
+        </p:spPr>
+      </p:pic>
+      <p:pic>
+        <p:nvPicPr>
+          <p:cNvPr id="11" name="圖片 10">
+            <a:extLst>
+              <a:ext uri="{FF2B5EF4-FFF2-40B4-BE49-F238E27FC236}">
+                <a16:creationId xmlns:a16="http://schemas.microsoft.com/office/drawing/2014/main" id="{BE9C2194-ACD9-DC48-07CE-FE1D7290F090}"/>
+              </a:ext>
+            </a:extLst>
+          </p:cNvPr>
+          <p:cNvPicPr>
+            <a:picLocks noChangeAspect="1"/>
+          </p:cNvPicPr>
+          <p:nvPr/>
+        </p:nvPicPr>
+        <p:blipFill>
+          <a:blip r:embed="rId3"/>
+          <a:srcRect l="19762" r="16146"/>
+          <a:stretch/>
+        </p:blipFill>
+        <p:spPr>
+          <a:xfrm>
+            <a:off x="2971799" y="0"/>
+            <a:ext cx="4395356" cy="6858000"/>
           </a:xfrm>
           <a:prstGeom prst="rect">
             <a:avLst/>
@@ -9672,7 +7018,7 @@
     </p:spTree>
     <p:extLst>
       <p:ext uri="{BB962C8B-B14F-4D97-AF65-F5344CB8AC3E}">
-        <p14:creationId xmlns:p14="http://schemas.microsoft.com/office/powerpoint/2010/main" val="1746956180"/>
+        <p14:creationId xmlns:p14="http://schemas.microsoft.com/office/powerpoint/2010/main" val="51626256"/>
       </p:ext>
     </p:extLst>
   </p:cSld>
@@ -9726,20 +7072,12 @@
           <a:lstStyle/>
           <a:p>
             <a:r>
-              <a:rPr lang="en-US" altLang="zh-TW" dirty="0">
-                <a:latin typeface="Calibri" panose="020F0502020204030204" pitchFamily="34" charset="0"/>
-                <a:ea typeface="Calibri" panose="020F0502020204030204" pitchFamily="34" charset="0"/>
-                <a:cs typeface="Calibri" panose="020F0502020204030204" pitchFamily="34" charset="0"/>
-              </a:rPr>
-              <a:t>Canny</a:t>
-            </a:r>
-            <a:r>
               <a:rPr lang="zh-TW" altLang="en-US" dirty="0">
                 <a:latin typeface="Calibri" panose="020F0502020204030204" pitchFamily="34" charset="0"/>
                 <a:ea typeface="Calibri" panose="020F0502020204030204" pitchFamily="34" charset="0"/>
                 <a:cs typeface="Calibri" panose="020F0502020204030204" pitchFamily="34" charset="0"/>
               </a:rPr>
-              <a:t>分析</a:t>
+              <a:t>其他心得</a:t>
             </a:r>
             <a:endParaRPr lang="zh-TW" altLang="en-US" dirty="0"/>
           </a:p>
@@ -9763,7 +7101,7 @@
         </p:nvSpPr>
         <p:spPr>
           <a:xfrm>
-            <a:off x="989400" y="1390778"/>
+            <a:off x="989400" y="1754460"/>
             <a:ext cx="10213200" cy="4040191"/>
           </a:xfrm>
         </p:spPr>
@@ -9773,167 +7111,67 @@
           <a:p>
             <a:r>
               <a:rPr lang="zh-TW" altLang="en-US" dirty="0"/>
-              <a:t>使用了強邊去除的方法，讓很多在</a:t>
+              <a:t>在實作時，我不斷地在嘗試如何減少計算時間，例如一開始提到的用</a:t>
+            </a:r>
+            <a:r>
+              <a:rPr lang="en-US" altLang="zh-TW" dirty="0" err="1"/>
+              <a:t>lru_cache</a:t>
+            </a:r>
+            <a:r>
+              <a:rPr lang="zh-TW" altLang="en-US" dirty="0"/>
+              <a:t>來儲存</a:t>
+            </a:r>
+            <a:r>
+              <a:rPr lang="en-US" altLang="zh-TW" dirty="0" err="1"/>
+              <a:t>sin,cos</a:t>
+            </a:r>
+            <a:r>
+              <a:rPr lang="zh-TW" altLang="en-US" dirty="0"/>
+              <a:t>陣列外，亦將計算時的遍歷次數減少，像是投票時從</a:t>
             </a:r>
             <a:r>
               <a:rPr lang="en-US" altLang="zh-TW" dirty="0"/>
-              <a:t>Sobel</a:t>
+              <a:t>0-359</a:t>
             </a:r>
             <a:r>
               <a:rPr lang="zh-TW" altLang="en-US" dirty="0"/>
-              <a:t>轉換後會殘留的白色毛邊，都會在</a:t>
+              <a:t>度各計算一次，變成直接用</a:t>
+            </a:r>
+            <a:r>
+              <a:rPr lang="en-US" altLang="zh-TW" dirty="0" err="1"/>
+              <a:t>numpy</a:t>
+            </a:r>
+            <a:r>
+              <a:rPr lang="zh-TW" altLang="en-US" dirty="0"/>
+              <a:t>的陣列乘法來操作，搭配</a:t>
             </a:r>
             <a:r>
               <a:rPr lang="en-US" altLang="zh-TW" dirty="0"/>
-              <a:t>Canny</a:t>
+              <a:t>valid</a:t>
             </a:r>
             <a:r>
               <a:rPr lang="zh-TW" altLang="en-US" dirty="0"/>
-              <a:t>被去除，只留下單純的白線，較為清楚。</a:t>
-            </a:r>
-          </a:p>
-        </p:txBody>
-      </p:sp>
-      <p:pic>
-        <p:nvPicPr>
-          <p:cNvPr id="4" name="圖片 3" descr="一張含有 服裝, 人的臉孔, 頭飾, 時尚配件 的圖片&#10;&#10;自動產生的描述">
-            <a:extLst>
-              <a:ext uri="{FF2B5EF4-FFF2-40B4-BE49-F238E27FC236}">
-                <a16:creationId xmlns:a16="http://schemas.microsoft.com/office/drawing/2014/main" id="{5D7E02A7-2FE6-F27B-DFB2-03C6D21F7098}"/>
-              </a:ext>
-            </a:extLst>
-          </p:cNvPr>
-          <p:cNvPicPr>
-            <a:picLocks noChangeAspect="1"/>
-          </p:cNvPicPr>
-          <p:nvPr/>
-        </p:nvPicPr>
-        <p:blipFill>
-          <a:blip r:embed="rId2">
-            <a:extLst>
-              <a:ext uri="{28A0092B-C50C-407E-A947-70E740481C1C}">
-                <a14:useLocalDpi xmlns:a14="http://schemas.microsoft.com/office/drawing/2010/main" val="0"/>
-              </a:ext>
-            </a:extLst>
-          </a:blip>
-          <a:stretch>
-            <a:fillRect/>
-          </a:stretch>
-        </p:blipFill>
-        <p:spPr>
-          <a:xfrm>
-            <a:off x="2194540" y="2425862"/>
-            <a:ext cx="3657186" cy="3657186"/>
-          </a:xfrm>
-          <a:prstGeom prst="rect">
-            <a:avLst/>
-          </a:prstGeom>
-        </p:spPr>
-      </p:pic>
-      <p:sp>
-        <p:nvSpPr>
-          <p:cNvPr id="5" name="文字方塊 4">
-            <a:extLst>
-              <a:ext uri="{FF2B5EF4-FFF2-40B4-BE49-F238E27FC236}">
-                <a16:creationId xmlns:a16="http://schemas.microsoft.com/office/drawing/2014/main" id="{128C53D7-0D79-40E8-CB86-4C80515E80C1}"/>
-              </a:ext>
-            </a:extLst>
-          </p:cNvPr>
-          <p:cNvSpPr txBox="1"/>
-          <p:nvPr/>
-        </p:nvSpPr>
-        <p:spPr>
-          <a:xfrm>
-            <a:off x="6096001" y="6093379"/>
-            <a:ext cx="3657186" cy="369332"/>
-          </a:xfrm>
-          <a:prstGeom prst="rect">
-            <a:avLst/>
-          </a:prstGeom>
-          <a:noFill/>
-        </p:spPr>
-        <p:txBody>
-          <a:bodyPr wrap="square" rtlCol="0">
-            <a:spAutoFit/>
-          </a:bodyPr>
-          <a:lstStyle/>
-          <a:p>
-            <a:pPr algn="ctr"/>
+              <a:t>找出有效點進行投票，雖然演算法複雜度沒有實質降低，但運作的時間從原本的</a:t>
+            </a:r>
             <a:r>
               <a:rPr lang="en-US" altLang="zh-TW" dirty="0"/>
-              <a:t>Canny Edge</a:t>
-            </a:r>
-            <a:endParaRPr lang="zh-TW" altLang="en-US" dirty="0"/>
-          </a:p>
-        </p:txBody>
-      </p:sp>
-      <p:sp>
-        <p:nvSpPr>
-          <p:cNvPr id="6" name="文字方塊 5">
-            <a:extLst>
-              <a:ext uri="{FF2B5EF4-FFF2-40B4-BE49-F238E27FC236}">
-                <a16:creationId xmlns:a16="http://schemas.microsoft.com/office/drawing/2014/main" id="{7226A514-B6EB-7973-DF54-5ED1A1CD309A}"/>
-              </a:ext>
-            </a:extLst>
-          </p:cNvPr>
-          <p:cNvSpPr txBox="1"/>
-          <p:nvPr/>
-        </p:nvSpPr>
-        <p:spPr>
-          <a:xfrm>
-            <a:off x="2194539" y="6093379"/>
-            <a:ext cx="3657186" cy="369332"/>
-          </a:xfrm>
-          <a:prstGeom prst="rect">
-            <a:avLst/>
-          </a:prstGeom>
-          <a:noFill/>
-        </p:spPr>
-        <p:txBody>
-          <a:bodyPr wrap="square" rtlCol="0">
-            <a:spAutoFit/>
-          </a:bodyPr>
-          <a:lstStyle/>
-          <a:p>
-            <a:pPr algn="ctr"/>
+              <a:t>2</a:t>
+            </a:r>
+            <a:r>
+              <a:rPr lang="zh-TW" altLang="en-US" dirty="0"/>
+              <a:t>分鐘左右降到</a:t>
+            </a:r>
             <a:r>
               <a:rPr lang="en-US" altLang="zh-TW" dirty="0"/>
-              <a:t>Original</a:t>
-            </a:r>
-            <a:endParaRPr lang="zh-TW" altLang="en-US" dirty="0"/>
-          </a:p>
-        </p:txBody>
-      </p:sp>
-      <p:pic>
-        <p:nvPicPr>
-          <p:cNvPr id="7" name="圖片 6">
-            <a:extLst>
-              <a:ext uri="{FF2B5EF4-FFF2-40B4-BE49-F238E27FC236}">
-                <a16:creationId xmlns:a16="http://schemas.microsoft.com/office/drawing/2014/main" id="{632A92DA-A007-0CE3-F757-C4CE254BC5DD}"/>
-              </a:ext>
-            </a:extLst>
-          </p:cNvPr>
-          <p:cNvPicPr>
-            <a:picLocks noChangeAspect="1"/>
-          </p:cNvPicPr>
-          <p:nvPr/>
-        </p:nvPicPr>
-        <p:blipFill>
-          <a:blip r:embed="rId3"/>
-          <a:stretch>
-            <a:fillRect/>
-          </a:stretch>
-        </p:blipFill>
-        <p:spPr>
-          <a:xfrm>
-            <a:off x="6096000" y="2436192"/>
-            <a:ext cx="3657187" cy="3657187"/>
-          </a:xfrm>
-          <a:prstGeom prst="rect">
-            <a:avLst/>
-          </a:prstGeom>
-        </p:spPr>
-      </p:pic>
+              <a:t>40</a:t>
+            </a:r>
+            <a:r>
+              <a:rPr lang="zh-TW" altLang="en-US" dirty="0"/>
+              <a:t>秒，是很好的成果。</a:t>
+            </a:r>
+          </a:p>
+        </p:txBody>
+      </p:sp>
     </p:spTree>
     <p:extLst>
       <p:ext uri="{BB962C8B-B14F-4D97-AF65-F5344CB8AC3E}">
